--- a/Green Function Method/ring_resonators/“Dynamic” Hologram by Ring Resonators.pptx
+++ b/Green Function Method/ring_resonators/“Dynamic” Hologram by Ring Resonators.pptx
@@ -5,7 +5,7 @@
     <p:sldMasterId id="2147483648" r:id="rId1"/>
   </p:sldMasterIdLst>
   <p:notesMasterIdLst>
-    <p:notesMasterId r:id="rId8"/>
+    <p:notesMasterId r:id="rId9"/>
   </p:notesMasterIdLst>
   <p:sldIdLst>
     <p:sldId id="276" r:id="rId2"/>
@@ -13,7 +13,8 @@
     <p:sldId id="277" r:id="rId4"/>
     <p:sldId id="280" r:id="rId5"/>
     <p:sldId id="281" r:id="rId6"/>
-    <p:sldId id="283" r:id="rId7"/>
+    <p:sldId id="282" r:id="rId7"/>
+    <p:sldId id="283" r:id="rId8"/>
   </p:sldIdLst>
   <p:sldSz cx="12192000" cy="6858000"/>
   <p:notesSz cx="6858000" cy="9144000"/>
@@ -202,7 +203,7 @@
           <a:p>
             <a:fld id="{BD59A7CB-AC91-4F52-AA15-CEE6DBD9049B}" type="datetimeFigureOut">
               <a:rPr lang="en-US" smtClean="0"/>
-              <a:t>6/25/2020</a:t>
+              <a:t>6/26/2020</a:t>
             </a:fld>
             <a:endParaRPr lang="en-US"/>
           </a:p>
@@ -556,178 +557,6 @@
 </p:notes>
 </file>
 
-<file path=ppt/notesSlides/notesSlide2.xml><?xml version="1.0" encoding="utf-8"?>
-<p:notes xmlns:a="http://schemas.openxmlformats.org/drawingml/2006/main" xmlns:r="http://schemas.openxmlformats.org/officeDocument/2006/relationships" xmlns:p="http://schemas.openxmlformats.org/presentationml/2006/main">
-  <p:cSld>
-    <p:spTree>
-      <p:nvGrpSpPr>
-        <p:cNvPr id="1" name=""/>
-        <p:cNvGrpSpPr/>
-        <p:nvPr/>
-      </p:nvGrpSpPr>
-      <p:grpSpPr>
-        <a:xfrm>
-          <a:off x="0" y="0"/>
-          <a:ext cx="0" cy="0"/>
-          <a:chOff x="0" y="0"/>
-          <a:chExt cx="0" cy="0"/>
-        </a:xfrm>
-      </p:grpSpPr>
-      <p:sp>
-        <p:nvSpPr>
-          <p:cNvPr id="2" name="Slide Image Placeholder 1"/>
-          <p:cNvSpPr>
-            <a:spLocks noGrp="1" noRot="1" noChangeAspect="1"/>
-          </p:cNvSpPr>
-          <p:nvPr>
-            <p:ph type="sldImg"/>
-          </p:nvPr>
-        </p:nvSpPr>
-        <p:spPr/>
-      </p:sp>
-      <p:sp>
-        <p:nvSpPr>
-          <p:cNvPr id="3" name="Notes Placeholder 2"/>
-          <p:cNvSpPr>
-            <a:spLocks noGrp="1"/>
-          </p:cNvSpPr>
-          <p:nvPr>
-            <p:ph type="body" idx="1"/>
-          </p:nvPr>
-        </p:nvSpPr>
-        <p:spPr/>
-        <p:txBody>
-          <a:bodyPr/>
-          <a:lstStyle/>
-          <a:p>
-            <a:r>
-              <a:rPr lang="it-IT" dirty="0"/>
-              <a:t>spotSize = 20e-6; scatterSize = 2e-6; meshSize = 1000E-9; scatterNum = 30;</a:t>
-            </a:r>
-            <a:endParaRPr lang="en-US" dirty="0"/>
-          </a:p>
-        </p:txBody>
-      </p:sp>
-      <p:sp>
-        <p:nvSpPr>
-          <p:cNvPr id="4" name="Slide Number Placeholder 3"/>
-          <p:cNvSpPr>
-            <a:spLocks noGrp="1"/>
-          </p:cNvSpPr>
-          <p:nvPr>
-            <p:ph type="sldNum" sz="quarter" idx="5"/>
-          </p:nvPr>
-        </p:nvSpPr>
-        <p:spPr/>
-        <p:txBody>
-          <a:bodyPr/>
-          <a:lstStyle/>
-          <a:p>
-            <a:fld id="{ABF5D680-CDEC-495E-81F9-E1BDBE7308BE}" type="slidenum">
-              <a:rPr lang="en-US" smtClean="0"/>
-              <a:t>5</a:t>
-            </a:fld>
-            <a:endParaRPr lang="en-US"/>
-          </a:p>
-        </p:txBody>
-      </p:sp>
-    </p:spTree>
-    <p:extLst>
-      <p:ext uri="{BB962C8B-B14F-4D97-AF65-F5344CB8AC3E}">
-        <p14:creationId xmlns:p14="http://schemas.microsoft.com/office/powerpoint/2010/main" val="1233490838"/>
-      </p:ext>
-    </p:extLst>
-  </p:cSld>
-  <p:clrMapOvr>
-    <a:masterClrMapping/>
-  </p:clrMapOvr>
-</p:notes>
-</file>
-
-<file path=ppt/notesSlides/notesSlide3.xml><?xml version="1.0" encoding="utf-8"?>
-<p:notes xmlns:a="http://schemas.openxmlformats.org/drawingml/2006/main" xmlns:r="http://schemas.openxmlformats.org/officeDocument/2006/relationships" xmlns:p="http://schemas.openxmlformats.org/presentationml/2006/main">
-  <p:cSld>
-    <p:spTree>
-      <p:nvGrpSpPr>
-        <p:cNvPr id="1" name=""/>
-        <p:cNvGrpSpPr/>
-        <p:nvPr/>
-      </p:nvGrpSpPr>
-      <p:grpSpPr>
-        <a:xfrm>
-          <a:off x="0" y="0"/>
-          <a:ext cx="0" cy="0"/>
-          <a:chOff x="0" y="0"/>
-          <a:chExt cx="0" cy="0"/>
-        </a:xfrm>
-      </p:grpSpPr>
-      <p:sp>
-        <p:nvSpPr>
-          <p:cNvPr id="2" name="Slide Image Placeholder 1"/>
-          <p:cNvSpPr>
-            <a:spLocks noGrp="1" noRot="1" noChangeAspect="1"/>
-          </p:cNvSpPr>
-          <p:nvPr>
-            <p:ph type="sldImg"/>
-          </p:nvPr>
-        </p:nvSpPr>
-        <p:spPr/>
-      </p:sp>
-      <p:sp>
-        <p:nvSpPr>
-          <p:cNvPr id="3" name="Notes Placeholder 2"/>
-          <p:cNvSpPr>
-            <a:spLocks noGrp="1"/>
-          </p:cNvSpPr>
-          <p:nvPr>
-            <p:ph type="body" idx="1"/>
-          </p:nvPr>
-        </p:nvSpPr>
-        <p:spPr/>
-        <p:txBody>
-          <a:bodyPr/>
-          <a:lstStyle/>
-          <a:p>
-            <a:endParaRPr lang="en-US" dirty="0"/>
-          </a:p>
-        </p:txBody>
-      </p:sp>
-      <p:sp>
-        <p:nvSpPr>
-          <p:cNvPr id="4" name="Slide Number Placeholder 3"/>
-          <p:cNvSpPr>
-            <a:spLocks noGrp="1"/>
-          </p:cNvSpPr>
-          <p:nvPr>
-            <p:ph type="sldNum" sz="quarter" idx="5"/>
-          </p:nvPr>
-        </p:nvSpPr>
-        <p:spPr/>
-        <p:txBody>
-          <a:bodyPr/>
-          <a:lstStyle/>
-          <a:p>
-            <a:fld id="{ABF5D680-CDEC-495E-81F9-E1BDBE7308BE}" type="slidenum">
-              <a:rPr lang="en-US" smtClean="0"/>
-              <a:t>6</a:t>
-            </a:fld>
-            <a:endParaRPr lang="en-US"/>
-          </a:p>
-        </p:txBody>
-      </p:sp>
-    </p:spTree>
-    <p:extLst>
-      <p:ext uri="{BB962C8B-B14F-4D97-AF65-F5344CB8AC3E}">
-        <p14:creationId xmlns:p14="http://schemas.microsoft.com/office/powerpoint/2010/main" val="1967625317"/>
-      </p:ext>
-    </p:extLst>
-  </p:cSld>
-  <p:clrMapOvr>
-    <a:masterClrMapping/>
-  </p:clrMapOvr>
-</p:notes>
-</file>
-
 <file path=ppt/slideLayouts/slideLayout1.xml><?xml version="1.0" encoding="utf-8"?>
 <p:sldLayout xmlns:a="http://schemas.openxmlformats.org/drawingml/2006/main" xmlns:r="http://schemas.openxmlformats.org/officeDocument/2006/relationships" xmlns:p="http://schemas.openxmlformats.org/presentationml/2006/main" type="title" preserve="1">
   <p:cSld name="Title Slide">
@@ -875,7 +704,7 @@
           <a:p>
             <a:fld id="{D051CA3F-F965-4D33-880E-09FCD71B3DE9}" type="datetimeFigureOut">
               <a:rPr lang="en-US" smtClean="0"/>
-              <a:t>6/23/2020</a:t>
+              <a:t>6/26/2020</a:t>
             </a:fld>
             <a:endParaRPr lang="en-US"/>
           </a:p>
@@ -1073,7 +902,7 @@
           <a:p>
             <a:fld id="{D051CA3F-F965-4D33-880E-09FCD71B3DE9}" type="datetimeFigureOut">
               <a:rPr lang="en-US" smtClean="0"/>
-              <a:t>6/23/2020</a:t>
+              <a:t>6/26/2020</a:t>
             </a:fld>
             <a:endParaRPr lang="en-US"/>
           </a:p>
@@ -1281,7 +1110,7 @@
           <a:p>
             <a:fld id="{D051CA3F-F965-4D33-880E-09FCD71B3DE9}" type="datetimeFigureOut">
               <a:rPr lang="en-US" smtClean="0"/>
-              <a:t>6/23/2020</a:t>
+              <a:t>6/26/2020</a:t>
             </a:fld>
             <a:endParaRPr lang="en-US"/>
           </a:p>
@@ -1479,7 +1308,7 @@
           <a:p>
             <a:fld id="{D051CA3F-F965-4D33-880E-09FCD71B3DE9}" type="datetimeFigureOut">
               <a:rPr lang="en-US" smtClean="0"/>
-              <a:t>6/23/2020</a:t>
+              <a:t>6/26/2020</a:t>
             </a:fld>
             <a:endParaRPr lang="en-US"/>
           </a:p>
@@ -1754,7 +1583,7 @@
           <a:p>
             <a:fld id="{D051CA3F-F965-4D33-880E-09FCD71B3DE9}" type="datetimeFigureOut">
               <a:rPr lang="en-US" smtClean="0"/>
-              <a:t>6/23/2020</a:t>
+              <a:t>6/26/2020</a:t>
             </a:fld>
             <a:endParaRPr lang="en-US"/>
           </a:p>
@@ -2019,7 +1848,7 @@
           <a:p>
             <a:fld id="{D051CA3F-F965-4D33-880E-09FCD71B3DE9}" type="datetimeFigureOut">
               <a:rPr lang="en-US" smtClean="0"/>
-              <a:t>6/23/2020</a:t>
+              <a:t>6/26/2020</a:t>
             </a:fld>
             <a:endParaRPr lang="en-US"/>
           </a:p>
@@ -2431,7 +2260,7 @@
           <a:p>
             <a:fld id="{D051CA3F-F965-4D33-880E-09FCD71B3DE9}" type="datetimeFigureOut">
               <a:rPr lang="en-US" smtClean="0"/>
-              <a:t>6/23/2020</a:t>
+              <a:t>6/26/2020</a:t>
             </a:fld>
             <a:endParaRPr lang="en-US"/>
           </a:p>
@@ -2572,7 +2401,7 @@
           <a:p>
             <a:fld id="{D051CA3F-F965-4D33-880E-09FCD71B3DE9}" type="datetimeFigureOut">
               <a:rPr lang="en-US" smtClean="0"/>
-              <a:t>6/23/2020</a:t>
+              <a:t>6/26/2020</a:t>
             </a:fld>
             <a:endParaRPr lang="en-US"/>
           </a:p>
@@ -2685,7 +2514,7 @@
           <a:p>
             <a:fld id="{D051CA3F-F965-4D33-880E-09FCD71B3DE9}" type="datetimeFigureOut">
               <a:rPr lang="en-US" smtClean="0"/>
-              <a:t>6/23/2020</a:t>
+              <a:t>6/26/2020</a:t>
             </a:fld>
             <a:endParaRPr lang="en-US"/>
           </a:p>
@@ -2996,7 +2825,7 @@
           <a:p>
             <a:fld id="{D051CA3F-F965-4D33-880E-09FCD71B3DE9}" type="datetimeFigureOut">
               <a:rPr lang="en-US" smtClean="0"/>
-              <a:t>6/23/2020</a:t>
+              <a:t>6/26/2020</a:t>
             </a:fld>
             <a:endParaRPr lang="en-US"/>
           </a:p>
@@ -3284,7 +3113,7 @@
           <a:p>
             <a:fld id="{D051CA3F-F965-4D33-880E-09FCD71B3DE9}" type="datetimeFigureOut">
               <a:rPr lang="en-US" smtClean="0"/>
-              <a:t>6/23/2020</a:t>
+              <a:t>6/26/2020</a:t>
             </a:fld>
             <a:endParaRPr lang="en-US"/>
           </a:p>
@@ -3525,7 +3354,7 @@
           <a:p>
             <a:fld id="{D051CA3F-F965-4D33-880E-09FCD71B3DE9}" type="datetimeFigureOut">
               <a:rPr lang="en-US" smtClean="0"/>
-              <a:t>6/23/2020</a:t>
+              <a:t>6/26/2020</a:t>
             </a:fld>
             <a:endParaRPr lang="en-US"/>
           </a:p>
@@ -22893,649 +22722,254 @@
           <a:chExt cx="0" cy="0"/>
         </a:xfrm>
       </p:grpSpPr>
-      <p:pic>
-        <p:nvPicPr>
-          <p:cNvPr id="4" name="Picture 3">
+      <p:grpSp>
+        <p:nvGrpSpPr>
+          <p:cNvPr id="12" name="Group 11">
             <a:extLst>
               <a:ext uri="{FF2B5EF4-FFF2-40B4-BE49-F238E27FC236}">
-                <a16:creationId xmlns:a16="http://schemas.microsoft.com/office/drawing/2014/main" id="{F5D69251-64A2-46BE-AFD2-9E049A701121}"/>
+                <a16:creationId xmlns:a16="http://schemas.microsoft.com/office/drawing/2014/main" id="{78CE5BEB-7DFB-45A6-B68C-DB5946DBA126}"/>
               </a:ext>
             </a:extLst>
           </p:cNvPr>
-          <p:cNvPicPr>
-            <a:picLocks noChangeAspect="1"/>
-          </p:cNvPicPr>
+          <p:cNvGrpSpPr/>
           <p:nvPr/>
-        </p:nvPicPr>
-        <p:blipFill>
-          <a:blip r:embed="rId3"/>
-          <a:stretch>
-            <a:fillRect/>
-          </a:stretch>
-        </p:blipFill>
-        <p:spPr>
+        </p:nvGrpSpPr>
+        <p:grpSpPr>
           <a:xfrm>
-            <a:off x="416735" y="375604"/>
-            <a:ext cx="3340100" cy="2863850"/>
+            <a:off x="8395317" y="1517433"/>
+            <a:ext cx="3157204" cy="2737668"/>
+            <a:chOff x="2041801" y="2023460"/>
+            <a:chExt cx="3157204" cy="2737668"/>
           </a:xfrm>
-          <a:prstGeom prst="rect">
-            <a:avLst/>
-          </a:prstGeom>
-        </p:spPr>
-      </p:pic>
-      <p:pic>
-        <p:nvPicPr>
-          <p:cNvPr id="5" name="Picture 4">
+        </p:grpSpPr>
+        <p:pic>
+          <p:nvPicPr>
+            <p:cNvPr id="5" name="Picture 4">
+              <a:extLst>
+                <a:ext uri="{FF2B5EF4-FFF2-40B4-BE49-F238E27FC236}">
+                  <a16:creationId xmlns:a16="http://schemas.microsoft.com/office/drawing/2014/main" id="{E14CCA50-8AA6-4328-8DD3-D39E86D84C8E}"/>
+                </a:ext>
+              </a:extLst>
+            </p:cNvPr>
+            <p:cNvPicPr>
+              <a:picLocks noChangeAspect="1"/>
+            </p:cNvPicPr>
+            <p:nvPr/>
+          </p:nvPicPr>
+          <p:blipFill>
+            <a:blip r:embed="rId2"/>
+            <a:stretch>
+              <a:fillRect/>
+            </a:stretch>
+          </p:blipFill>
+          <p:spPr>
+            <a:xfrm>
+              <a:off x="2380355" y="2023460"/>
+              <a:ext cx="2818650" cy="2425000"/>
+            </a:xfrm>
+            <a:prstGeom prst="rect">
+              <a:avLst/>
+            </a:prstGeom>
+          </p:spPr>
+        </p:pic>
+        <p:sp>
+          <p:nvSpPr>
+            <p:cNvPr id="8" name="TextBox 7">
+              <a:extLst>
+                <a:ext uri="{FF2B5EF4-FFF2-40B4-BE49-F238E27FC236}">
+                  <a16:creationId xmlns:a16="http://schemas.microsoft.com/office/drawing/2014/main" id="{DD048546-C1DB-4571-93DC-D9650D98C5F7}"/>
+                </a:ext>
+              </a:extLst>
+            </p:cNvPr>
+            <p:cNvSpPr txBox="1"/>
+            <p:nvPr/>
+          </p:nvSpPr>
+          <p:spPr>
+            <a:xfrm>
+              <a:off x="2896158" y="4422574"/>
+              <a:ext cx="2249690" cy="338554"/>
+            </a:xfrm>
+            <a:prstGeom prst="rect">
+              <a:avLst/>
+            </a:prstGeom>
+            <a:noFill/>
+          </p:spPr>
+          <p:txBody>
+            <a:bodyPr wrap="square" rtlCol="0">
+              <a:spAutoFit/>
+            </a:bodyPr>
+            <a:lstStyle/>
+            <a:p>
+              <a:r>
+                <a:rPr lang="en-US" sz="1600" b="1" dirty="0"/>
+                <a:t>Number of elements</a:t>
+              </a:r>
+            </a:p>
+          </p:txBody>
+        </p:sp>
+        <p:sp>
+          <p:nvSpPr>
+            <p:cNvPr id="9" name="TextBox 8">
+              <a:extLst>
+                <a:ext uri="{FF2B5EF4-FFF2-40B4-BE49-F238E27FC236}">
+                  <a16:creationId xmlns:a16="http://schemas.microsoft.com/office/drawing/2014/main" id="{5FE3C32E-CE0F-45AF-8428-50EA2D1D7E96}"/>
+                </a:ext>
+              </a:extLst>
+            </p:cNvPr>
+            <p:cNvSpPr txBox="1"/>
+            <p:nvPr/>
+          </p:nvSpPr>
+          <p:spPr>
+            <a:xfrm rot="16200000">
+              <a:off x="1810676" y="2989614"/>
+              <a:ext cx="800804" cy="338554"/>
+            </a:xfrm>
+            <a:prstGeom prst="rect">
+              <a:avLst/>
+            </a:prstGeom>
+            <a:noFill/>
+          </p:spPr>
+          <p:txBody>
+            <a:bodyPr wrap="square" rtlCol="0">
+              <a:spAutoFit/>
+            </a:bodyPr>
+            <a:lstStyle/>
+            <a:p>
+              <a:r>
+                <a:rPr lang="en-US" sz="1600" b="1" dirty="0"/>
+                <a:t>SNR2</a:t>
+              </a:r>
+            </a:p>
+          </p:txBody>
+        </p:sp>
+      </p:grpSp>
+      <p:grpSp>
+        <p:nvGrpSpPr>
+          <p:cNvPr id="11" name="Group 10">
             <a:extLst>
               <a:ext uri="{FF2B5EF4-FFF2-40B4-BE49-F238E27FC236}">
-                <a16:creationId xmlns:a16="http://schemas.microsoft.com/office/drawing/2014/main" id="{39D7C892-37B8-41DF-8A22-8EC65899FC3C}"/>
+                <a16:creationId xmlns:a16="http://schemas.microsoft.com/office/drawing/2014/main" id="{9B6C0BB4-ABDD-4D97-9716-CA3926F59CF1}"/>
               </a:ext>
             </a:extLst>
           </p:cNvPr>
-          <p:cNvPicPr>
-            <a:picLocks noChangeAspect="1"/>
-          </p:cNvPicPr>
+          <p:cNvGrpSpPr/>
           <p:nvPr/>
-        </p:nvPicPr>
-        <p:blipFill>
-          <a:blip r:embed="rId4"/>
-          <a:stretch>
-            <a:fillRect/>
-          </a:stretch>
-        </p:blipFill>
-        <p:spPr>
+        </p:nvGrpSpPr>
+        <p:grpSpPr>
           <a:xfrm>
-            <a:off x="8103870" y="3277467"/>
-            <a:ext cx="3340100" cy="2863850"/>
+            <a:off x="5258433" y="1517433"/>
+            <a:ext cx="3136884" cy="2763554"/>
+            <a:chOff x="5757446" y="2023460"/>
+            <a:chExt cx="3136884" cy="2763554"/>
           </a:xfrm>
-          <a:prstGeom prst="rect">
-            <a:avLst/>
-          </a:prstGeom>
-        </p:spPr>
-      </p:pic>
-      <p:pic>
-        <p:nvPicPr>
-          <p:cNvPr id="6" name="Picture 5">
+        </p:grpSpPr>
+        <p:pic>
+          <p:nvPicPr>
+            <p:cNvPr id="6" name="Picture 5">
+              <a:extLst>
+                <a:ext uri="{FF2B5EF4-FFF2-40B4-BE49-F238E27FC236}">
+                  <a16:creationId xmlns:a16="http://schemas.microsoft.com/office/drawing/2014/main" id="{E9EBC438-5E71-4ECA-B5FE-C2D7D827055B}"/>
+                </a:ext>
+              </a:extLst>
+            </p:cNvPr>
+            <p:cNvPicPr>
+              <a:picLocks noChangeAspect="1"/>
+            </p:cNvPicPr>
+            <p:nvPr/>
+          </p:nvPicPr>
+          <p:blipFill>
+            <a:blip r:embed="rId3"/>
+            <a:stretch>
+              <a:fillRect/>
+            </a:stretch>
+          </p:blipFill>
+          <p:spPr>
+            <a:xfrm>
+              <a:off x="6075680" y="2023460"/>
+              <a:ext cx="2818650" cy="2425000"/>
+            </a:xfrm>
+            <a:prstGeom prst="rect">
+              <a:avLst/>
+            </a:prstGeom>
+          </p:spPr>
+        </p:pic>
+        <p:sp>
+          <p:nvSpPr>
+            <p:cNvPr id="7" name="TextBox 6">
+              <a:extLst>
+                <a:ext uri="{FF2B5EF4-FFF2-40B4-BE49-F238E27FC236}">
+                  <a16:creationId xmlns:a16="http://schemas.microsoft.com/office/drawing/2014/main" id="{5737FB24-3DCF-4022-ADBE-EBB58C525E4F}"/>
+                </a:ext>
+              </a:extLst>
+            </p:cNvPr>
+            <p:cNvSpPr txBox="1"/>
+            <p:nvPr/>
+          </p:nvSpPr>
+          <p:spPr>
+            <a:xfrm>
+              <a:off x="6512560" y="4448460"/>
+              <a:ext cx="2249690" cy="338554"/>
+            </a:xfrm>
+            <a:prstGeom prst="rect">
+              <a:avLst/>
+            </a:prstGeom>
+            <a:noFill/>
+          </p:spPr>
+          <p:txBody>
+            <a:bodyPr wrap="square" rtlCol="0">
+              <a:spAutoFit/>
+            </a:bodyPr>
+            <a:lstStyle/>
+            <a:p>
+              <a:r>
+                <a:rPr lang="en-US" sz="1600" b="1" dirty="0"/>
+                <a:t>Number of elements</a:t>
+              </a:r>
+            </a:p>
+          </p:txBody>
+        </p:sp>
+        <p:sp>
+          <p:nvSpPr>
+            <p:cNvPr id="10" name="TextBox 9">
+              <a:extLst>
+                <a:ext uri="{FF2B5EF4-FFF2-40B4-BE49-F238E27FC236}">
+                  <a16:creationId xmlns:a16="http://schemas.microsoft.com/office/drawing/2014/main" id="{9F7ECF7F-D444-4D3E-B2B3-20112E97DE1C}"/>
+                </a:ext>
+              </a:extLst>
+            </p:cNvPr>
+            <p:cNvSpPr txBox="1"/>
+            <p:nvPr/>
+          </p:nvSpPr>
+          <p:spPr>
+            <a:xfrm rot="16200000">
+              <a:off x="5526321" y="2989613"/>
+              <a:ext cx="800804" cy="338554"/>
+            </a:xfrm>
+            <a:prstGeom prst="rect">
+              <a:avLst/>
+            </a:prstGeom>
+            <a:noFill/>
+          </p:spPr>
+          <p:txBody>
+            <a:bodyPr wrap="square" rtlCol="0">
+              <a:spAutoFit/>
+            </a:bodyPr>
+            <a:lstStyle/>
+            <a:p>
+              <a:r>
+                <a:rPr lang="en-US" sz="1600" b="1" dirty="0"/>
+                <a:t>SNR1</a:t>
+              </a:r>
+            </a:p>
+          </p:txBody>
+        </p:sp>
+      </p:grpSp>
+      <p:sp>
+        <p:nvSpPr>
+          <p:cNvPr id="13" name="TextBox 12">
             <a:extLst>
               <a:ext uri="{FF2B5EF4-FFF2-40B4-BE49-F238E27FC236}">
-                <a16:creationId xmlns:a16="http://schemas.microsoft.com/office/drawing/2014/main" id="{625BE263-4F3C-4140-930F-F607B49D7AFA}"/>
-              </a:ext>
-            </a:extLst>
-          </p:cNvPr>
-          <p:cNvPicPr>
-            <a:picLocks noChangeAspect="1"/>
-          </p:cNvPicPr>
-          <p:nvPr/>
-        </p:nvPicPr>
-        <p:blipFill>
-          <a:blip r:embed="rId5"/>
-          <a:stretch>
-            <a:fillRect/>
-          </a:stretch>
-        </p:blipFill>
-        <p:spPr>
-          <a:xfrm>
-            <a:off x="4252976" y="831820"/>
-            <a:ext cx="2026278" cy="1737360"/>
-          </a:xfrm>
-          <a:prstGeom prst="rect">
-            <a:avLst/>
-          </a:prstGeom>
-        </p:spPr>
-      </p:pic>
-      <p:pic>
-        <p:nvPicPr>
-          <p:cNvPr id="7" name="Picture 6">
-            <a:extLst>
-              <a:ext uri="{FF2B5EF4-FFF2-40B4-BE49-F238E27FC236}">
-                <a16:creationId xmlns:a16="http://schemas.microsoft.com/office/drawing/2014/main" id="{CC9FECE8-8927-408D-BB5B-B72DE0224757}"/>
-              </a:ext>
-            </a:extLst>
-          </p:cNvPr>
-          <p:cNvPicPr>
-            <a:picLocks noChangeAspect="1"/>
-          </p:cNvPicPr>
-          <p:nvPr/>
-        </p:nvPicPr>
-        <p:blipFill>
-          <a:blip r:embed="rId6"/>
-          <a:stretch>
-            <a:fillRect/>
-          </a:stretch>
-        </p:blipFill>
-        <p:spPr>
-          <a:xfrm>
-            <a:off x="4567526" y="3277467"/>
-            <a:ext cx="3340100" cy="2863850"/>
-          </a:xfrm>
-          <a:prstGeom prst="rect">
-            <a:avLst/>
-          </a:prstGeom>
-        </p:spPr>
-      </p:pic>
-      <p:pic>
-        <p:nvPicPr>
-          <p:cNvPr id="8" name="Picture 7">
-            <a:extLst>
-              <a:ext uri="{FF2B5EF4-FFF2-40B4-BE49-F238E27FC236}">
-                <a16:creationId xmlns:a16="http://schemas.microsoft.com/office/drawing/2014/main" id="{4C23BC50-06DC-4EAE-A270-98F80D2F2021}"/>
-              </a:ext>
-            </a:extLst>
-          </p:cNvPr>
-          <p:cNvPicPr>
-            <a:picLocks noChangeAspect="1"/>
-          </p:cNvPicPr>
-          <p:nvPr/>
-        </p:nvPicPr>
-        <p:blipFill>
-          <a:blip r:embed="rId7"/>
-          <a:stretch>
-            <a:fillRect/>
-          </a:stretch>
-        </p:blipFill>
-        <p:spPr>
-          <a:xfrm>
-            <a:off x="1037532" y="3277467"/>
-            <a:ext cx="3333750" cy="2857500"/>
-          </a:xfrm>
-          <a:prstGeom prst="rect">
-            <a:avLst/>
-          </a:prstGeom>
-        </p:spPr>
-      </p:pic>
-      <p:sp>
-        <p:nvSpPr>
-          <p:cNvPr id="9" name="Rectangle 8">
-            <a:extLst>
-              <a:ext uri="{FF2B5EF4-FFF2-40B4-BE49-F238E27FC236}">
-                <a16:creationId xmlns:a16="http://schemas.microsoft.com/office/drawing/2014/main" id="{1532F8CF-D6B0-4EBB-80A0-0DA3E5A2A61E}"/>
-              </a:ext>
-            </a:extLst>
-          </p:cNvPr>
-          <p:cNvSpPr/>
-          <p:nvPr/>
-        </p:nvSpPr>
-        <p:spPr>
-          <a:xfrm>
-            <a:off x="1727240" y="1381760"/>
-            <a:ext cx="295048" cy="262708"/>
-          </a:xfrm>
-          <a:prstGeom prst="rect">
-            <a:avLst/>
-          </a:prstGeom>
-          <a:noFill/>
-          <a:ln w="28575"/>
-        </p:spPr>
-        <p:style>
-          <a:lnRef idx="2">
-            <a:schemeClr val="dk1"/>
-          </a:lnRef>
-          <a:fillRef idx="1">
-            <a:schemeClr val="lt1"/>
-          </a:fillRef>
-          <a:effectRef idx="0">
-            <a:schemeClr val="dk1"/>
-          </a:effectRef>
-          <a:fontRef idx="minor">
-            <a:schemeClr val="dk1"/>
-          </a:fontRef>
-        </p:style>
-        <p:txBody>
-          <a:bodyPr rtlCol="0" anchor="ctr"/>
-          <a:lstStyle/>
-          <a:p>
-            <a:pPr algn="ctr"/>
-            <a:endParaRPr lang="en-US"/>
-          </a:p>
-        </p:txBody>
-      </p:sp>
-      <p:cxnSp>
-        <p:nvCxnSpPr>
-          <p:cNvPr id="10" name="Straight Connector 9">
-            <a:extLst>
-              <a:ext uri="{FF2B5EF4-FFF2-40B4-BE49-F238E27FC236}">
-                <a16:creationId xmlns:a16="http://schemas.microsoft.com/office/drawing/2014/main" id="{217C8A44-0318-467A-B38F-CA6062A29332}"/>
-              </a:ext>
-            </a:extLst>
-          </p:cNvPr>
-          <p:cNvCxnSpPr>
-            <a:cxnSpLocks/>
-          </p:cNvCxnSpPr>
-          <p:nvPr/>
-        </p:nvCxnSpPr>
-        <p:spPr>
-          <a:xfrm flipV="1">
-            <a:off x="2022288" y="978198"/>
-            <a:ext cx="2468432" cy="403562"/>
-          </a:xfrm>
-          <a:prstGeom prst="line">
-            <a:avLst/>
-          </a:prstGeom>
-          <a:ln w="28575">
-            <a:solidFill>
-              <a:schemeClr val="tx1">
-                <a:lumMod val="95000"/>
-                <a:lumOff val="5000"/>
-              </a:schemeClr>
-            </a:solidFill>
-          </a:ln>
-        </p:spPr>
-        <p:style>
-          <a:lnRef idx="1">
-            <a:schemeClr val="accent1"/>
-          </a:lnRef>
-          <a:fillRef idx="0">
-            <a:schemeClr val="accent1"/>
-          </a:fillRef>
-          <a:effectRef idx="0">
-            <a:schemeClr val="accent1"/>
-          </a:effectRef>
-          <a:fontRef idx="minor">
-            <a:schemeClr val="tx1"/>
-          </a:fontRef>
-        </p:style>
-      </p:cxnSp>
-      <p:cxnSp>
-        <p:nvCxnSpPr>
-          <p:cNvPr id="11" name="Straight Connector 10">
-            <a:extLst>
-              <a:ext uri="{FF2B5EF4-FFF2-40B4-BE49-F238E27FC236}">
-                <a16:creationId xmlns:a16="http://schemas.microsoft.com/office/drawing/2014/main" id="{65CD949E-E4DD-4E7C-9A91-BB40C4A3B804}"/>
-              </a:ext>
-            </a:extLst>
-          </p:cNvPr>
-          <p:cNvCxnSpPr>
-            <a:cxnSpLocks/>
-          </p:cNvCxnSpPr>
-          <p:nvPr/>
-        </p:nvCxnSpPr>
-        <p:spPr>
-          <a:xfrm>
-            <a:off x="2022288" y="1644468"/>
-            <a:ext cx="2468432" cy="708287"/>
-          </a:xfrm>
-          <a:prstGeom prst="line">
-            <a:avLst/>
-          </a:prstGeom>
-          <a:ln w="28575">
-            <a:solidFill>
-              <a:schemeClr val="tx1">
-                <a:lumMod val="95000"/>
-                <a:lumOff val="5000"/>
-              </a:schemeClr>
-            </a:solidFill>
-          </a:ln>
-        </p:spPr>
-        <p:style>
-          <a:lnRef idx="1">
-            <a:schemeClr val="accent1"/>
-          </a:lnRef>
-          <a:fillRef idx="0">
-            <a:schemeClr val="accent1"/>
-          </a:fillRef>
-          <a:effectRef idx="0">
-            <a:schemeClr val="accent1"/>
-          </a:effectRef>
-          <a:fontRef idx="minor">
-            <a:schemeClr val="tx1"/>
-          </a:fontRef>
-        </p:style>
-      </p:cxnSp>
-      <p:sp>
-        <p:nvSpPr>
-          <p:cNvPr id="19" name="TextBox 18">
-            <a:extLst>
-              <a:ext uri="{FF2B5EF4-FFF2-40B4-BE49-F238E27FC236}">
-                <a16:creationId xmlns:a16="http://schemas.microsoft.com/office/drawing/2014/main" id="{1775052E-CAD0-4BC0-99CE-683ED94EAEC6}"/>
-              </a:ext>
-            </a:extLst>
-          </p:cNvPr>
-          <p:cNvSpPr txBox="1"/>
-          <p:nvPr/>
-        </p:nvSpPr>
-        <p:spPr>
-          <a:xfrm>
-            <a:off x="4727510" y="2553991"/>
-            <a:ext cx="1287780" cy="369332"/>
-          </a:xfrm>
-          <a:prstGeom prst="rect">
-            <a:avLst/>
-          </a:prstGeom>
-          <a:noFill/>
-        </p:spPr>
-        <p:txBody>
-          <a:bodyPr wrap="square" rtlCol="0">
-            <a:spAutoFit/>
-          </a:bodyPr>
-          <a:lstStyle/>
-          <a:p>
-            <a:r>
-              <a:rPr lang="en-US" dirty="0"/>
-              <a:t>30 scatters</a:t>
-            </a:r>
-          </a:p>
-        </p:txBody>
-      </p:sp>
-      <p:sp>
-        <p:nvSpPr>
-          <p:cNvPr id="20" name="Rectangle 19">
-            <a:extLst>
-              <a:ext uri="{FF2B5EF4-FFF2-40B4-BE49-F238E27FC236}">
-                <a16:creationId xmlns:a16="http://schemas.microsoft.com/office/drawing/2014/main" id="{DC2EC038-F970-4D00-9180-4AB0767C5DFC}"/>
-              </a:ext>
-            </a:extLst>
-          </p:cNvPr>
-          <p:cNvSpPr/>
-          <p:nvPr/>
-        </p:nvSpPr>
-        <p:spPr>
-          <a:xfrm>
-            <a:off x="1125589" y="843342"/>
-            <a:ext cx="1498351" cy="1474568"/>
-          </a:xfrm>
-          <a:prstGeom prst="rect">
-            <a:avLst/>
-          </a:prstGeom>
-          <a:noFill/>
-          <a:ln w="25400"/>
-        </p:spPr>
-        <p:style>
-          <a:lnRef idx="2">
-            <a:schemeClr val="accent2"/>
-          </a:lnRef>
-          <a:fillRef idx="1">
-            <a:schemeClr val="lt1"/>
-          </a:fillRef>
-          <a:effectRef idx="0">
-            <a:schemeClr val="accent2"/>
-          </a:effectRef>
-          <a:fontRef idx="minor">
-            <a:schemeClr val="dk1"/>
-          </a:fontRef>
-        </p:style>
-        <p:txBody>
-          <a:bodyPr rtlCol="0" anchor="ctr"/>
-          <a:lstStyle/>
-          <a:p>
-            <a:pPr algn="ctr"/>
-            <a:endParaRPr lang="en-US"/>
-          </a:p>
-        </p:txBody>
-      </p:sp>
-      <p:sp>
-        <p:nvSpPr>
-          <p:cNvPr id="21" name="Rectangle 20">
-            <a:extLst>
-              <a:ext uri="{FF2B5EF4-FFF2-40B4-BE49-F238E27FC236}">
-                <a16:creationId xmlns:a16="http://schemas.microsoft.com/office/drawing/2014/main" id="{A9BC8868-EE46-427A-B441-6A58981C566B}"/>
-              </a:ext>
-            </a:extLst>
-          </p:cNvPr>
-          <p:cNvSpPr/>
-          <p:nvPr/>
-        </p:nvSpPr>
-        <p:spPr>
-          <a:xfrm>
-            <a:off x="1727240" y="3738964"/>
-            <a:ext cx="1498351" cy="1474568"/>
-          </a:xfrm>
-          <a:prstGeom prst="rect">
-            <a:avLst/>
-          </a:prstGeom>
-          <a:noFill/>
-          <a:ln w="25400"/>
-        </p:spPr>
-        <p:style>
-          <a:lnRef idx="2">
-            <a:schemeClr val="accent2"/>
-          </a:lnRef>
-          <a:fillRef idx="1">
-            <a:schemeClr val="lt1"/>
-          </a:fillRef>
-          <a:effectRef idx="0">
-            <a:schemeClr val="accent2"/>
-          </a:effectRef>
-          <a:fontRef idx="minor">
-            <a:schemeClr val="dk1"/>
-          </a:fontRef>
-        </p:style>
-        <p:txBody>
-          <a:bodyPr rtlCol="0" anchor="ctr"/>
-          <a:lstStyle/>
-          <a:p>
-            <a:pPr algn="ctr"/>
-            <a:endParaRPr lang="en-US"/>
-          </a:p>
-        </p:txBody>
-      </p:sp>
-      <p:sp>
-        <p:nvSpPr>
-          <p:cNvPr id="22" name="Rectangle 21">
-            <a:extLst>
-              <a:ext uri="{FF2B5EF4-FFF2-40B4-BE49-F238E27FC236}">
-                <a16:creationId xmlns:a16="http://schemas.microsoft.com/office/drawing/2014/main" id="{85B1350B-0E0D-4565-ABF5-6749E90F1F89}"/>
-              </a:ext>
-            </a:extLst>
-          </p:cNvPr>
-          <p:cNvSpPr/>
-          <p:nvPr/>
-        </p:nvSpPr>
-        <p:spPr>
-          <a:xfrm>
-            <a:off x="5266115" y="3744151"/>
-            <a:ext cx="1498351" cy="1474568"/>
-          </a:xfrm>
-          <a:prstGeom prst="rect">
-            <a:avLst/>
-          </a:prstGeom>
-          <a:noFill/>
-          <a:ln w="25400"/>
-        </p:spPr>
-        <p:style>
-          <a:lnRef idx="2">
-            <a:schemeClr val="accent2"/>
-          </a:lnRef>
-          <a:fillRef idx="1">
-            <a:schemeClr val="lt1"/>
-          </a:fillRef>
-          <a:effectRef idx="0">
-            <a:schemeClr val="accent2"/>
-          </a:effectRef>
-          <a:fontRef idx="minor">
-            <a:schemeClr val="dk1"/>
-          </a:fontRef>
-        </p:style>
-        <p:txBody>
-          <a:bodyPr rtlCol="0" anchor="ctr"/>
-          <a:lstStyle/>
-          <a:p>
-            <a:pPr algn="ctr"/>
-            <a:endParaRPr lang="en-US"/>
-          </a:p>
-        </p:txBody>
-      </p:sp>
-      <p:sp>
-        <p:nvSpPr>
-          <p:cNvPr id="23" name="Rectangle 22">
-            <a:extLst>
-              <a:ext uri="{FF2B5EF4-FFF2-40B4-BE49-F238E27FC236}">
-                <a16:creationId xmlns:a16="http://schemas.microsoft.com/office/drawing/2014/main" id="{8F3CB592-1731-4038-B974-DB71C8D20210}"/>
-              </a:ext>
-            </a:extLst>
-          </p:cNvPr>
-          <p:cNvSpPr/>
-          <p:nvPr/>
-        </p:nvSpPr>
-        <p:spPr>
-          <a:xfrm>
-            <a:off x="8847189" y="3738964"/>
-            <a:ext cx="1498351" cy="1474568"/>
-          </a:xfrm>
-          <a:prstGeom prst="rect">
-            <a:avLst/>
-          </a:prstGeom>
-          <a:noFill/>
-          <a:ln w="25400"/>
-        </p:spPr>
-        <p:style>
-          <a:lnRef idx="2">
-            <a:schemeClr val="accent2"/>
-          </a:lnRef>
-          <a:fillRef idx="1">
-            <a:schemeClr val="lt1"/>
-          </a:fillRef>
-          <a:effectRef idx="0">
-            <a:schemeClr val="accent2"/>
-          </a:effectRef>
-          <a:fontRef idx="minor">
-            <a:schemeClr val="dk1"/>
-          </a:fontRef>
-        </p:style>
-        <p:txBody>
-          <a:bodyPr rtlCol="0" anchor="ctr"/>
-          <a:lstStyle/>
-          <a:p>
-            <a:pPr algn="ctr"/>
-            <a:endParaRPr lang="en-US"/>
-          </a:p>
-        </p:txBody>
-      </p:sp>
-      <p:cxnSp>
-        <p:nvCxnSpPr>
-          <p:cNvPr id="24" name="Straight Arrow Connector 23">
-            <a:extLst>
-              <a:ext uri="{FF2B5EF4-FFF2-40B4-BE49-F238E27FC236}">
-                <a16:creationId xmlns:a16="http://schemas.microsoft.com/office/drawing/2014/main" id="{49DEAF48-CC0C-4C27-9A91-D8C892065E05}"/>
-              </a:ext>
-            </a:extLst>
-          </p:cNvPr>
-          <p:cNvCxnSpPr/>
-          <p:nvPr/>
-        </p:nvCxnSpPr>
-        <p:spPr>
-          <a:xfrm flipH="1" flipV="1">
-            <a:off x="1975989" y="4013695"/>
-            <a:ext cx="92598" cy="300942"/>
-          </a:xfrm>
-          <a:prstGeom prst="straightConnector1">
-            <a:avLst/>
-          </a:prstGeom>
-          <a:ln w="31750">
-            <a:solidFill>
-              <a:srgbClr val="FF0000"/>
-            </a:solidFill>
-            <a:tailEnd type="triangle"/>
-          </a:ln>
-        </p:spPr>
-        <p:style>
-          <a:lnRef idx="1">
-            <a:schemeClr val="accent1"/>
-          </a:lnRef>
-          <a:fillRef idx="0">
-            <a:schemeClr val="accent1"/>
-          </a:fillRef>
-          <a:effectRef idx="0">
-            <a:schemeClr val="accent1"/>
-          </a:effectRef>
-          <a:fontRef idx="minor">
-            <a:schemeClr val="tx1"/>
-          </a:fontRef>
-        </p:style>
-      </p:cxnSp>
-      <p:cxnSp>
-        <p:nvCxnSpPr>
-          <p:cNvPr id="25" name="Straight Arrow Connector 24">
-            <a:extLst>
-              <a:ext uri="{FF2B5EF4-FFF2-40B4-BE49-F238E27FC236}">
-                <a16:creationId xmlns:a16="http://schemas.microsoft.com/office/drawing/2014/main" id="{B1362BD2-1EF8-4D03-AC35-ACD2D8E0CB32}"/>
-              </a:ext>
-            </a:extLst>
-          </p:cNvPr>
-          <p:cNvCxnSpPr>
-            <a:cxnSpLocks/>
-          </p:cNvCxnSpPr>
-          <p:nvPr/>
-        </p:nvCxnSpPr>
-        <p:spPr>
-          <a:xfrm flipV="1">
-            <a:off x="6002843" y="4164166"/>
-            <a:ext cx="0" cy="300942"/>
-          </a:xfrm>
-          <a:prstGeom prst="straightConnector1">
-            <a:avLst/>
-          </a:prstGeom>
-          <a:ln w="31750">
-            <a:solidFill>
-              <a:srgbClr val="FF0000"/>
-            </a:solidFill>
-            <a:tailEnd type="triangle"/>
-          </a:ln>
-        </p:spPr>
-        <p:style>
-          <a:lnRef idx="1">
-            <a:schemeClr val="accent1"/>
-          </a:lnRef>
-          <a:fillRef idx="0">
-            <a:schemeClr val="accent1"/>
-          </a:fillRef>
-          <a:effectRef idx="0">
-            <a:schemeClr val="accent1"/>
-          </a:effectRef>
-          <a:fontRef idx="minor">
-            <a:schemeClr val="tx1"/>
-          </a:fontRef>
-        </p:style>
-      </p:cxnSp>
-      <p:cxnSp>
-        <p:nvCxnSpPr>
-          <p:cNvPr id="26" name="Straight Arrow Connector 25">
-            <a:extLst>
-              <a:ext uri="{FF2B5EF4-FFF2-40B4-BE49-F238E27FC236}">
-                <a16:creationId xmlns:a16="http://schemas.microsoft.com/office/drawing/2014/main" id="{F6030A70-2453-4566-8215-5BD33D80E374}"/>
-              </a:ext>
-            </a:extLst>
-          </p:cNvPr>
-          <p:cNvCxnSpPr>
-            <a:cxnSpLocks/>
-          </p:cNvCxnSpPr>
-          <p:nvPr/>
-        </p:nvCxnSpPr>
-        <p:spPr>
-          <a:xfrm flipV="1">
-            <a:off x="9574083" y="4549208"/>
-            <a:ext cx="0" cy="300942"/>
-          </a:xfrm>
-          <a:prstGeom prst="straightConnector1">
-            <a:avLst/>
-          </a:prstGeom>
-          <a:ln w="31750">
-            <a:solidFill>
-              <a:srgbClr val="FF0000"/>
-            </a:solidFill>
-            <a:tailEnd type="triangle"/>
-          </a:ln>
-        </p:spPr>
-        <p:style>
-          <a:lnRef idx="1">
-            <a:schemeClr val="accent1"/>
-          </a:lnRef>
-          <a:fillRef idx="0">
-            <a:schemeClr val="accent1"/>
-          </a:fillRef>
-          <a:effectRef idx="0">
-            <a:schemeClr val="accent1"/>
-          </a:effectRef>
-          <a:fontRef idx="minor">
-            <a:schemeClr val="tx1"/>
-          </a:fontRef>
-        </p:style>
-      </p:cxnSp>
-      <p:sp>
-        <p:nvSpPr>
-          <p:cNvPr id="27" name="TextBox 26">
-            <a:extLst>
-              <a:ext uri="{FF2B5EF4-FFF2-40B4-BE49-F238E27FC236}">
-                <a16:creationId xmlns:a16="http://schemas.microsoft.com/office/drawing/2014/main" id="{F3349AB6-1475-48E4-8524-5AD37D8EDA38}"/>
+                <a16:creationId xmlns:a16="http://schemas.microsoft.com/office/drawing/2014/main" id="{30C0DB6B-2691-46BC-A3B3-A3A82787FCDE}"/>
               </a:ext>
             </a:extLst>
           </p:cNvPr>
@@ -23561,25 +22995,715 @@
             <a:pPr algn="ctr"/>
             <a:r>
               <a:rPr lang="en-US" sz="2000" b="1" dirty="0"/>
-              <a:t>Scatters on the </a:t>
-            </a:r>
-            <a:r>
-              <a:rPr lang="en-US" sz="2000" b="1" dirty="0" err="1"/>
-              <a:t>microring</a:t>
-            </a:r>
-            <a:r>
-              <a:rPr lang="en-US" sz="2000" b="1" dirty="0"/>
-              <a:t> lasers</a:t>
+              <a:t>Improving Image Quality</a:t>
             </a:r>
           </a:p>
         </p:txBody>
       </p:sp>
+      <mc:AlternateContent xmlns:mc="http://schemas.openxmlformats.org/markup-compatibility/2006">
+        <mc:Choice xmlns:a14="http://schemas.microsoft.com/office/drawing/2010/main" Requires="a14">
+          <p:sp>
+            <p:nvSpPr>
+              <p:cNvPr id="14" name="TextBox 13">
+                <a:extLst>
+                  <a:ext uri="{FF2B5EF4-FFF2-40B4-BE49-F238E27FC236}">
+                    <a16:creationId xmlns:a16="http://schemas.microsoft.com/office/drawing/2014/main" id="{FB759C4F-4E3C-46E0-8CD6-82E764B16C6B}"/>
+                  </a:ext>
+                </a:extLst>
+              </p:cNvPr>
+              <p:cNvSpPr txBox="1"/>
+              <p:nvPr/>
+            </p:nvSpPr>
+            <p:spPr>
+              <a:xfrm>
+                <a:off x="9120095" y="4497699"/>
+                <a:ext cx="2153090" cy="574773"/>
+              </a:xfrm>
+              <a:prstGeom prst="rect">
+                <a:avLst/>
+              </a:prstGeom>
+              <a:noFill/>
+            </p:spPr>
+            <p:txBody>
+              <a:bodyPr wrap="none" lIns="0" tIns="0" rIns="0" bIns="0" rtlCol="0">
+                <a:spAutoFit/>
+              </a:bodyPr>
+              <a:lstStyle/>
+              <a:p>
+                <a14:m>
+                  <m:oMathPara xmlns:m="http://schemas.openxmlformats.org/officeDocument/2006/math">
+                    <m:oMathParaPr>
+                      <m:jc m:val="centerGroup"/>
+                    </m:oMathParaPr>
+                    <m:oMath xmlns:m="http://schemas.openxmlformats.org/officeDocument/2006/math">
+                      <m:sSub>
+                        <m:sSubPr>
+                          <m:ctrlPr>
+                            <a:rPr lang="en-US" i="1" smtClean="0">
+                              <a:latin typeface="Cambria Math" panose="02040503050406030204" pitchFamily="18" charset="0"/>
+                            </a:rPr>
+                          </m:ctrlPr>
+                        </m:sSubPr>
+                        <m:e>
+                          <m:r>
+                            <a:rPr lang="en-US" b="0" i="1" smtClean="0">
+                              <a:latin typeface="Cambria Math" panose="02040503050406030204" pitchFamily="18" charset="0"/>
+                            </a:rPr>
+                            <m:t>𝑆𝑁𝑅</m:t>
+                          </m:r>
+                        </m:e>
+                        <m:sub>
+                          <m:r>
+                            <a:rPr lang="en-US" b="0" i="1" smtClean="0">
+                              <a:latin typeface="Cambria Math" panose="02040503050406030204" pitchFamily="18" charset="0"/>
+                            </a:rPr>
+                            <m:t>2</m:t>
+                          </m:r>
+                        </m:sub>
+                      </m:sSub>
+                      <m:r>
+                        <a:rPr lang="en-US" b="0" i="1" smtClean="0">
+                          <a:latin typeface="Cambria Math" panose="02040503050406030204" pitchFamily="18" charset="0"/>
+                        </a:rPr>
+                        <m:t>=</m:t>
+                      </m:r>
+                      <m:f>
+                        <m:fPr>
+                          <m:ctrlPr>
+                            <a:rPr lang="en-US" b="0" i="1" smtClean="0">
+                              <a:latin typeface="Cambria Math" panose="02040503050406030204" pitchFamily="18" charset="0"/>
+                            </a:rPr>
+                          </m:ctrlPr>
+                        </m:fPr>
+                        <m:num>
+                          <m:sSub>
+                            <m:sSubPr>
+                              <m:ctrlPr>
+                                <a:rPr lang="en-US" b="0" i="1" smtClean="0">
+                                  <a:latin typeface="Cambria Math" panose="02040503050406030204" pitchFamily="18" charset="0"/>
+                                </a:rPr>
+                              </m:ctrlPr>
+                            </m:sSubPr>
+                            <m:e>
+                              <m:r>
+                                <a:rPr lang="en-US" b="0" i="1" smtClean="0">
+                                  <a:latin typeface="Cambria Math" panose="02040503050406030204" pitchFamily="18" charset="0"/>
+                                </a:rPr>
+                                <m:t>𝐼</m:t>
+                              </m:r>
+                            </m:e>
+                            <m:sub>
+                              <m:r>
+                                <a:rPr lang="en-US" b="0" i="1" smtClean="0">
+                                  <a:latin typeface="Cambria Math" panose="02040503050406030204" pitchFamily="18" charset="0"/>
+                                </a:rPr>
+                                <m:t>𝑝𝑎𝑡𝑡𝑒𝑟𝑛</m:t>
+                              </m:r>
+                            </m:sub>
+                          </m:sSub>
+                        </m:num>
+                        <m:den>
+                          <m:r>
+                            <a:rPr lang="en-US" b="0" i="1" smtClean="0">
+                              <a:latin typeface="Cambria Math" panose="02040503050406030204" pitchFamily="18" charset="0"/>
+                            </a:rPr>
+                            <m:t>𝑀𝑎𝑥</m:t>
+                          </m:r>
+                          <m:r>
+                            <a:rPr lang="en-US" b="0" i="1" smtClean="0">
+                              <a:latin typeface="Cambria Math" panose="02040503050406030204" pitchFamily="18" charset="0"/>
+                            </a:rPr>
+                            <m:t>(</m:t>
+                          </m:r>
+                          <m:sSub>
+                            <m:sSubPr>
+                              <m:ctrlPr>
+                                <a:rPr lang="en-US" b="0" i="1" smtClean="0">
+                                  <a:latin typeface="Cambria Math" panose="02040503050406030204" pitchFamily="18" charset="0"/>
+                                </a:rPr>
+                              </m:ctrlPr>
+                            </m:sSubPr>
+                            <m:e>
+                              <m:r>
+                                <a:rPr lang="en-US" b="0" i="1" smtClean="0">
+                                  <a:latin typeface="Cambria Math" panose="02040503050406030204" pitchFamily="18" charset="0"/>
+                                </a:rPr>
+                                <m:t>𝐼</m:t>
+                              </m:r>
+                            </m:e>
+                            <m:sub>
+                              <m:r>
+                                <a:rPr lang="en-US" b="0" i="1" smtClean="0">
+                                  <a:latin typeface="Cambria Math" panose="02040503050406030204" pitchFamily="18" charset="0"/>
+                                </a:rPr>
+                                <m:t>𝑜𝑡h𝑒𝑟</m:t>
+                              </m:r>
+                            </m:sub>
+                          </m:sSub>
+                          <m:r>
+                            <a:rPr lang="en-US" b="0" i="1" smtClean="0">
+                              <a:latin typeface="Cambria Math" panose="02040503050406030204" pitchFamily="18" charset="0"/>
+                            </a:rPr>
+                            <m:t>)</m:t>
+                          </m:r>
+                        </m:den>
+                      </m:f>
+                    </m:oMath>
+                  </m:oMathPara>
+                </a14:m>
+                <a:endParaRPr lang="en-US" dirty="0"/>
+              </a:p>
+            </p:txBody>
+          </p:sp>
+        </mc:Choice>
+        <mc:Fallback>
+          <p:sp>
+            <p:nvSpPr>
+              <p:cNvPr id="14" name="TextBox 13">
+                <a:extLst>
+                  <a:ext uri="{FF2B5EF4-FFF2-40B4-BE49-F238E27FC236}">
+                    <a16:creationId xmlns:a16="http://schemas.microsoft.com/office/drawing/2014/main" id="{FB759C4F-4E3C-46E0-8CD6-82E764B16C6B}"/>
+                  </a:ext>
+                </a:extLst>
+              </p:cNvPr>
+              <p:cNvSpPr txBox="1">
+                <a:spLocks noRot="1" noChangeAspect="1" noMove="1" noResize="1" noEditPoints="1" noAdjustHandles="1" noChangeArrowheads="1" noChangeShapeType="1" noTextEdit="1"/>
+              </p:cNvSpPr>
+              <p:nvPr/>
+            </p:nvSpPr>
+            <p:spPr>
+              <a:xfrm>
+                <a:off x="9120095" y="4497699"/>
+                <a:ext cx="2153090" cy="574773"/>
+              </a:xfrm>
+              <a:prstGeom prst="rect">
+                <a:avLst/>
+              </a:prstGeom>
+              <a:blipFill>
+                <a:blip r:embed="rId4"/>
+                <a:stretch>
+                  <a:fillRect/>
+                </a:stretch>
+              </a:blipFill>
+            </p:spPr>
+            <p:txBody>
+              <a:bodyPr/>
+              <a:lstStyle/>
+              <a:p>
+                <a:r>
+                  <a:rPr lang="en-US">
+                    <a:noFill/>
+                  </a:rPr>
+                  <a:t> </a:t>
+                </a:r>
+              </a:p>
+            </p:txBody>
+          </p:sp>
+        </mc:Fallback>
+      </mc:AlternateContent>
+      <mc:AlternateContent xmlns:mc="http://schemas.openxmlformats.org/markup-compatibility/2006">
+        <mc:Choice xmlns:a14="http://schemas.microsoft.com/office/drawing/2010/main" Requires="a14">
+          <p:sp>
+            <p:nvSpPr>
+              <p:cNvPr id="15" name="TextBox 14">
+                <a:extLst>
+                  <a:ext uri="{FF2B5EF4-FFF2-40B4-BE49-F238E27FC236}">
+                    <a16:creationId xmlns:a16="http://schemas.microsoft.com/office/drawing/2014/main" id="{C83B1648-5837-442F-9845-C07EDC0C229C}"/>
+                  </a:ext>
+                </a:extLst>
+              </p:cNvPr>
+              <p:cNvSpPr txBox="1"/>
+              <p:nvPr/>
+            </p:nvSpPr>
+            <p:spPr>
+              <a:xfrm>
+                <a:off x="5962891" y="4497700"/>
+                <a:ext cx="2046201" cy="574773"/>
+              </a:xfrm>
+              <a:prstGeom prst="rect">
+                <a:avLst/>
+              </a:prstGeom>
+              <a:noFill/>
+            </p:spPr>
+            <p:txBody>
+              <a:bodyPr wrap="none" lIns="0" tIns="0" rIns="0" bIns="0" rtlCol="0">
+                <a:spAutoFit/>
+              </a:bodyPr>
+              <a:lstStyle/>
+              <a:p>
+                <a14:m>
+                  <m:oMathPara xmlns:m="http://schemas.openxmlformats.org/officeDocument/2006/math">
+                    <m:oMathParaPr>
+                      <m:jc m:val="centerGroup"/>
+                    </m:oMathParaPr>
+                    <m:oMath xmlns:m="http://schemas.openxmlformats.org/officeDocument/2006/math">
+                      <m:sSub>
+                        <m:sSubPr>
+                          <m:ctrlPr>
+                            <a:rPr lang="en-US" i="1" smtClean="0">
+                              <a:latin typeface="Cambria Math" panose="02040503050406030204" pitchFamily="18" charset="0"/>
+                            </a:rPr>
+                          </m:ctrlPr>
+                        </m:sSubPr>
+                        <m:e>
+                          <m:r>
+                            <a:rPr lang="en-US" b="0" i="1" smtClean="0">
+                              <a:latin typeface="Cambria Math" panose="02040503050406030204" pitchFamily="18" charset="0"/>
+                            </a:rPr>
+                            <m:t>𝑆𝑁𝑅</m:t>
+                          </m:r>
+                        </m:e>
+                        <m:sub>
+                          <m:r>
+                            <a:rPr lang="en-US" b="0" i="1" smtClean="0">
+                              <a:latin typeface="Cambria Math" panose="02040503050406030204" pitchFamily="18" charset="0"/>
+                            </a:rPr>
+                            <m:t>1</m:t>
+                          </m:r>
+                        </m:sub>
+                      </m:sSub>
+                      <m:r>
+                        <a:rPr lang="en-US" b="0" i="1" smtClean="0">
+                          <a:latin typeface="Cambria Math" panose="02040503050406030204" pitchFamily="18" charset="0"/>
+                        </a:rPr>
+                        <m:t>=</m:t>
+                      </m:r>
+                      <m:f>
+                        <m:fPr>
+                          <m:ctrlPr>
+                            <a:rPr lang="en-US" b="0" i="1" smtClean="0">
+                              <a:latin typeface="Cambria Math" panose="02040503050406030204" pitchFamily="18" charset="0"/>
+                            </a:rPr>
+                          </m:ctrlPr>
+                        </m:fPr>
+                        <m:num>
+                          <m:sSub>
+                            <m:sSubPr>
+                              <m:ctrlPr>
+                                <a:rPr lang="en-US" b="0" i="1" smtClean="0">
+                                  <a:latin typeface="Cambria Math" panose="02040503050406030204" pitchFamily="18" charset="0"/>
+                                </a:rPr>
+                              </m:ctrlPr>
+                            </m:sSubPr>
+                            <m:e>
+                              <m:r>
+                                <a:rPr lang="en-US" b="0" i="1" smtClean="0">
+                                  <a:latin typeface="Cambria Math" panose="02040503050406030204" pitchFamily="18" charset="0"/>
+                                </a:rPr>
+                                <m:t>𝐼</m:t>
+                              </m:r>
+                            </m:e>
+                            <m:sub>
+                              <m:r>
+                                <a:rPr lang="en-US" b="0" i="1" smtClean="0">
+                                  <a:latin typeface="Cambria Math" panose="02040503050406030204" pitchFamily="18" charset="0"/>
+                                </a:rPr>
+                                <m:t>𝑝𝑎𝑡𝑡𝑒𝑟𝑛</m:t>
+                              </m:r>
+                            </m:sub>
+                          </m:sSub>
+                        </m:num>
+                        <m:den>
+                          <m:r>
+                            <a:rPr lang="en-US" b="0" i="1" smtClean="0">
+                              <a:latin typeface="Cambria Math" panose="02040503050406030204" pitchFamily="18" charset="0"/>
+                            </a:rPr>
+                            <m:t>𝐴𝑣𝑔</m:t>
+                          </m:r>
+                          <m:r>
+                            <a:rPr lang="en-US" b="0" i="1" smtClean="0">
+                              <a:latin typeface="Cambria Math" panose="02040503050406030204" pitchFamily="18" charset="0"/>
+                            </a:rPr>
+                            <m:t>(</m:t>
+                          </m:r>
+                          <m:sSub>
+                            <m:sSubPr>
+                              <m:ctrlPr>
+                                <a:rPr lang="en-US" b="0" i="1" smtClean="0">
+                                  <a:latin typeface="Cambria Math" panose="02040503050406030204" pitchFamily="18" charset="0"/>
+                                </a:rPr>
+                              </m:ctrlPr>
+                            </m:sSubPr>
+                            <m:e>
+                              <m:r>
+                                <a:rPr lang="en-US" b="0" i="1" smtClean="0">
+                                  <a:latin typeface="Cambria Math" panose="02040503050406030204" pitchFamily="18" charset="0"/>
+                                </a:rPr>
+                                <m:t>𝐼</m:t>
+                              </m:r>
+                            </m:e>
+                            <m:sub>
+                              <m:r>
+                                <a:rPr lang="en-US" b="0" i="1" smtClean="0">
+                                  <a:latin typeface="Cambria Math" panose="02040503050406030204" pitchFamily="18" charset="0"/>
+                                </a:rPr>
+                                <m:t>𝑜𝑡h𝑒𝑟</m:t>
+                              </m:r>
+                            </m:sub>
+                          </m:sSub>
+                          <m:r>
+                            <a:rPr lang="en-US" b="0" i="1" smtClean="0">
+                              <a:latin typeface="Cambria Math" panose="02040503050406030204" pitchFamily="18" charset="0"/>
+                            </a:rPr>
+                            <m:t>)</m:t>
+                          </m:r>
+                        </m:den>
+                      </m:f>
+                    </m:oMath>
+                  </m:oMathPara>
+                </a14:m>
+                <a:endParaRPr lang="en-US" dirty="0"/>
+              </a:p>
+            </p:txBody>
+          </p:sp>
+        </mc:Choice>
+        <mc:Fallback>
+          <p:sp>
+            <p:nvSpPr>
+              <p:cNvPr id="15" name="TextBox 14">
+                <a:extLst>
+                  <a:ext uri="{FF2B5EF4-FFF2-40B4-BE49-F238E27FC236}">
+                    <a16:creationId xmlns:a16="http://schemas.microsoft.com/office/drawing/2014/main" id="{C83B1648-5837-442F-9845-C07EDC0C229C}"/>
+                  </a:ext>
+                </a:extLst>
+              </p:cNvPr>
+              <p:cNvSpPr txBox="1">
+                <a:spLocks noRot="1" noChangeAspect="1" noMove="1" noResize="1" noEditPoints="1" noAdjustHandles="1" noChangeArrowheads="1" noChangeShapeType="1" noTextEdit="1"/>
+              </p:cNvSpPr>
+              <p:nvPr/>
+            </p:nvSpPr>
+            <p:spPr>
+              <a:xfrm>
+                <a:off x="5962891" y="4497700"/>
+                <a:ext cx="2046201" cy="574773"/>
+              </a:xfrm>
+              <a:prstGeom prst="rect">
+                <a:avLst/>
+              </a:prstGeom>
+              <a:blipFill>
+                <a:blip r:embed="rId5"/>
+                <a:stretch>
+                  <a:fillRect/>
+                </a:stretch>
+              </a:blipFill>
+            </p:spPr>
+            <p:txBody>
+              <a:bodyPr/>
+              <a:lstStyle/>
+              <a:p>
+                <a:r>
+                  <a:rPr lang="en-US">
+                    <a:noFill/>
+                  </a:rPr>
+                  <a:t> </a:t>
+                </a:r>
+              </a:p>
+            </p:txBody>
+          </p:sp>
+        </mc:Fallback>
+      </mc:AlternateContent>
+      <p:pic>
+        <p:nvPicPr>
+          <p:cNvPr id="16" name="Picture 15">
+            <a:extLst>
+              <a:ext uri="{FF2B5EF4-FFF2-40B4-BE49-F238E27FC236}">
+                <a16:creationId xmlns:a16="http://schemas.microsoft.com/office/drawing/2014/main" id="{7AEF9D6C-81E2-468E-858C-190B2D3AF225}"/>
+              </a:ext>
+            </a:extLst>
+          </p:cNvPr>
+          <p:cNvPicPr>
+            <a:picLocks noChangeAspect="1"/>
+          </p:cNvPicPr>
+          <p:nvPr/>
+        </p:nvPicPr>
+        <p:blipFill>
+          <a:blip r:embed="rId6"/>
+          <a:stretch>
+            <a:fillRect/>
+          </a:stretch>
+        </p:blipFill>
+        <p:spPr>
+          <a:xfrm>
+            <a:off x="1050778" y="1517433"/>
+            <a:ext cx="2818650" cy="2425000"/>
+          </a:xfrm>
+          <a:prstGeom prst="rect">
+            <a:avLst/>
+          </a:prstGeom>
+        </p:spPr>
+      </p:pic>
+      <mc:AlternateContent xmlns:mc="http://schemas.openxmlformats.org/markup-compatibility/2006">
+        <mc:Choice xmlns:a14="http://schemas.microsoft.com/office/drawing/2010/main" Requires="a14">
+          <p:sp>
+            <p:nvSpPr>
+              <p:cNvPr id="18" name="TextBox 17">
+                <a:extLst>
+                  <a:ext uri="{FF2B5EF4-FFF2-40B4-BE49-F238E27FC236}">
+                    <a16:creationId xmlns:a16="http://schemas.microsoft.com/office/drawing/2014/main" id="{4A5DFA35-44C3-4E5B-B3A3-6807BB71F976}"/>
+                  </a:ext>
+                </a:extLst>
+              </p:cNvPr>
+              <p:cNvSpPr txBox="1"/>
+              <p:nvPr/>
+            </p:nvSpPr>
+            <p:spPr>
+              <a:xfrm>
+                <a:off x="236246" y="4038415"/>
+                <a:ext cx="4447713" cy="2604303"/>
+              </a:xfrm>
+              <a:prstGeom prst="rect">
+                <a:avLst/>
+              </a:prstGeom>
+              <a:noFill/>
+            </p:spPr>
+            <p:txBody>
+              <a:bodyPr wrap="square" rtlCol="0">
+                <a:spAutoFit/>
+              </a:bodyPr>
+              <a:lstStyle/>
+              <a:p>
+                <a:r>
+                  <a:rPr lang="en-US" dirty="0"/>
+                  <a:t>Define SNR parameters:</a:t>
+                </a:r>
+              </a:p>
+              <a:p>
+                <a:pPr/>
+                <a14:m>
+                  <m:oMath xmlns:m="http://schemas.openxmlformats.org/officeDocument/2006/math">
+                    <m:sSub>
+                      <m:sSubPr>
+                        <m:ctrlPr>
+                          <a:rPr lang="en-US" sz="1600" i="1">
+                            <a:latin typeface="Cambria Math" panose="02040503050406030204" pitchFamily="18" charset="0"/>
+                          </a:rPr>
+                        </m:ctrlPr>
+                      </m:sSubPr>
+                      <m:e>
+                        <m:r>
+                          <a:rPr lang="en-US" sz="1600" i="1">
+                            <a:latin typeface="Cambria Math" panose="02040503050406030204" pitchFamily="18" charset="0"/>
+                          </a:rPr>
+                          <m:t>𝐼</m:t>
+                        </m:r>
+                      </m:e>
+                      <m:sub>
+                        <m:r>
+                          <a:rPr lang="en-US" sz="1600" i="1">
+                            <a:latin typeface="Cambria Math" panose="02040503050406030204" pitchFamily="18" charset="0"/>
+                          </a:rPr>
+                          <m:t>𝑝𝑎𝑡𝑡𝑒𝑟𝑛</m:t>
+                        </m:r>
+                      </m:sub>
+                    </m:sSub>
+                  </m:oMath>
+                </a14:m>
+                <a:r>
+                  <a:rPr lang="en-US" sz="1600" dirty="0"/>
+                  <a:t> : the intensity of the pattern (one single spot).</a:t>
+                </a:r>
+              </a:p>
+              <a:p>
+                <a14:m>
+                  <m:oMath xmlns:m="http://schemas.openxmlformats.org/officeDocument/2006/math">
+                    <m:sSub>
+                      <m:sSubPr>
+                        <m:ctrlPr>
+                          <a:rPr lang="en-US" sz="1600" i="1">
+                            <a:latin typeface="Cambria Math" panose="02040503050406030204" pitchFamily="18" charset="0"/>
+                          </a:rPr>
+                        </m:ctrlPr>
+                      </m:sSubPr>
+                      <m:e>
+                        <m:r>
+                          <a:rPr lang="en-US" sz="1600" i="1">
+                            <a:latin typeface="Cambria Math" panose="02040503050406030204" pitchFamily="18" charset="0"/>
+                          </a:rPr>
+                          <m:t>𝐼</m:t>
+                        </m:r>
+                      </m:e>
+                      <m:sub>
+                        <m:r>
+                          <a:rPr lang="en-US" sz="1600" b="0" i="1" smtClean="0">
+                            <a:latin typeface="Cambria Math" panose="02040503050406030204" pitchFamily="18" charset="0"/>
+                          </a:rPr>
+                          <m:t>𝑜𝑡h𝑒𝑟</m:t>
+                        </m:r>
+                      </m:sub>
+                    </m:sSub>
+                  </m:oMath>
+                </a14:m>
+                <a:r>
+                  <a:rPr lang="en-US" sz="1600" dirty="0"/>
+                  <a:t> : the intensity of the all the other places except the pattern.</a:t>
+                </a:r>
+              </a:p>
+              <a:p>
+                <a14:m>
+                  <m:oMath xmlns:m="http://schemas.openxmlformats.org/officeDocument/2006/math">
+                    <m:r>
+                      <a:rPr lang="en-US" sz="1600" i="1">
+                        <a:latin typeface="Cambria Math" panose="02040503050406030204" pitchFamily="18" charset="0"/>
+                      </a:rPr>
+                      <m:t>𝐴𝑣𝑔</m:t>
+                    </m:r>
+                    <m:r>
+                      <a:rPr lang="en-US" sz="1600" i="1">
+                        <a:latin typeface="Cambria Math" panose="02040503050406030204" pitchFamily="18" charset="0"/>
+                      </a:rPr>
+                      <m:t>(</m:t>
+                    </m:r>
+                    <m:sSub>
+                      <m:sSubPr>
+                        <m:ctrlPr>
+                          <a:rPr lang="en-US" sz="1600" i="1">
+                            <a:latin typeface="Cambria Math" panose="02040503050406030204" pitchFamily="18" charset="0"/>
+                          </a:rPr>
+                        </m:ctrlPr>
+                      </m:sSubPr>
+                      <m:e>
+                        <m:r>
+                          <a:rPr lang="en-US" sz="1600" i="1">
+                            <a:latin typeface="Cambria Math" panose="02040503050406030204" pitchFamily="18" charset="0"/>
+                          </a:rPr>
+                          <m:t>𝐼</m:t>
+                        </m:r>
+                      </m:e>
+                      <m:sub>
+                        <m:r>
+                          <a:rPr lang="en-US" sz="1600" i="1">
+                            <a:latin typeface="Cambria Math" panose="02040503050406030204" pitchFamily="18" charset="0"/>
+                          </a:rPr>
+                          <m:t>𝑜𝑡h𝑒𝑟</m:t>
+                        </m:r>
+                      </m:sub>
+                    </m:sSub>
+                  </m:oMath>
+                </a14:m>
+                <a:r>
+                  <a:rPr lang="en-US" sz="1600" dirty="0"/>
+                  <a:t>) : average background noise. </a:t>
+                </a:r>
+              </a:p>
+              <a:p>
+                <a14:m>
+                  <m:oMath xmlns:m="http://schemas.openxmlformats.org/officeDocument/2006/math">
+                    <m:r>
+                      <a:rPr lang="en-US" sz="1600" i="1">
+                        <a:latin typeface="Cambria Math" panose="02040503050406030204" pitchFamily="18" charset="0"/>
+                      </a:rPr>
+                      <m:t>𝑀𝑎𝑥</m:t>
+                    </m:r>
+                    <m:r>
+                      <a:rPr lang="en-US" sz="1600" i="1">
+                        <a:latin typeface="Cambria Math" panose="02040503050406030204" pitchFamily="18" charset="0"/>
+                      </a:rPr>
+                      <m:t>(</m:t>
+                    </m:r>
+                    <m:sSub>
+                      <m:sSubPr>
+                        <m:ctrlPr>
+                          <a:rPr lang="en-US" sz="1600" i="1">
+                            <a:latin typeface="Cambria Math" panose="02040503050406030204" pitchFamily="18" charset="0"/>
+                          </a:rPr>
+                        </m:ctrlPr>
+                      </m:sSubPr>
+                      <m:e>
+                        <m:r>
+                          <a:rPr lang="en-US" sz="1600" i="1">
+                            <a:latin typeface="Cambria Math" panose="02040503050406030204" pitchFamily="18" charset="0"/>
+                          </a:rPr>
+                          <m:t>𝐼</m:t>
+                        </m:r>
+                      </m:e>
+                      <m:sub>
+                        <m:r>
+                          <a:rPr lang="en-US" sz="1600" i="1">
+                            <a:latin typeface="Cambria Math" panose="02040503050406030204" pitchFamily="18" charset="0"/>
+                          </a:rPr>
+                          <m:t>𝑜𝑡h𝑒𝑟</m:t>
+                        </m:r>
+                      </m:sub>
+                    </m:sSub>
+                    <m:r>
+                      <a:rPr lang="en-US" sz="1600" i="1">
+                        <a:latin typeface="Cambria Math" panose="02040503050406030204" pitchFamily="18" charset="0"/>
+                      </a:rPr>
+                      <m:t>)</m:t>
+                    </m:r>
+                  </m:oMath>
+                </a14:m>
+                <a:r>
+                  <a:rPr lang="en-US" sz="1600" dirty="0"/>
+                  <a:t>: maximum background noise.</a:t>
+                </a:r>
+              </a:p>
+              <a:p>
+                <a:r>
+                  <a:rPr lang="en-US" sz="1600" dirty="0"/>
+                  <a:t>Number of elements (N): 7 in the above picture. </a:t>
+                </a:r>
+              </a:p>
+              <a:p>
+                <a:r>
+                  <a:rPr lang="en-US" sz="1600" dirty="0"/>
+                  <a:t>The recovered spot are selected to be at the center of the field for different N.</a:t>
+                </a:r>
+              </a:p>
+            </p:txBody>
+          </p:sp>
+        </mc:Choice>
+        <mc:Fallback>
+          <p:sp>
+            <p:nvSpPr>
+              <p:cNvPr id="18" name="TextBox 17">
+                <a:extLst>
+                  <a:ext uri="{FF2B5EF4-FFF2-40B4-BE49-F238E27FC236}">
+                    <a16:creationId xmlns:a16="http://schemas.microsoft.com/office/drawing/2014/main" id="{4A5DFA35-44C3-4E5B-B3A3-6807BB71F976}"/>
+                  </a:ext>
+                </a:extLst>
+              </p:cNvPr>
+              <p:cNvSpPr txBox="1">
+                <a:spLocks noRot="1" noChangeAspect="1" noMove="1" noResize="1" noEditPoints="1" noAdjustHandles="1" noChangeArrowheads="1" noChangeShapeType="1" noTextEdit="1"/>
+              </p:cNvSpPr>
+              <p:nvPr/>
+            </p:nvSpPr>
+            <p:spPr>
+              <a:xfrm>
+                <a:off x="236246" y="4038415"/>
+                <a:ext cx="4447713" cy="2604303"/>
+              </a:xfrm>
+              <a:prstGeom prst="rect">
+                <a:avLst/>
+              </a:prstGeom>
+              <a:blipFill>
+                <a:blip r:embed="rId7"/>
+                <a:stretch>
+                  <a:fillRect l="-1235" t="-1168" b="-1869"/>
+                </a:stretch>
+              </a:blipFill>
+            </p:spPr>
+            <p:txBody>
+              <a:bodyPr/>
+              <a:lstStyle/>
+              <a:p>
+                <a:r>
+                  <a:rPr lang="en-US">
+                    <a:noFill/>
+                  </a:rPr>
+                  <a:t> </a:t>
+                </a:r>
+              </a:p>
+            </p:txBody>
+          </p:sp>
+        </mc:Fallback>
+      </mc:AlternateContent>
       <p:sp>
         <p:nvSpPr>
-          <p:cNvPr id="28" name="TextBox 27">
+          <p:cNvPr id="20" name="TextBox 19">
             <a:extLst>
               <a:ext uri="{FF2B5EF4-FFF2-40B4-BE49-F238E27FC236}">
-                <a16:creationId xmlns:a16="http://schemas.microsoft.com/office/drawing/2014/main" id="{38514329-56CE-478D-BE78-614F4D4468D2}"/>
+                <a16:creationId xmlns:a16="http://schemas.microsoft.com/office/drawing/2014/main" id="{6BD7B953-652C-42BD-A2E6-534EF4020549}"/>
               </a:ext>
             </a:extLst>
           </p:cNvPr>
@@ -23588,8 +23712,8 @@
         </p:nvSpPr>
         <p:spPr>
           <a:xfrm>
-            <a:off x="7907625" y="1651179"/>
-            <a:ext cx="3158785" cy="646331"/>
+            <a:off x="6215849" y="5478266"/>
+            <a:ext cx="4358936" cy="646331"/>
           </a:xfrm>
           <a:prstGeom prst="rect">
             <a:avLst/>
@@ -23604,15 +23728,71 @@
           <a:p>
             <a:r>
               <a:rPr lang="en-US" dirty="0"/>
-              <a:t>The results are not obvious: Scatters are too small. </a:t>
+              <a:t>As the number of elements increase, the SNR of recovered image also enhances. </a:t>
             </a:r>
+          </a:p>
+        </p:txBody>
+      </p:sp>
+      <p:sp>
+        <p:nvSpPr>
+          <p:cNvPr id="21" name="Rectangle 20">
+            <a:extLst>
+              <a:ext uri="{FF2B5EF4-FFF2-40B4-BE49-F238E27FC236}">
+                <a16:creationId xmlns:a16="http://schemas.microsoft.com/office/drawing/2014/main" id="{98F3E726-7C3E-4AE3-BBA4-1D9A17D893BA}"/>
+              </a:ext>
+            </a:extLst>
+          </p:cNvPr>
+          <p:cNvSpPr/>
+          <p:nvPr/>
+        </p:nvSpPr>
+        <p:spPr>
+          <a:xfrm>
+            <a:off x="1582694" y="1066986"/>
+            <a:ext cx="2286734" cy="523220"/>
+          </a:xfrm>
+          <a:prstGeom prst="rect">
+            <a:avLst/>
+          </a:prstGeom>
+        </p:spPr>
+        <p:txBody>
+          <a:bodyPr wrap="square">
+            <a:spAutoFit/>
+          </a:bodyPr>
+          <a:lstStyle/>
+          <a:p>
+            <a:r>
+              <a:rPr lang="en-US" sz="1400" dirty="0">
+                <a:solidFill>
+                  <a:srgbClr val="000000"/>
+                </a:solidFill>
+                <a:latin typeface="Courier New" panose="02070309020205020404" pitchFamily="49" charset="0"/>
+              </a:rPr>
+              <a:t>Spacing = 50µm; </a:t>
+            </a:r>
+          </a:p>
+          <a:p>
+            <a:r>
+              <a:rPr lang="en-US" sz="1400" dirty="0">
+                <a:solidFill>
+                  <a:srgbClr val="000000"/>
+                </a:solidFill>
+                <a:latin typeface="Courier New" panose="02070309020205020404" pitchFamily="49" charset="0"/>
+              </a:rPr>
+              <a:t>z = 200µm; </a:t>
+            </a:r>
+            <a:endParaRPr lang="en-US" sz="1400" dirty="0">
+              <a:solidFill>
+                <a:srgbClr val="3C763D"/>
+              </a:solidFill>
+              <a:latin typeface="Courier New" panose="02070309020205020404" pitchFamily="49" charset="0"/>
+            </a:endParaRPr>
           </a:p>
         </p:txBody>
       </p:sp>
     </p:spTree>
     <p:extLst>
       <p:ext uri="{BB962C8B-B14F-4D97-AF65-F5344CB8AC3E}">
-        <p14:creationId xmlns:p14="http://schemas.microsoft.com/office/powerpoint/2010/main" val="2307143760"/>
+        <p14:creationId xmlns:p14="http://schemas.microsoft.com/office/powerpoint/2010/main" val="1006802059"/>
       </p:ext>
     </p:extLst>
   </p:cSld>
@@ -23641,10 +23821,10 @@
       </p:grpSpPr>
       <p:sp>
         <p:nvSpPr>
-          <p:cNvPr id="27" name="TextBox 26">
+          <p:cNvPr id="4" name="TextBox 3">
             <a:extLst>
               <a:ext uri="{FF2B5EF4-FFF2-40B4-BE49-F238E27FC236}">
-                <a16:creationId xmlns:a16="http://schemas.microsoft.com/office/drawing/2014/main" id="{F3349AB6-1475-48E4-8524-5AD37D8EDA38}"/>
+                <a16:creationId xmlns:a16="http://schemas.microsoft.com/office/drawing/2014/main" id="{B0241492-37D9-4E9E-AC67-BD2DF5FB1F8F}"/>
               </a:ext>
             </a:extLst>
           </p:cNvPr>
@@ -23670,17 +23850,81 @@
             <a:pPr algn="ctr"/>
             <a:r>
               <a:rPr lang="en-US" sz="2000" b="1" dirty="0"/>
-              <a:t>Experiment plan</a:t>
+              <a:t>Why the number of elements matters</a:t>
             </a:r>
           </a:p>
         </p:txBody>
       </p:sp>
       <p:pic>
         <p:nvPicPr>
-          <p:cNvPr id="29" name="Picture 28">
+          <p:cNvPr id="6" name="Picture 5">
             <a:extLst>
               <a:ext uri="{FF2B5EF4-FFF2-40B4-BE49-F238E27FC236}">
-                <a16:creationId xmlns:a16="http://schemas.microsoft.com/office/drawing/2014/main" id="{71652556-4B93-44DE-AFCB-59BC982FC293}"/>
+                <a16:creationId xmlns:a16="http://schemas.microsoft.com/office/drawing/2014/main" id="{35A08258-68A5-4329-B8C3-81AE1878936D}"/>
+              </a:ext>
+            </a:extLst>
+          </p:cNvPr>
+          <p:cNvPicPr>
+            <a:picLocks noChangeAspect="1"/>
+          </p:cNvPicPr>
+          <p:nvPr/>
+        </p:nvPicPr>
+        <p:blipFill>
+          <a:blip r:embed="rId2"/>
+          <a:stretch>
+            <a:fillRect/>
+          </a:stretch>
+        </p:blipFill>
+        <p:spPr>
+          <a:xfrm>
+            <a:off x="3179695" y="2612422"/>
+            <a:ext cx="2599667" cy="2433421"/>
+          </a:xfrm>
+          <a:prstGeom prst="rect">
+            <a:avLst/>
+          </a:prstGeom>
+        </p:spPr>
+      </p:pic>
+      <p:sp>
+        <p:nvSpPr>
+          <p:cNvPr id="7" name="Rectangle 6">
+            <a:extLst>
+              <a:ext uri="{FF2B5EF4-FFF2-40B4-BE49-F238E27FC236}">
+                <a16:creationId xmlns:a16="http://schemas.microsoft.com/office/drawing/2014/main" id="{8D64ECE6-DCC4-45AB-B9D0-BD6FDEAD2347}"/>
+              </a:ext>
+            </a:extLst>
+          </p:cNvPr>
+          <p:cNvSpPr/>
+          <p:nvPr/>
+        </p:nvSpPr>
+        <p:spPr>
+          <a:xfrm>
+            <a:off x="2757173" y="2029690"/>
+            <a:ext cx="566181" cy="369332"/>
+          </a:xfrm>
+          <a:prstGeom prst="rect">
+            <a:avLst/>
+          </a:prstGeom>
+        </p:spPr>
+        <p:txBody>
+          <a:bodyPr wrap="none">
+            <a:spAutoFit/>
+          </a:bodyPr>
+          <a:lstStyle/>
+          <a:p>
+            <a:r>
+              <a:rPr lang="en-US" dirty="0"/>
+              <a:t>N=7</a:t>
+            </a:r>
+          </a:p>
+        </p:txBody>
+      </p:sp>
+      <p:pic>
+        <p:nvPicPr>
+          <p:cNvPr id="8" name="Picture 7">
+            <a:extLst>
+              <a:ext uri="{FF2B5EF4-FFF2-40B4-BE49-F238E27FC236}">
+                <a16:creationId xmlns:a16="http://schemas.microsoft.com/office/drawing/2014/main" id="{1EC1A324-3A3D-4A41-ACFC-0449AF79F07C}"/>
               </a:ext>
             </a:extLst>
           </p:cNvPr>
@@ -23697,101 +23941,20 @@
         </p:blipFill>
         <p:spPr>
           <a:xfrm>
-            <a:off x="192165" y="2914570"/>
-            <a:ext cx="2205595" cy="1891109"/>
+            <a:off x="6515475" y="2620843"/>
+            <a:ext cx="2818650" cy="2425000"/>
           </a:xfrm>
           <a:prstGeom prst="rect">
             <a:avLst/>
           </a:prstGeom>
         </p:spPr>
       </p:pic>
-      <p:sp>
-        <p:nvSpPr>
-          <p:cNvPr id="3" name="TextBox 2">
+      <p:pic>
+        <p:nvPicPr>
+          <p:cNvPr id="9" name="Picture 8">
             <a:extLst>
               <a:ext uri="{FF2B5EF4-FFF2-40B4-BE49-F238E27FC236}">
-                <a16:creationId xmlns:a16="http://schemas.microsoft.com/office/drawing/2014/main" id="{8D392B4C-1E38-4187-A4C6-DBAE12FA1B59}"/>
-              </a:ext>
-            </a:extLst>
-          </p:cNvPr>
-          <p:cNvSpPr txBox="1"/>
-          <p:nvPr/>
-        </p:nvSpPr>
-        <p:spPr>
-          <a:xfrm>
-            <a:off x="487680" y="5032148"/>
-            <a:ext cx="1910080" cy="369332"/>
-          </a:xfrm>
-          <a:prstGeom prst="rect">
-            <a:avLst/>
-          </a:prstGeom>
-          <a:noFill/>
-        </p:spPr>
-        <p:txBody>
-          <a:bodyPr wrap="square" rtlCol="0">
-            <a:spAutoFit/>
-          </a:bodyPr>
-          <a:lstStyle/>
-          <a:p>
-            <a:r>
-              <a:rPr lang="en-US" dirty="0"/>
-              <a:t>Sample Plane</a:t>
-            </a:r>
-          </a:p>
-        </p:txBody>
-      </p:sp>
-      <p:sp>
-        <p:nvSpPr>
-          <p:cNvPr id="12" name="Arrow: Right 11">
-            <a:extLst>
-              <a:ext uri="{FF2B5EF4-FFF2-40B4-BE49-F238E27FC236}">
-                <a16:creationId xmlns:a16="http://schemas.microsoft.com/office/drawing/2014/main" id="{D43317FD-6CCF-416C-B62B-900A4DB60451}"/>
-              </a:ext>
-            </a:extLst>
-          </p:cNvPr>
-          <p:cNvSpPr/>
-          <p:nvPr/>
-        </p:nvSpPr>
-        <p:spPr>
-          <a:xfrm>
-            <a:off x="2510415" y="3660069"/>
-            <a:ext cx="1715769" cy="400110"/>
-          </a:xfrm>
-          <a:prstGeom prst="rightArrow">
-            <a:avLst/>
-          </a:prstGeom>
-        </p:spPr>
-        <p:style>
-          <a:lnRef idx="2">
-            <a:schemeClr val="accent1">
-              <a:shade val="50000"/>
-            </a:schemeClr>
-          </a:lnRef>
-          <a:fillRef idx="1">
-            <a:schemeClr val="accent1"/>
-          </a:fillRef>
-          <a:effectRef idx="0">
-            <a:schemeClr val="accent1"/>
-          </a:effectRef>
-          <a:fontRef idx="minor">
-            <a:schemeClr val="lt1"/>
-          </a:fontRef>
-        </p:style>
-        <p:txBody>
-          <a:bodyPr rtlCol="0" anchor="ctr"/>
-          <a:lstStyle/>
-          <a:p>
-            <a:pPr algn="ctr"/>
-            <a:endParaRPr lang="en-US"/>
-          </a:p>
-        </p:txBody>
-      </p:sp>
-      <p:pic>
-        <p:nvPicPr>
-          <p:cNvPr id="30" name="Picture 29">
-            <a:extLst>
-              <a:ext uri="{FF2B5EF4-FFF2-40B4-BE49-F238E27FC236}">
-                <a16:creationId xmlns:a16="http://schemas.microsoft.com/office/drawing/2014/main" id="{3593F85A-40C2-4755-BC2F-108A333C22C2}"/>
+                <a16:creationId xmlns:a16="http://schemas.microsoft.com/office/drawing/2014/main" id="{8D072474-7078-4A4D-9F62-CFCB04163517}"/>
               </a:ext>
             </a:extLst>
           </p:cNvPr>
@@ -23808,117 +23971,50 @@
         </p:blipFill>
         <p:spPr>
           <a:xfrm>
-            <a:off x="4169668" y="2914570"/>
-            <a:ext cx="2381362" cy="2041814"/>
+            <a:off x="9334125" y="2612422"/>
+            <a:ext cx="2818650" cy="2425000"/>
           </a:xfrm>
           <a:prstGeom prst="rect">
             <a:avLst/>
           </a:prstGeom>
         </p:spPr>
       </p:pic>
-      <p:grpSp>
-        <p:nvGrpSpPr>
-          <p:cNvPr id="31" name="Group 30">
+      <p:pic>
+        <p:nvPicPr>
+          <p:cNvPr id="10" name="Picture 9">
             <a:extLst>
               <a:ext uri="{FF2B5EF4-FFF2-40B4-BE49-F238E27FC236}">
-                <a16:creationId xmlns:a16="http://schemas.microsoft.com/office/drawing/2014/main" id="{3E909311-CACD-4FAD-87E4-06968D6340FE}"/>
+                <a16:creationId xmlns:a16="http://schemas.microsoft.com/office/drawing/2014/main" id="{4F8F4860-A97E-47F9-A7A7-91E63C90FB29}"/>
               </a:ext>
             </a:extLst>
           </p:cNvPr>
-          <p:cNvGrpSpPr/>
+          <p:cNvPicPr>
+            <a:picLocks noChangeAspect="1"/>
+          </p:cNvPicPr>
           <p:nvPr/>
-        </p:nvGrpSpPr>
-        <p:grpSpPr>
+        </p:nvPicPr>
+        <p:blipFill>
+          <a:blip r:embed="rId5"/>
+          <a:stretch>
+            <a:fillRect/>
+          </a:stretch>
+        </p:blipFill>
+        <p:spPr>
           <a:xfrm>
-            <a:off x="8670306" y="2431374"/>
-            <a:ext cx="3333750" cy="2857500"/>
-            <a:chOff x="4221109" y="3637976"/>
-            <a:chExt cx="3333750" cy="2857500"/>
+            <a:off x="361045" y="2620843"/>
+            <a:ext cx="2818650" cy="2425000"/>
           </a:xfrm>
-        </p:grpSpPr>
-        <p:pic>
-          <p:nvPicPr>
-            <p:cNvPr id="32" name="Picture 31">
-              <a:extLst>
-                <a:ext uri="{FF2B5EF4-FFF2-40B4-BE49-F238E27FC236}">
-                  <a16:creationId xmlns:a16="http://schemas.microsoft.com/office/drawing/2014/main" id="{D96D64BA-574F-46DC-BA70-8D74C57566F4}"/>
-                </a:ext>
-              </a:extLst>
-            </p:cNvPr>
-            <p:cNvPicPr>
-              <a:picLocks noChangeAspect="1"/>
-            </p:cNvPicPr>
-            <p:nvPr/>
-          </p:nvPicPr>
-          <p:blipFill>
-            <a:blip r:embed="rId5"/>
-            <a:stretch>
-              <a:fillRect/>
-            </a:stretch>
-          </p:blipFill>
-          <p:spPr>
-            <a:xfrm>
-              <a:off x="4221109" y="3637976"/>
-              <a:ext cx="3333750" cy="2857500"/>
-            </a:xfrm>
-            <a:prstGeom prst="rect">
-              <a:avLst/>
-            </a:prstGeom>
-          </p:spPr>
-        </p:pic>
-        <p:sp>
-          <p:nvSpPr>
-            <p:cNvPr id="33" name="Rectangle 32">
-              <a:extLst>
-                <a:ext uri="{FF2B5EF4-FFF2-40B4-BE49-F238E27FC236}">
-                  <a16:creationId xmlns:a16="http://schemas.microsoft.com/office/drawing/2014/main" id="{337D0BA7-D1E7-40A9-9B48-7708F1A5833E}"/>
-                </a:ext>
-              </a:extLst>
-            </p:cNvPr>
-            <p:cNvSpPr/>
-            <p:nvPr/>
-          </p:nvSpPr>
-          <p:spPr>
-            <a:xfrm>
-              <a:off x="4945789" y="4045203"/>
-              <a:ext cx="1498351" cy="1474568"/>
-            </a:xfrm>
-            <a:prstGeom prst="rect">
-              <a:avLst/>
-            </a:prstGeom>
-            <a:noFill/>
-            <a:ln w="25400"/>
-          </p:spPr>
-          <p:style>
-            <a:lnRef idx="2">
-              <a:schemeClr val="accent2"/>
-            </a:lnRef>
-            <a:fillRef idx="1">
-              <a:schemeClr val="lt1"/>
-            </a:fillRef>
-            <a:effectRef idx="0">
-              <a:schemeClr val="accent2"/>
-            </a:effectRef>
-            <a:fontRef idx="minor">
-              <a:schemeClr val="dk1"/>
-            </a:fontRef>
-          </p:style>
-          <p:txBody>
-            <a:bodyPr rtlCol="0" anchor="ctr"/>
-            <a:lstStyle/>
-            <a:p>
-              <a:pPr algn="ctr"/>
-              <a:endParaRPr lang="en-US"/>
-            </a:p>
-          </p:txBody>
-        </p:sp>
-      </p:grpSp>
+          <a:prstGeom prst="rect">
+            <a:avLst/>
+          </a:prstGeom>
+        </p:spPr>
+      </p:pic>
       <p:sp>
         <p:nvSpPr>
-          <p:cNvPr id="34" name="Arrow: Right 33">
+          <p:cNvPr id="11" name="Rectangle 10">
             <a:extLst>
               <a:ext uri="{FF2B5EF4-FFF2-40B4-BE49-F238E27FC236}">
-                <a16:creationId xmlns:a16="http://schemas.microsoft.com/office/drawing/2014/main" id="{4FC2480B-EEF9-4860-8C9A-6C1CFEC7750A}"/>
+                <a16:creationId xmlns:a16="http://schemas.microsoft.com/office/drawing/2014/main" id="{846ECFD8-FA4A-4022-9B9D-F2EB966EA21D}"/>
               </a:ext>
             </a:extLst>
           </p:cNvPr>
@@ -23927,44 +24023,32 @@
         </p:nvSpPr>
         <p:spPr>
           <a:xfrm>
-            <a:off x="6551030" y="3649909"/>
-            <a:ext cx="1882987" cy="400110"/>
+            <a:off x="9051034" y="2021269"/>
+            <a:ext cx="683200" cy="369332"/>
           </a:xfrm>
-          <a:prstGeom prst="rightArrow">
+          <a:prstGeom prst="rect">
             <a:avLst/>
           </a:prstGeom>
         </p:spPr>
-        <p:style>
-          <a:lnRef idx="2">
-            <a:schemeClr val="accent1">
-              <a:shade val="50000"/>
-            </a:schemeClr>
-          </a:lnRef>
-          <a:fillRef idx="1">
-            <a:schemeClr val="accent1"/>
-          </a:fillRef>
-          <a:effectRef idx="0">
-            <a:schemeClr val="accent1"/>
-          </a:effectRef>
-          <a:fontRef idx="minor">
-            <a:schemeClr val="lt1"/>
-          </a:fontRef>
-        </p:style>
         <p:txBody>
-          <a:bodyPr rtlCol="0" anchor="ctr"/>
+          <a:bodyPr wrap="none">
+            <a:spAutoFit/>
+          </a:bodyPr>
           <a:lstStyle/>
           <a:p>
-            <a:pPr algn="ctr"/>
-            <a:endParaRPr lang="en-US"/>
+            <a:r>
+              <a:rPr lang="en-US" dirty="0"/>
+              <a:t>N=21</a:t>
+            </a:r>
           </a:p>
         </p:txBody>
       </p:sp>
       <p:sp>
         <p:nvSpPr>
-          <p:cNvPr id="13" name="TextBox 12">
+          <p:cNvPr id="12" name="TextBox 11">
             <a:extLst>
               <a:ext uri="{FF2B5EF4-FFF2-40B4-BE49-F238E27FC236}">
-                <a16:creationId xmlns:a16="http://schemas.microsoft.com/office/drawing/2014/main" id="{4B988AF1-F66B-48E7-AC6F-BA9FDBB809BF}"/>
+                <a16:creationId xmlns:a16="http://schemas.microsoft.com/office/drawing/2014/main" id="{A89C4A28-104E-478C-97D8-0D1B49868136}"/>
               </a:ext>
             </a:extLst>
           </p:cNvPr>
@@ -23973,78 +24057,8 @@
         </p:nvSpPr>
         <p:spPr>
           <a:xfrm>
-            <a:off x="2397760" y="3321515"/>
-            <a:ext cx="2205595" cy="338554"/>
-          </a:xfrm>
-          <a:prstGeom prst="rect">
-            <a:avLst/>
-          </a:prstGeom>
-          <a:noFill/>
-        </p:spPr>
-        <p:txBody>
-          <a:bodyPr wrap="square" rtlCol="0">
-            <a:spAutoFit/>
-          </a:bodyPr>
-          <a:lstStyle/>
-          <a:p>
-            <a:r>
-              <a:rPr lang="en-US" sz="1600" dirty="0"/>
-              <a:t>First Imaging system </a:t>
-            </a:r>
-          </a:p>
-        </p:txBody>
-      </p:sp>
-      <p:sp>
-        <p:nvSpPr>
-          <p:cNvPr id="35" name="TextBox 34">
-            <a:extLst>
-              <a:ext uri="{FF2B5EF4-FFF2-40B4-BE49-F238E27FC236}">
-                <a16:creationId xmlns:a16="http://schemas.microsoft.com/office/drawing/2014/main" id="{0D911661-8FEF-4C43-AFD0-CC5070860DF8}"/>
-              </a:ext>
-            </a:extLst>
-          </p:cNvPr>
-          <p:cNvSpPr txBox="1"/>
-          <p:nvPr/>
-        </p:nvSpPr>
-        <p:spPr>
-          <a:xfrm>
-            <a:off x="6314741" y="3326150"/>
-            <a:ext cx="2452882" cy="338554"/>
-          </a:xfrm>
-          <a:prstGeom prst="rect">
-            <a:avLst/>
-          </a:prstGeom>
-          <a:noFill/>
-        </p:spPr>
-        <p:txBody>
-          <a:bodyPr wrap="square" rtlCol="0">
-            <a:spAutoFit/>
-          </a:bodyPr>
-          <a:lstStyle/>
-          <a:p>
-            <a:r>
-              <a:rPr lang="en-US" sz="1600" dirty="0"/>
-              <a:t>Secondary Imaging system </a:t>
-            </a:r>
-          </a:p>
-        </p:txBody>
-      </p:sp>
-      <p:sp>
-        <p:nvSpPr>
-          <p:cNvPr id="36" name="TextBox 35">
-            <a:extLst>
-              <a:ext uri="{FF2B5EF4-FFF2-40B4-BE49-F238E27FC236}">
-                <a16:creationId xmlns:a16="http://schemas.microsoft.com/office/drawing/2014/main" id="{15834269-E6F5-415D-BA1E-839493EF9580}"/>
-              </a:ext>
-            </a:extLst>
-          </p:cNvPr>
-          <p:cNvSpPr txBox="1"/>
-          <p:nvPr/>
-        </p:nvSpPr>
-        <p:spPr>
-          <a:xfrm>
-            <a:off x="4343143" y="5036331"/>
-            <a:ext cx="2207887" cy="369332"/>
+            <a:off x="6215849" y="5478266"/>
+            <a:ext cx="4358936" cy="923330"/>
           </a:xfrm>
           <a:prstGeom prst="rect">
             <a:avLst/>
@@ -24059,42 +24073,7 @@
           <a:p>
             <a:r>
               <a:rPr lang="en-US" dirty="0"/>
-              <a:t>Intermediate Plane</a:t>
-            </a:r>
-          </a:p>
-        </p:txBody>
-      </p:sp>
-      <p:sp>
-        <p:nvSpPr>
-          <p:cNvPr id="37" name="TextBox 36">
-            <a:extLst>
-              <a:ext uri="{FF2B5EF4-FFF2-40B4-BE49-F238E27FC236}">
-                <a16:creationId xmlns:a16="http://schemas.microsoft.com/office/drawing/2014/main" id="{1C55290A-6645-42C2-9365-87E860905A0C}"/>
-              </a:ext>
-            </a:extLst>
-          </p:cNvPr>
-          <p:cNvSpPr txBox="1"/>
-          <p:nvPr/>
-        </p:nvSpPr>
-        <p:spPr>
-          <a:xfrm>
-            <a:off x="9390207" y="5288874"/>
-            <a:ext cx="2207887" cy="369332"/>
-          </a:xfrm>
-          <a:prstGeom prst="rect">
-            <a:avLst/>
-          </a:prstGeom>
-          <a:noFill/>
-        </p:spPr>
-        <p:txBody>
-          <a:bodyPr wrap="square" rtlCol="0">
-            <a:spAutoFit/>
-          </a:bodyPr>
-          <a:lstStyle/>
-          <a:p>
-            <a:r>
-              <a:rPr lang="en-US" dirty="0"/>
-              <a:t>Hologram Plane</a:t>
+              <a:t>With more number of elements, the sample plane has more pixels to depict the near field pattern (which looks more continuous)</a:t>
             </a:r>
           </a:p>
         </p:txBody>
@@ -24102,7 +24081,37 @@
     </p:spTree>
     <p:extLst>
       <p:ext uri="{BB962C8B-B14F-4D97-AF65-F5344CB8AC3E}">
-        <p14:creationId xmlns:p14="http://schemas.microsoft.com/office/powerpoint/2010/main" val="2602990063"/>
+        <p14:creationId xmlns:p14="http://schemas.microsoft.com/office/powerpoint/2010/main" val="2237259514"/>
+      </p:ext>
+    </p:extLst>
+  </p:cSld>
+  <p:clrMapOvr>
+    <a:masterClrMapping/>
+  </p:clrMapOvr>
+</p:sld>
+</file>
+
+<file path=ppt/slides/slide7.xml><?xml version="1.0" encoding="utf-8"?>
+<p:sld xmlns:a="http://schemas.openxmlformats.org/drawingml/2006/main" xmlns:r="http://schemas.openxmlformats.org/officeDocument/2006/relationships" xmlns:p="http://schemas.openxmlformats.org/presentationml/2006/main">
+  <p:cSld>
+    <p:spTree>
+      <p:nvGrpSpPr>
+        <p:cNvPr id="1" name=""/>
+        <p:cNvGrpSpPr/>
+        <p:nvPr/>
+      </p:nvGrpSpPr>
+      <p:grpSpPr>
+        <a:xfrm>
+          <a:off x="0" y="0"/>
+          <a:ext cx="0" cy="0"/>
+          <a:chOff x="0" y="0"/>
+          <a:chExt cx="0" cy="0"/>
+        </a:xfrm>
+      </p:grpSpPr>
+    </p:spTree>
+    <p:extLst>
+      <p:ext uri="{BB962C8B-B14F-4D97-AF65-F5344CB8AC3E}">
+        <p14:creationId xmlns:p14="http://schemas.microsoft.com/office/powerpoint/2010/main" val="2358221632"/>
       </p:ext>
     </p:extLst>
   </p:cSld>

--- a/Green Function Method/ring_resonators/“Dynamic” Hologram by Ring Resonators.pptx
+++ b/Green Function Method/ring_resonators/“Dynamic” Hologram by Ring Resonators.pptx
@@ -5,7 +5,7 @@
     <p:sldMasterId id="2147483648" r:id="rId1"/>
   </p:sldMasterIdLst>
   <p:notesMasterIdLst>
-    <p:notesMasterId r:id="rId9"/>
+    <p:notesMasterId r:id="rId11"/>
   </p:notesMasterIdLst>
   <p:sldIdLst>
     <p:sldId id="276" r:id="rId2"/>
@@ -15,6 +15,8 @@
     <p:sldId id="281" r:id="rId6"/>
     <p:sldId id="282" r:id="rId7"/>
     <p:sldId id="283" r:id="rId8"/>
+    <p:sldId id="284" r:id="rId9"/>
+    <p:sldId id="285" r:id="rId10"/>
   </p:sldIdLst>
   <p:sldSz cx="12192000" cy="6858000"/>
   <p:notesSz cx="6858000" cy="9144000"/>
@@ -203,7 +205,7 @@
           <a:p>
             <a:fld id="{BD59A7CB-AC91-4F52-AA15-CEE6DBD9049B}" type="datetimeFigureOut">
               <a:rPr lang="en-US" smtClean="0"/>
-              <a:t>6/26/2020</a:t>
+              <a:t>6/28/2020</a:t>
             </a:fld>
             <a:endParaRPr lang="en-US"/>
           </a:p>
@@ -704,7 +706,7 @@
           <a:p>
             <a:fld id="{D051CA3F-F965-4D33-880E-09FCD71B3DE9}" type="datetimeFigureOut">
               <a:rPr lang="en-US" smtClean="0"/>
-              <a:t>6/26/2020</a:t>
+              <a:t>6/28/2020</a:t>
             </a:fld>
             <a:endParaRPr lang="en-US"/>
           </a:p>
@@ -902,7 +904,7 @@
           <a:p>
             <a:fld id="{D051CA3F-F965-4D33-880E-09FCD71B3DE9}" type="datetimeFigureOut">
               <a:rPr lang="en-US" smtClean="0"/>
-              <a:t>6/26/2020</a:t>
+              <a:t>6/28/2020</a:t>
             </a:fld>
             <a:endParaRPr lang="en-US"/>
           </a:p>
@@ -1110,7 +1112,7 @@
           <a:p>
             <a:fld id="{D051CA3F-F965-4D33-880E-09FCD71B3DE9}" type="datetimeFigureOut">
               <a:rPr lang="en-US" smtClean="0"/>
-              <a:t>6/26/2020</a:t>
+              <a:t>6/28/2020</a:t>
             </a:fld>
             <a:endParaRPr lang="en-US"/>
           </a:p>
@@ -1308,7 +1310,7 @@
           <a:p>
             <a:fld id="{D051CA3F-F965-4D33-880E-09FCD71B3DE9}" type="datetimeFigureOut">
               <a:rPr lang="en-US" smtClean="0"/>
-              <a:t>6/26/2020</a:t>
+              <a:t>6/28/2020</a:t>
             </a:fld>
             <a:endParaRPr lang="en-US"/>
           </a:p>
@@ -1583,7 +1585,7 @@
           <a:p>
             <a:fld id="{D051CA3F-F965-4D33-880E-09FCD71B3DE9}" type="datetimeFigureOut">
               <a:rPr lang="en-US" smtClean="0"/>
-              <a:t>6/26/2020</a:t>
+              <a:t>6/28/2020</a:t>
             </a:fld>
             <a:endParaRPr lang="en-US"/>
           </a:p>
@@ -1848,7 +1850,7 @@
           <a:p>
             <a:fld id="{D051CA3F-F965-4D33-880E-09FCD71B3DE9}" type="datetimeFigureOut">
               <a:rPr lang="en-US" smtClean="0"/>
-              <a:t>6/26/2020</a:t>
+              <a:t>6/28/2020</a:t>
             </a:fld>
             <a:endParaRPr lang="en-US"/>
           </a:p>
@@ -2260,7 +2262,7 @@
           <a:p>
             <a:fld id="{D051CA3F-F965-4D33-880E-09FCD71B3DE9}" type="datetimeFigureOut">
               <a:rPr lang="en-US" smtClean="0"/>
-              <a:t>6/26/2020</a:t>
+              <a:t>6/28/2020</a:t>
             </a:fld>
             <a:endParaRPr lang="en-US"/>
           </a:p>
@@ -2401,7 +2403,7 @@
           <a:p>
             <a:fld id="{D051CA3F-F965-4D33-880E-09FCD71B3DE9}" type="datetimeFigureOut">
               <a:rPr lang="en-US" smtClean="0"/>
-              <a:t>6/26/2020</a:t>
+              <a:t>6/28/2020</a:t>
             </a:fld>
             <a:endParaRPr lang="en-US"/>
           </a:p>
@@ -2514,7 +2516,7 @@
           <a:p>
             <a:fld id="{D051CA3F-F965-4D33-880E-09FCD71B3DE9}" type="datetimeFigureOut">
               <a:rPr lang="en-US" smtClean="0"/>
-              <a:t>6/26/2020</a:t>
+              <a:t>6/28/2020</a:t>
             </a:fld>
             <a:endParaRPr lang="en-US"/>
           </a:p>
@@ -2825,7 +2827,7 @@
           <a:p>
             <a:fld id="{D051CA3F-F965-4D33-880E-09FCD71B3DE9}" type="datetimeFigureOut">
               <a:rPr lang="en-US" smtClean="0"/>
-              <a:t>6/26/2020</a:t>
+              <a:t>6/28/2020</a:t>
             </a:fld>
             <a:endParaRPr lang="en-US"/>
           </a:p>
@@ -3113,7 +3115,7 @@
           <a:p>
             <a:fld id="{D051CA3F-F965-4D33-880E-09FCD71B3DE9}" type="datetimeFigureOut">
               <a:rPr lang="en-US" smtClean="0"/>
-              <a:t>6/26/2020</a:t>
+              <a:t>6/28/2020</a:t>
             </a:fld>
             <a:endParaRPr lang="en-US"/>
           </a:p>
@@ -3354,7 +3356,7 @@
           <a:p>
             <a:fld id="{D051CA3F-F965-4D33-880E-09FCD71B3DE9}" type="datetimeFigureOut">
               <a:rPr lang="en-US" smtClean="0"/>
-              <a:t>6/26/2020</a:t>
+              <a:t>6/28/2020</a:t>
             </a:fld>
             <a:endParaRPr lang="en-US"/>
           </a:p>
@@ -22995,13 +22997,13 @@
             <a:pPr algn="ctr"/>
             <a:r>
               <a:rPr lang="en-US" sz="2000" b="1" dirty="0"/>
-              <a:t>Improving Image Quality</a:t>
+              <a:t>Improving Hologram Quality</a:t>
             </a:r>
           </a:p>
         </p:txBody>
       </p:sp>
-      <mc:AlternateContent xmlns:mc="http://schemas.openxmlformats.org/markup-compatibility/2006">
-        <mc:Choice xmlns:a14="http://schemas.microsoft.com/office/drawing/2010/main" Requires="a14">
+      <mc:AlternateContent xmlns:mc="http://schemas.openxmlformats.org/markup-compatibility/2006" xmlns:a14="http://schemas.microsoft.com/office/drawing/2010/main">
+        <mc:Choice Requires="a14">
           <p:sp>
             <p:nvSpPr>
               <p:cNvPr id="14" name="TextBox 13">
@@ -23030,6 +23032,7 @@
               </a:bodyPr>
               <a:lstStyle/>
               <a:p>
+                <a:pPr/>
                 <a14:m>
                   <m:oMathPara xmlns:m="http://schemas.openxmlformats.org/officeDocument/2006/math">
                     <m:oMathParaPr>
@@ -23156,7 +23159,7 @@
             </p:txBody>
           </p:sp>
         </mc:Choice>
-        <mc:Fallback>
+        <mc:Fallback xmlns="">
           <p:sp>
             <p:nvSpPr>
               <p:cNvPr id="14" name="TextBox 13">
@@ -23201,8 +23204,8 @@
           </p:sp>
         </mc:Fallback>
       </mc:AlternateContent>
-      <mc:AlternateContent xmlns:mc="http://schemas.openxmlformats.org/markup-compatibility/2006">
-        <mc:Choice xmlns:a14="http://schemas.microsoft.com/office/drawing/2010/main" Requires="a14">
+      <mc:AlternateContent xmlns:mc="http://schemas.openxmlformats.org/markup-compatibility/2006" xmlns:a14="http://schemas.microsoft.com/office/drawing/2010/main">
+        <mc:Choice Requires="a14">
           <p:sp>
             <p:nvSpPr>
               <p:cNvPr id="15" name="TextBox 14">
@@ -23231,6 +23234,7 @@
               </a:bodyPr>
               <a:lstStyle/>
               <a:p>
+                <a:pPr/>
                 <a14:m>
                   <m:oMathPara xmlns:m="http://schemas.openxmlformats.org/officeDocument/2006/math">
                     <m:oMathParaPr>
@@ -23357,7 +23361,7 @@
             </p:txBody>
           </p:sp>
         </mc:Choice>
-        <mc:Fallback>
+        <mc:Fallback xmlns="">
           <p:sp>
             <p:nvSpPr>
               <p:cNvPr id="15" name="TextBox 14">
@@ -23432,8 +23436,8 @@
           </a:prstGeom>
         </p:spPr>
       </p:pic>
-      <mc:AlternateContent xmlns:mc="http://schemas.openxmlformats.org/markup-compatibility/2006">
-        <mc:Choice xmlns:a14="http://schemas.microsoft.com/office/drawing/2010/main" Requires="a14">
+      <mc:AlternateContent xmlns:mc="http://schemas.openxmlformats.org/markup-compatibility/2006" xmlns:a14="http://schemas.microsoft.com/office/drawing/2010/main">
+        <mc:Choice Requires="a14">
           <p:sp>
             <p:nvSpPr>
               <p:cNvPr id="18" name="TextBox 17">
@@ -23468,7 +23472,6 @@
                 </a:r>
               </a:p>
               <a:p>
-                <a:pPr/>
                 <a14:m>
                   <m:oMath xmlns:m="http://schemas.openxmlformats.org/officeDocument/2006/math">
                     <m:sSub>
@@ -23653,7 +23656,7 @@
             </p:txBody>
           </p:sp>
         </mc:Choice>
-        <mc:Fallback>
+        <mc:Fallback xmlns="">
           <p:sp>
             <p:nvSpPr>
               <p:cNvPr id="18" name="TextBox 17">
@@ -23727,7 +23730,11 @@
           <a:lstStyle/>
           <a:p>
             <a:r>
-              <a:rPr lang="en-US" dirty="0"/>
+              <a:rPr lang="en-US" dirty="0">
+                <a:solidFill>
+                  <a:srgbClr val="0070C0"/>
+                </a:solidFill>
+              </a:rPr>
               <a:t>As the number of elements increase, the SNR of recovered image also enhances. </a:t>
             </a:r>
           </a:p>
@@ -23786,6 +23793,40 @@
               </a:solidFill>
               <a:latin typeface="Courier New" panose="02070309020205020404" pitchFamily="49" charset="0"/>
             </a:endParaRPr>
+          </a:p>
+        </p:txBody>
+      </p:sp>
+      <p:sp>
+        <p:nvSpPr>
+          <p:cNvPr id="2" name="Rectangle 1">
+            <a:extLst>
+              <a:ext uri="{FF2B5EF4-FFF2-40B4-BE49-F238E27FC236}">
+                <a16:creationId xmlns:a16="http://schemas.microsoft.com/office/drawing/2014/main" id="{34BE4104-2793-4A83-A51A-B141F2C6C43D}"/>
+              </a:ext>
+            </a:extLst>
+          </p:cNvPr>
+          <p:cNvSpPr/>
+          <p:nvPr/>
+        </p:nvSpPr>
+        <p:spPr>
+          <a:xfrm>
+            <a:off x="3754111" y="6530390"/>
+            <a:ext cx="3064685" cy="276999"/>
+          </a:xfrm>
+          <a:prstGeom prst="rect">
+            <a:avLst/>
+          </a:prstGeom>
+        </p:spPr>
+        <p:txBody>
+          <a:bodyPr wrap="none">
+            <a:spAutoFit/>
+          </a:bodyPr>
+          <a:lstStyle/>
+          <a:p>
+            <a:r>
+              <a:rPr lang="en-US" sz="1200" b="1" dirty="0"/>
+              <a:t>Code at: Green_Function_Inverse_Design2.m</a:t>
+            </a:r>
           </a:p>
         </p:txBody>
       </p:sp>
@@ -24072,7 +24113,11 @@
           <a:lstStyle/>
           <a:p>
             <a:r>
-              <a:rPr lang="en-US" dirty="0"/>
+              <a:rPr lang="en-US" dirty="0">
+                <a:solidFill>
+                  <a:srgbClr val="0070C0"/>
+                </a:solidFill>
+              </a:rPr>
               <a:t>With more number of elements, the sample plane has more pixels to depict the near field pattern (which looks more continuous)</a:t>
             </a:r>
           </a:p>
@@ -24108,10 +24153,3851 @@
           <a:chExt cx="0" cy="0"/>
         </a:xfrm>
       </p:grpSpPr>
+      <p:graphicFrame>
+        <p:nvGraphicFramePr>
+          <p:cNvPr id="2" name="Table 1">
+            <a:extLst>
+              <a:ext uri="{FF2B5EF4-FFF2-40B4-BE49-F238E27FC236}">
+                <a16:creationId xmlns:a16="http://schemas.microsoft.com/office/drawing/2014/main" id="{518DD209-BBEB-4A4F-96A7-11010D04C894}"/>
+              </a:ext>
+            </a:extLst>
+          </p:cNvPr>
+          <p:cNvGraphicFramePr>
+            <a:graphicFrameLocks noGrp="1"/>
+          </p:cNvGraphicFramePr>
+          <p:nvPr>
+            <p:extLst>
+              <p:ext uri="{D42A27DB-BD31-4B8C-83A1-F6EECF244321}">
+                <p14:modId xmlns:p14="http://schemas.microsoft.com/office/powerpoint/2010/main" val="3316441766"/>
+              </p:ext>
+            </p:extLst>
+          </p:nvPr>
+        </p:nvGraphicFramePr>
+        <p:xfrm>
+          <a:off x="635000" y="1920240"/>
+          <a:ext cx="4008120" cy="3038604"/>
+        </p:xfrm>
+        <a:graphic>
+          <a:graphicData uri="http://schemas.openxmlformats.org/drawingml/2006/table">
+            <a:tbl>
+              <a:tblPr>
+                <a:tableStyleId>{5C22544A-7EE6-4342-B048-85BDC9FD1C3A}</a:tableStyleId>
+              </a:tblPr>
+              <a:tblGrid>
+                <a:gridCol w="1408258">
+                  <a:extLst>
+                    <a:ext uri="{9D8B030D-6E8A-4147-A177-3AD203B41FA5}">
+                      <a16:colId xmlns:a16="http://schemas.microsoft.com/office/drawing/2014/main" val="682547636"/>
+                    </a:ext>
+                  </a:extLst>
+                </a:gridCol>
+                <a:gridCol w="1299931">
+                  <a:extLst>
+                    <a:ext uri="{9D8B030D-6E8A-4147-A177-3AD203B41FA5}">
+                      <a16:colId xmlns:a16="http://schemas.microsoft.com/office/drawing/2014/main" val="3666720186"/>
+                    </a:ext>
+                  </a:extLst>
+                </a:gridCol>
+                <a:gridCol w="1299931">
+                  <a:extLst>
+                    <a:ext uri="{9D8B030D-6E8A-4147-A177-3AD203B41FA5}">
+                      <a16:colId xmlns:a16="http://schemas.microsoft.com/office/drawing/2014/main" val="2163656244"/>
+                    </a:ext>
+                  </a:extLst>
+                </a:gridCol>
+              </a:tblGrid>
+              <a:tr h="182880">
+                <a:tc>
+                  <a:txBody>
+                    <a:bodyPr/>
+                    <a:lstStyle/>
+                    <a:p>
+                      <a:pPr algn="l" fontAlgn="b"/>
+                      <a:r>
+                        <a:rPr lang="en-US" sz="1600" u="none" strike="noStrike" dirty="0">
+                          <a:effectLst/>
+                        </a:rPr>
+                        <a:t>geo(spacing, z)</a:t>
+                      </a:r>
+                      <a:endParaRPr lang="en-US" sz="1600" b="0" i="0" u="none" strike="noStrike" dirty="0">
+                        <a:solidFill>
+                          <a:srgbClr val="000000"/>
+                        </a:solidFill>
+                        <a:effectLst/>
+                        <a:latin typeface="Calibri" panose="020F0502020204030204" pitchFamily="34" charset="0"/>
+                      </a:endParaRPr>
+                    </a:p>
+                  </a:txBody>
+                  <a:tcPr marL="7620" marR="7620" marT="7620" marB="0" anchor="b"/>
+                </a:tc>
+                <a:tc>
+                  <a:txBody>
+                    <a:bodyPr/>
+                    <a:lstStyle/>
+                    <a:p>
+                      <a:pPr algn="l" fontAlgn="b"/>
+                      <a:r>
+                        <a:rPr lang="en-US" sz="1600" u="none" strike="noStrike">
+                          <a:effectLst/>
+                        </a:rPr>
+                        <a:t>SNR1</a:t>
+                      </a:r>
+                      <a:endParaRPr lang="en-US" sz="1600" b="0" i="0" u="none" strike="noStrike">
+                        <a:solidFill>
+                          <a:srgbClr val="000000"/>
+                        </a:solidFill>
+                        <a:effectLst/>
+                        <a:latin typeface="Calibri" panose="020F0502020204030204" pitchFamily="34" charset="0"/>
+                      </a:endParaRPr>
+                    </a:p>
+                  </a:txBody>
+                  <a:tcPr marL="7620" marR="7620" marT="7620" marB="0" anchor="b"/>
+                </a:tc>
+                <a:tc>
+                  <a:txBody>
+                    <a:bodyPr/>
+                    <a:lstStyle/>
+                    <a:p>
+                      <a:pPr algn="l" fontAlgn="b"/>
+                      <a:r>
+                        <a:rPr lang="en-US" sz="1600" u="none" strike="noStrike">
+                          <a:effectLst/>
+                        </a:rPr>
+                        <a:t>SNR2</a:t>
+                      </a:r>
+                      <a:endParaRPr lang="en-US" sz="1600" b="0" i="0" u="none" strike="noStrike">
+                        <a:solidFill>
+                          <a:srgbClr val="000000"/>
+                        </a:solidFill>
+                        <a:effectLst/>
+                        <a:latin typeface="Calibri" panose="020F0502020204030204" pitchFamily="34" charset="0"/>
+                      </a:endParaRPr>
+                    </a:p>
+                  </a:txBody>
+                  <a:tcPr marL="7620" marR="7620" marT="7620" marB="0" anchor="b"/>
+                </a:tc>
+                <a:extLst>
+                  <a:ext uri="{0D108BD9-81ED-4DB2-BD59-A6C34878D82A}">
+                    <a16:rowId xmlns:a16="http://schemas.microsoft.com/office/drawing/2014/main" val="3861412081"/>
+                  </a:ext>
+                </a:extLst>
+              </a:tr>
+              <a:tr h="182880">
+                <a:tc>
+                  <a:txBody>
+                    <a:bodyPr/>
+                    <a:lstStyle/>
+                    <a:p>
+                      <a:pPr algn="l" fontAlgn="b"/>
+                      <a:r>
+                        <a:rPr lang="en-US" sz="1600" u="none" strike="noStrike">
+                          <a:effectLst/>
+                        </a:rPr>
+                        <a:t>(100, 500)</a:t>
+                      </a:r>
+                      <a:endParaRPr lang="en-US" sz="1600" b="0" i="0" u="none" strike="noStrike">
+                        <a:solidFill>
+                          <a:srgbClr val="000000"/>
+                        </a:solidFill>
+                        <a:effectLst/>
+                        <a:latin typeface="Calibri" panose="020F0502020204030204" pitchFamily="34" charset="0"/>
+                      </a:endParaRPr>
+                    </a:p>
+                  </a:txBody>
+                  <a:tcPr marL="7620" marR="7620" marT="7620" marB="0" anchor="b"/>
+                </a:tc>
+                <a:tc>
+                  <a:txBody>
+                    <a:bodyPr/>
+                    <a:lstStyle/>
+                    <a:p>
+                      <a:pPr algn="r" fontAlgn="b"/>
+                      <a:r>
+                        <a:rPr lang="en-US" sz="1600" u="none" strike="noStrike">
+                          <a:effectLst/>
+                        </a:rPr>
+                        <a:t>8.187496</a:t>
+                      </a:r>
+                      <a:endParaRPr lang="en-US" sz="1600" b="0" i="0" u="none" strike="noStrike">
+                        <a:solidFill>
+                          <a:srgbClr val="000000"/>
+                        </a:solidFill>
+                        <a:effectLst/>
+                        <a:latin typeface="Calibri" panose="020F0502020204030204" pitchFamily="34" charset="0"/>
+                      </a:endParaRPr>
+                    </a:p>
+                  </a:txBody>
+                  <a:tcPr marL="7620" marR="7620" marT="7620" marB="0" anchor="b"/>
+                </a:tc>
+                <a:tc>
+                  <a:txBody>
+                    <a:bodyPr/>
+                    <a:lstStyle/>
+                    <a:p>
+                      <a:pPr algn="r" fontAlgn="b"/>
+                      <a:r>
+                        <a:rPr lang="en-US" sz="1600" u="none" strike="noStrike">
+                          <a:effectLst/>
+                        </a:rPr>
+                        <a:t>30.6341</a:t>
+                      </a:r>
+                      <a:endParaRPr lang="en-US" sz="1600" b="0" i="0" u="none" strike="noStrike">
+                        <a:solidFill>
+                          <a:srgbClr val="000000"/>
+                        </a:solidFill>
+                        <a:effectLst/>
+                        <a:latin typeface="Calibri" panose="020F0502020204030204" pitchFamily="34" charset="0"/>
+                      </a:endParaRPr>
+                    </a:p>
+                  </a:txBody>
+                  <a:tcPr marL="7620" marR="7620" marT="7620" marB="0" anchor="b"/>
+                </a:tc>
+                <a:extLst>
+                  <a:ext uri="{0D108BD9-81ED-4DB2-BD59-A6C34878D82A}">
+                    <a16:rowId xmlns:a16="http://schemas.microsoft.com/office/drawing/2014/main" val="24102636"/>
+                  </a:ext>
+                </a:extLst>
+              </a:tr>
+              <a:tr h="182880">
+                <a:tc>
+                  <a:txBody>
+                    <a:bodyPr/>
+                    <a:lstStyle/>
+                    <a:p>
+                      <a:pPr algn="l" fontAlgn="b"/>
+                      <a:r>
+                        <a:rPr lang="en-US" sz="1600" u="none" strike="noStrike">
+                          <a:effectLst/>
+                        </a:rPr>
+                        <a:t>(100, 400)</a:t>
+                      </a:r>
+                      <a:endParaRPr lang="en-US" sz="1600" b="0" i="0" u="none" strike="noStrike">
+                        <a:solidFill>
+                          <a:srgbClr val="000000"/>
+                        </a:solidFill>
+                        <a:effectLst/>
+                        <a:latin typeface="Calibri" panose="020F0502020204030204" pitchFamily="34" charset="0"/>
+                      </a:endParaRPr>
+                    </a:p>
+                  </a:txBody>
+                  <a:tcPr marL="7620" marR="7620" marT="7620" marB="0" anchor="b"/>
+                </a:tc>
+                <a:tc>
+                  <a:txBody>
+                    <a:bodyPr/>
+                    <a:lstStyle/>
+                    <a:p>
+                      <a:pPr algn="r" fontAlgn="b"/>
+                      <a:r>
+                        <a:rPr lang="en-US" sz="1600" u="none" strike="noStrike">
+                          <a:effectLst/>
+                        </a:rPr>
+                        <a:t>11.5452</a:t>
+                      </a:r>
+                      <a:endParaRPr lang="en-US" sz="1600" b="0" i="0" u="none" strike="noStrike">
+                        <a:solidFill>
+                          <a:srgbClr val="000000"/>
+                        </a:solidFill>
+                        <a:effectLst/>
+                        <a:latin typeface="Calibri" panose="020F0502020204030204" pitchFamily="34" charset="0"/>
+                      </a:endParaRPr>
+                    </a:p>
+                  </a:txBody>
+                  <a:tcPr marL="7620" marR="7620" marT="7620" marB="0" anchor="b"/>
+                </a:tc>
+                <a:tc>
+                  <a:txBody>
+                    <a:bodyPr/>
+                    <a:lstStyle/>
+                    <a:p>
+                      <a:pPr algn="r" fontAlgn="b"/>
+                      <a:r>
+                        <a:rPr lang="en-US" sz="1600" u="none" strike="noStrike">
+                          <a:effectLst/>
+                        </a:rPr>
+                        <a:t>42.16804</a:t>
+                      </a:r>
+                      <a:endParaRPr lang="en-US" sz="1600" b="0" i="0" u="none" strike="noStrike">
+                        <a:solidFill>
+                          <a:srgbClr val="000000"/>
+                        </a:solidFill>
+                        <a:effectLst/>
+                        <a:latin typeface="Calibri" panose="020F0502020204030204" pitchFamily="34" charset="0"/>
+                      </a:endParaRPr>
+                    </a:p>
+                  </a:txBody>
+                  <a:tcPr marL="7620" marR="7620" marT="7620" marB="0" anchor="b"/>
+                </a:tc>
+                <a:extLst>
+                  <a:ext uri="{0D108BD9-81ED-4DB2-BD59-A6C34878D82A}">
+                    <a16:rowId xmlns:a16="http://schemas.microsoft.com/office/drawing/2014/main" val="322522399"/>
+                  </a:ext>
+                </a:extLst>
+              </a:tr>
+              <a:tr h="182880">
+                <a:tc>
+                  <a:txBody>
+                    <a:bodyPr/>
+                    <a:lstStyle/>
+                    <a:p>
+                      <a:pPr algn="l" fontAlgn="b"/>
+                      <a:r>
+                        <a:rPr lang="en-US" sz="1600" u="none" strike="noStrike">
+                          <a:effectLst/>
+                        </a:rPr>
+                        <a:t>(100, 300)</a:t>
+                      </a:r>
+                      <a:endParaRPr lang="en-US" sz="1600" b="0" i="0" u="none" strike="noStrike">
+                        <a:solidFill>
+                          <a:srgbClr val="000000"/>
+                        </a:solidFill>
+                        <a:effectLst/>
+                        <a:latin typeface="Calibri" panose="020F0502020204030204" pitchFamily="34" charset="0"/>
+                      </a:endParaRPr>
+                    </a:p>
+                  </a:txBody>
+                  <a:tcPr marL="7620" marR="7620" marT="7620" marB="0" anchor="b"/>
+                </a:tc>
+                <a:tc>
+                  <a:txBody>
+                    <a:bodyPr/>
+                    <a:lstStyle/>
+                    <a:p>
+                      <a:pPr algn="r" fontAlgn="b"/>
+                      <a:r>
+                        <a:rPr lang="en-US" sz="1600" u="none" strike="noStrike">
+                          <a:effectLst/>
+                        </a:rPr>
+                        <a:t>9.648251</a:t>
+                      </a:r>
+                      <a:endParaRPr lang="en-US" sz="1600" b="0" i="0" u="none" strike="noStrike">
+                        <a:solidFill>
+                          <a:srgbClr val="000000"/>
+                        </a:solidFill>
+                        <a:effectLst/>
+                        <a:latin typeface="Calibri" panose="020F0502020204030204" pitchFamily="34" charset="0"/>
+                      </a:endParaRPr>
+                    </a:p>
+                  </a:txBody>
+                  <a:tcPr marL="7620" marR="7620" marT="7620" marB="0" anchor="b"/>
+                </a:tc>
+                <a:tc>
+                  <a:txBody>
+                    <a:bodyPr/>
+                    <a:lstStyle/>
+                    <a:p>
+                      <a:pPr algn="r" fontAlgn="b"/>
+                      <a:r>
+                        <a:rPr lang="en-US" sz="1600" u="none" strike="noStrike">
+                          <a:effectLst/>
+                        </a:rPr>
+                        <a:t>32.38401</a:t>
+                      </a:r>
+                      <a:endParaRPr lang="en-US" sz="1600" b="0" i="0" u="none" strike="noStrike">
+                        <a:solidFill>
+                          <a:srgbClr val="000000"/>
+                        </a:solidFill>
+                        <a:effectLst/>
+                        <a:latin typeface="Calibri" panose="020F0502020204030204" pitchFamily="34" charset="0"/>
+                      </a:endParaRPr>
+                    </a:p>
+                  </a:txBody>
+                  <a:tcPr marL="7620" marR="7620" marT="7620" marB="0" anchor="b"/>
+                </a:tc>
+                <a:extLst>
+                  <a:ext uri="{0D108BD9-81ED-4DB2-BD59-A6C34878D82A}">
+                    <a16:rowId xmlns:a16="http://schemas.microsoft.com/office/drawing/2014/main" val="3826305264"/>
+                  </a:ext>
+                </a:extLst>
+              </a:tr>
+              <a:tr h="182880">
+                <a:tc>
+                  <a:txBody>
+                    <a:bodyPr/>
+                    <a:lstStyle/>
+                    <a:p>
+                      <a:pPr algn="l" fontAlgn="b"/>
+                      <a:r>
+                        <a:rPr lang="en-US" sz="1600" u="none" strike="noStrike">
+                          <a:effectLst/>
+                        </a:rPr>
+                        <a:t>(100, 200)</a:t>
+                      </a:r>
+                      <a:endParaRPr lang="en-US" sz="1600" b="0" i="0" u="none" strike="noStrike">
+                        <a:solidFill>
+                          <a:srgbClr val="000000"/>
+                        </a:solidFill>
+                        <a:effectLst/>
+                        <a:latin typeface="Calibri" panose="020F0502020204030204" pitchFamily="34" charset="0"/>
+                      </a:endParaRPr>
+                    </a:p>
+                  </a:txBody>
+                  <a:tcPr marL="7620" marR="7620" marT="7620" marB="0" anchor="b"/>
+                </a:tc>
+                <a:tc>
+                  <a:txBody>
+                    <a:bodyPr/>
+                    <a:lstStyle/>
+                    <a:p>
+                      <a:pPr algn="r" fontAlgn="b"/>
+                      <a:r>
+                        <a:rPr lang="en-US" sz="1600" u="none" strike="noStrike">
+                          <a:effectLst/>
+                        </a:rPr>
+                        <a:t>18.5265</a:t>
+                      </a:r>
+                      <a:endParaRPr lang="en-US" sz="1600" b="0" i="0" u="none" strike="noStrike">
+                        <a:solidFill>
+                          <a:srgbClr val="000000"/>
+                        </a:solidFill>
+                        <a:effectLst/>
+                        <a:latin typeface="Calibri" panose="020F0502020204030204" pitchFamily="34" charset="0"/>
+                      </a:endParaRPr>
+                    </a:p>
+                  </a:txBody>
+                  <a:tcPr marL="7620" marR="7620" marT="7620" marB="0" anchor="b"/>
+                </a:tc>
+                <a:tc>
+                  <a:txBody>
+                    <a:bodyPr/>
+                    <a:lstStyle/>
+                    <a:p>
+                      <a:pPr algn="r" fontAlgn="b"/>
+                      <a:r>
+                        <a:rPr lang="en-US" sz="1600" u="none" strike="noStrike">
+                          <a:effectLst/>
+                        </a:rPr>
+                        <a:t>84.48403</a:t>
+                      </a:r>
+                      <a:endParaRPr lang="en-US" sz="1600" b="0" i="0" u="none" strike="noStrike">
+                        <a:solidFill>
+                          <a:srgbClr val="000000"/>
+                        </a:solidFill>
+                        <a:effectLst/>
+                        <a:latin typeface="Calibri" panose="020F0502020204030204" pitchFamily="34" charset="0"/>
+                      </a:endParaRPr>
+                    </a:p>
+                  </a:txBody>
+                  <a:tcPr marL="7620" marR="7620" marT="7620" marB="0" anchor="b"/>
+                </a:tc>
+                <a:extLst>
+                  <a:ext uri="{0D108BD9-81ED-4DB2-BD59-A6C34878D82A}">
+                    <a16:rowId xmlns:a16="http://schemas.microsoft.com/office/drawing/2014/main" val="100876603"/>
+                  </a:ext>
+                </a:extLst>
+              </a:tr>
+              <a:tr h="182880">
+                <a:tc>
+                  <a:txBody>
+                    <a:bodyPr/>
+                    <a:lstStyle/>
+                    <a:p>
+                      <a:pPr algn="l" fontAlgn="b"/>
+                      <a:r>
+                        <a:rPr lang="en-US" sz="1600" u="none" strike="noStrike">
+                          <a:effectLst/>
+                        </a:rPr>
+                        <a:t>(100, 150)</a:t>
+                      </a:r>
+                      <a:endParaRPr lang="en-US" sz="1600" b="0" i="0" u="none" strike="noStrike">
+                        <a:solidFill>
+                          <a:srgbClr val="000000"/>
+                        </a:solidFill>
+                        <a:effectLst/>
+                        <a:latin typeface="Calibri" panose="020F0502020204030204" pitchFamily="34" charset="0"/>
+                      </a:endParaRPr>
+                    </a:p>
+                  </a:txBody>
+                  <a:tcPr marL="7620" marR="7620" marT="7620" marB="0" anchor="b"/>
+                </a:tc>
+                <a:tc>
+                  <a:txBody>
+                    <a:bodyPr/>
+                    <a:lstStyle/>
+                    <a:p>
+                      <a:pPr algn="r" fontAlgn="b"/>
+                      <a:r>
+                        <a:rPr lang="en-US" sz="1600" u="none" strike="noStrike">
+                          <a:effectLst/>
+                        </a:rPr>
+                        <a:t>9.413903</a:t>
+                      </a:r>
+                      <a:endParaRPr lang="en-US" sz="1600" b="0" i="0" u="none" strike="noStrike">
+                        <a:solidFill>
+                          <a:srgbClr val="000000"/>
+                        </a:solidFill>
+                        <a:effectLst/>
+                        <a:latin typeface="Calibri" panose="020F0502020204030204" pitchFamily="34" charset="0"/>
+                      </a:endParaRPr>
+                    </a:p>
+                  </a:txBody>
+                  <a:tcPr marL="7620" marR="7620" marT="7620" marB="0" anchor="b"/>
+                </a:tc>
+                <a:tc>
+                  <a:txBody>
+                    <a:bodyPr/>
+                    <a:lstStyle/>
+                    <a:p>
+                      <a:pPr algn="r" fontAlgn="b"/>
+                      <a:r>
+                        <a:rPr lang="en-US" sz="1600" u="none" strike="noStrike">
+                          <a:effectLst/>
+                        </a:rPr>
+                        <a:t>63.63082</a:t>
+                      </a:r>
+                      <a:endParaRPr lang="en-US" sz="1600" b="0" i="0" u="none" strike="noStrike">
+                        <a:solidFill>
+                          <a:srgbClr val="000000"/>
+                        </a:solidFill>
+                        <a:effectLst/>
+                        <a:latin typeface="Calibri" panose="020F0502020204030204" pitchFamily="34" charset="0"/>
+                      </a:endParaRPr>
+                    </a:p>
+                  </a:txBody>
+                  <a:tcPr marL="7620" marR="7620" marT="7620" marB="0" anchor="b"/>
+                </a:tc>
+                <a:extLst>
+                  <a:ext uri="{0D108BD9-81ED-4DB2-BD59-A6C34878D82A}">
+                    <a16:rowId xmlns:a16="http://schemas.microsoft.com/office/drawing/2014/main" val="1108066807"/>
+                  </a:ext>
+                </a:extLst>
+              </a:tr>
+              <a:tr h="182880">
+                <a:tc>
+                  <a:txBody>
+                    <a:bodyPr/>
+                    <a:lstStyle/>
+                    <a:p>
+                      <a:pPr algn="l" fontAlgn="b"/>
+                      <a:r>
+                        <a:rPr lang="en-US" sz="1600" u="none" strike="noStrike">
+                          <a:effectLst/>
+                        </a:rPr>
+                        <a:t>(100, 100)</a:t>
+                      </a:r>
+                      <a:endParaRPr lang="en-US" sz="1600" b="0" i="0" u="none" strike="noStrike">
+                        <a:solidFill>
+                          <a:srgbClr val="000000"/>
+                        </a:solidFill>
+                        <a:effectLst/>
+                        <a:latin typeface="Calibri" panose="020F0502020204030204" pitchFamily="34" charset="0"/>
+                      </a:endParaRPr>
+                    </a:p>
+                  </a:txBody>
+                  <a:tcPr marL="7620" marR="7620" marT="7620" marB="0" anchor="b"/>
+                </a:tc>
+                <a:tc>
+                  <a:txBody>
+                    <a:bodyPr/>
+                    <a:lstStyle/>
+                    <a:p>
+                      <a:pPr algn="r" fontAlgn="b"/>
+                      <a:r>
+                        <a:rPr lang="en-US" sz="1600" u="none" strike="noStrike">
+                          <a:effectLst/>
+                        </a:rPr>
+                        <a:t>3.627695</a:t>
+                      </a:r>
+                      <a:endParaRPr lang="en-US" sz="1600" b="0" i="0" u="none" strike="noStrike">
+                        <a:solidFill>
+                          <a:srgbClr val="000000"/>
+                        </a:solidFill>
+                        <a:effectLst/>
+                        <a:latin typeface="Calibri" panose="020F0502020204030204" pitchFamily="34" charset="0"/>
+                      </a:endParaRPr>
+                    </a:p>
+                  </a:txBody>
+                  <a:tcPr marL="7620" marR="7620" marT="7620" marB="0" anchor="b"/>
+                </a:tc>
+                <a:tc>
+                  <a:txBody>
+                    <a:bodyPr/>
+                    <a:lstStyle/>
+                    <a:p>
+                      <a:pPr algn="r" fontAlgn="b"/>
+                      <a:r>
+                        <a:rPr lang="en-US" sz="1600" u="none" strike="noStrike" dirty="0">
+                          <a:effectLst/>
+                        </a:rPr>
+                        <a:t>15.50923</a:t>
+                      </a:r>
+                      <a:endParaRPr lang="en-US" sz="1600" b="0" i="0" u="none" strike="noStrike" dirty="0">
+                        <a:solidFill>
+                          <a:srgbClr val="000000"/>
+                        </a:solidFill>
+                        <a:effectLst/>
+                        <a:latin typeface="Calibri" panose="020F0502020204030204" pitchFamily="34" charset="0"/>
+                      </a:endParaRPr>
+                    </a:p>
+                  </a:txBody>
+                  <a:tcPr marL="7620" marR="7620" marT="7620" marB="0" anchor="b"/>
+                </a:tc>
+                <a:extLst>
+                  <a:ext uri="{0D108BD9-81ED-4DB2-BD59-A6C34878D82A}">
+                    <a16:rowId xmlns:a16="http://schemas.microsoft.com/office/drawing/2014/main" val="3909110379"/>
+                  </a:ext>
+                </a:extLst>
+              </a:tr>
+              <a:tr h="272544">
+                <a:tc>
+                  <a:txBody>
+                    <a:bodyPr/>
+                    <a:lstStyle/>
+                    <a:p>
+                      <a:pPr algn="l" fontAlgn="b"/>
+                      <a:r>
+                        <a:rPr lang="en-US" sz="1600" u="none" strike="noStrike">
+                          <a:effectLst/>
+                        </a:rPr>
+                        <a:t>(50, 100)</a:t>
+                      </a:r>
+                      <a:endParaRPr lang="en-US" sz="1600" b="0" i="0" u="none" strike="noStrike">
+                        <a:solidFill>
+                          <a:srgbClr val="000000"/>
+                        </a:solidFill>
+                        <a:effectLst/>
+                        <a:latin typeface="Calibri" panose="020F0502020204030204" pitchFamily="34" charset="0"/>
+                      </a:endParaRPr>
+                    </a:p>
+                  </a:txBody>
+                  <a:tcPr marL="7620" marR="7620" marT="7620" marB="0" anchor="b"/>
+                </a:tc>
+                <a:tc>
+                  <a:txBody>
+                    <a:bodyPr/>
+                    <a:lstStyle/>
+                    <a:p>
+                      <a:pPr algn="r" fontAlgn="b"/>
+                      <a:r>
+                        <a:rPr lang="en-US" sz="1600" u="none" strike="noStrike">
+                          <a:effectLst/>
+                        </a:rPr>
+                        <a:t>25.74501</a:t>
+                      </a:r>
+                      <a:endParaRPr lang="en-US" sz="1600" b="0" i="0" u="none" strike="noStrike">
+                        <a:solidFill>
+                          <a:srgbClr val="000000"/>
+                        </a:solidFill>
+                        <a:effectLst/>
+                        <a:latin typeface="Calibri" panose="020F0502020204030204" pitchFamily="34" charset="0"/>
+                      </a:endParaRPr>
+                    </a:p>
+                  </a:txBody>
+                  <a:tcPr marL="7620" marR="7620" marT="7620" marB="0" anchor="b"/>
+                </a:tc>
+                <a:tc>
+                  <a:txBody>
+                    <a:bodyPr/>
+                    <a:lstStyle/>
+                    <a:p>
+                      <a:pPr algn="r" fontAlgn="b"/>
+                      <a:r>
+                        <a:rPr lang="en-US" sz="1600" u="none" strike="noStrike">
+                          <a:effectLst/>
+                        </a:rPr>
+                        <a:t>65.84172</a:t>
+                      </a:r>
+                      <a:endParaRPr lang="en-US" sz="1600" b="0" i="0" u="none" strike="noStrike">
+                        <a:solidFill>
+                          <a:srgbClr val="000000"/>
+                        </a:solidFill>
+                        <a:effectLst/>
+                        <a:latin typeface="Calibri" panose="020F0502020204030204" pitchFamily="34" charset="0"/>
+                      </a:endParaRPr>
+                    </a:p>
+                  </a:txBody>
+                  <a:tcPr marL="7620" marR="7620" marT="7620" marB="0" anchor="b"/>
+                </a:tc>
+                <a:extLst>
+                  <a:ext uri="{0D108BD9-81ED-4DB2-BD59-A6C34878D82A}">
+                    <a16:rowId xmlns:a16="http://schemas.microsoft.com/office/drawing/2014/main" val="3303507441"/>
+                  </a:ext>
+                </a:extLst>
+              </a:tr>
+              <a:tr h="182880">
+                <a:tc>
+                  <a:txBody>
+                    <a:bodyPr/>
+                    <a:lstStyle/>
+                    <a:p>
+                      <a:pPr algn="l" fontAlgn="b"/>
+                      <a:r>
+                        <a:rPr lang="en-US" sz="1600" u="none" strike="noStrike" dirty="0">
+                          <a:effectLst/>
+                          <a:highlight>
+                            <a:srgbClr val="FFFF00"/>
+                          </a:highlight>
+                        </a:rPr>
+                        <a:t>(50, 200)</a:t>
+                      </a:r>
+                      <a:endParaRPr lang="en-US" sz="1600" b="0" i="0" u="none" strike="noStrike" dirty="0">
+                        <a:solidFill>
+                          <a:srgbClr val="000000"/>
+                        </a:solidFill>
+                        <a:effectLst/>
+                        <a:highlight>
+                          <a:srgbClr val="FFFF00"/>
+                        </a:highlight>
+                        <a:latin typeface="Calibri" panose="020F0502020204030204" pitchFamily="34" charset="0"/>
+                      </a:endParaRPr>
+                    </a:p>
+                  </a:txBody>
+                  <a:tcPr marL="7620" marR="7620" marT="7620" marB="0" anchor="b"/>
+                </a:tc>
+                <a:tc>
+                  <a:txBody>
+                    <a:bodyPr/>
+                    <a:lstStyle/>
+                    <a:p>
+                      <a:pPr algn="r" fontAlgn="b"/>
+                      <a:r>
+                        <a:rPr lang="en-US" sz="1600" u="none" strike="noStrike">
+                          <a:effectLst/>
+                          <a:highlight>
+                            <a:srgbClr val="FFFF00"/>
+                          </a:highlight>
+                        </a:rPr>
+                        <a:t>18.73974</a:t>
+                      </a:r>
+                      <a:endParaRPr lang="en-US" sz="1600" b="0" i="0" u="none" strike="noStrike">
+                        <a:solidFill>
+                          <a:srgbClr val="000000"/>
+                        </a:solidFill>
+                        <a:effectLst/>
+                        <a:highlight>
+                          <a:srgbClr val="FFFF00"/>
+                        </a:highlight>
+                        <a:latin typeface="Calibri" panose="020F0502020204030204" pitchFamily="34" charset="0"/>
+                      </a:endParaRPr>
+                    </a:p>
+                  </a:txBody>
+                  <a:tcPr marL="7620" marR="7620" marT="7620" marB="0" anchor="b"/>
+                </a:tc>
+                <a:tc>
+                  <a:txBody>
+                    <a:bodyPr/>
+                    <a:lstStyle/>
+                    <a:p>
+                      <a:pPr algn="r" fontAlgn="b"/>
+                      <a:r>
+                        <a:rPr lang="en-US" sz="1600" u="none" strike="noStrike" dirty="0">
+                          <a:effectLst/>
+                          <a:highlight>
+                            <a:srgbClr val="FFFF00"/>
+                          </a:highlight>
+                        </a:rPr>
+                        <a:t>52.93234</a:t>
+                      </a:r>
+                      <a:endParaRPr lang="en-US" sz="1600" b="0" i="0" u="none" strike="noStrike" dirty="0">
+                        <a:solidFill>
+                          <a:srgbClr val="000000"/>
+                        </a:solidFill>
+                        <a:effectLst/>
+                        <a:highlight>
+                          <a:srgbClr val="FFFF00"/>
+                        </a:highlight>
+                        <a:latin typeface="Calibri" panose="020F0502020204030204" pitchFamily="34" charset="0"/>
+                      </a:endParaRPr>
+                    </a:p>
+                  </a:txBody>
+                  <a:tcPr marL="7620" marR="7620" marT="7620" marB="0" anchor="b"/>
+                </a:tc>
+                <a:extLst>
+                  <a:ext uri="{0D108BD9-81ED-4DB2-BD59-A6C34878D82A}">
+                    <a16:rowId xmlns:a16="http://schemas.microsoft.com/office/drawing/2014/main" val="1779025228"/>
+                  </a:ext>
+                </a:extLst>
+              </a:tr>
+              <a:tr h="182880">
+                <a:tc>
+                  <a:txBody>
+                    <a:bodyPr/>
+                    <a:lstStyle/>
+                    <a:p>
+                      <a:pPr algn="l" fontAlgn="b"/>
+                      <a:r>
+                        <a:rPr lang="en-US" sz="1600" u="none" strike="noStrike">
+                          <a:effectLst/>
+                          <a:highlight>
+                            <a:srgbClr val="808080"/>
+                          </a:highlight>
+                        </a:rPr>
+                        <a:t>(50, 300)</a:t>
+                      </a:r>
+                      <a:endParaRPr lang="en-US" sz="1600" b="0" i="0" u="none" strike="noStrike">
+                        <a:solidFill>
+                          <a:srgbClr val="000000"/>
+                        </a:solidFill>
+                        <a:effectLst/>
+                        <a:highlight>
+                          <a:srgbClr val="808080"/>
+                        </a:highlight>
+                        <a:latin typeface="Calibri" panose="020F0502020204030204" pitchFamily="34" charset="0"/>
+                      </a:endParaRPr>
+                    </a:p>
+                  </a:txBody>
+                  <a:tcPr marL="7620" marR="7620" marT="7620" marB="0" anchor="b"/>
+                </a:tc>
+                <a:tc>
+                  <a:txBody>
+                    <a:bodyPr/>
+                    <a:lstStyle/>
+                    <a:p>
+                      <a:pPr algn="r" fontAlgn="b"/>
+                      <a:r>
+                        <a:rPr lang="en-US" sz="1600" u="none" strike="noStrike">
+                          <a:effectLst/>
+                          <a:highlight>
+                            <a:srgbClr val="808080"/>
+                          </a:highlight>
+                        </a:rPr>
+                        <a:t>5.439647</a:t>
+                      </a:r>
+                      <a:endParaRPr lang="en-US" sz="1600" b="0" i="0" u="none" strike="noStrike">
+                        <a:solidFill>
+                          <a:srgbClr val="000000"/>
+                        </a:solidFill>
+                        <a:effectLst/>
+                        <a:highlight>
+                          <a:srgbClr val="808080"/>
+                        </a:highlight>
+                        <a:latin typeface="Calibri" panose="020F0502020204030204" pitchFamily="34" charset="0"/>
+                      </a:endParaRPr>
+                    </a:p>
+                  </a:txBody>
+                  <a:tcPr marL="7620" marR="7620" marT="7620" marB="0" anchor="b"/>
+                </a:tc>
+                <a:tc>
+                  <a:txBody>
+                    <a:bodyPr/>
+                    <a:lstStyle/>
+                    <a:p>
+                      <a:pPr algn="r" fontAlgn="b"/>
+                      <a:r>
+                        <a:rPr lang="en-US" sz="1600" u="none" strike="noStrike" dirty="0">
+                          <a:effectLst/>
+                          <a:highlight>
+                            <a:srgbClr val="808080"/>
+                          </a:highlight>
+                        </a:rPr>
+                        <a:t>12.95019</a:t>
+                      </a:r>
+                      <a:endParaRPr lang="en-US" sz="1600" b="0" i="0" u="none" strike="noStrike" dirty="0">
+                        <a:solidFill>
+                          <a:srgbClr val="000000"/>
+                        </a:solidFill>
+                        <a:effectLst/>
+                        <a:highlight>
+                          <a:srgbClr val="808080"/>
+                        </a:highlight>
+                        <a:latin typeface="Calibri" panose="020F0502020204030204" pitchFamily="34" charset="0"/>
+                      </a:endParaRPr>
+                    </a:p>
+                  </a:txBody>
+                  <a:tcPr marL="7620" marR="7620" marT="7620" marB="0" anchor="b"/>
+                </a:tc>
+                <a:extLst>
+                  <a:ext uri="{0D108BD9-81ED-4DB2-BD59-A6C34878D82A}">
+                    <a16:rowId xmlns:a16="http://schemas.microsoft.com/office/drawing/2014/main" val="132659781"/>
+                  </a:ext>
+                </a:extLst>
+              </a:tr>
+              <a:tr h="182880">
+                <a:tc>
+                  <a:txBody>
+                    <a:bodyPr/>
+                    <a:lstStyle/>
+                    <a:p>
+                      <a:pPr algn="l" fontAlgn="b"/>
+                      <a:r>
+                        <a:rPr lang="en-US" sz="1600" u="none" strike="noStrike">
+                          <a:effectLst/>
+                        </a:rPr>
+                        <a:t>(50, 400)</a:t>
+                      </a:r>
+                      <a:endParaRPr lang="en-US" sz="1600" b="0" i="0" u="none" strike="noStrike">
+                        <a:solidFill>
+                          <a:srgbClr val="000000"/>
+                        </a:solidFill>
+                        <a:effectLst/>
+                        <a:latin typeface="Calibri" panose="020F0502020204030204" pitchFamily="34" charset="0"/>
+                      </a:endParaRPr>
+                    </a:p>
+                  </a:txBody>
+                  <a:tcPr marL="7620" marR="7620" marT="7620" marB="0" anchor="b"/>
+                </a:tc>
+                <a:tc>
+                  <a:txBody>
+                    <a:bodyPr/>
+                    <a:lstStyle/>
+                    <a:p>
+                      <a:pPr algn="r" fontAlgn="b"/>
+                      <a:r>
+                        <a:rPr lang="en-US" sz="1600" u="none" strike="noStrike">
+                          <a:effectLst/>
+                        </a:rPr>
+                        <a:t>6.531971</a:t>
+                      </a:r>
+                      <a:endParaRPr lang="en-US" sz="1600" b="0" i="0" u="none" strike="noStrike">
+                        <a:solidFill>
+                          <a:srgbClr val="000000"/>
+                        </a:solidFill>
+                        <a:effectLst/>
+                        <a:latin typeface="Calibri" panose="020F0502020204030204" pitchFamily="34" charset="0"/>
+                      </a:endParaRPr>
+                    </a:p>
+                  </a:txBody>
+                  <a:tcPr marL="7620" marR="7620" marT="7620" marB="0" anchor="b"/>
+                </a:tc>
+                <a:tc>
+                  <a:txBody>
+                    <a:bodyPr/>
+                    <a:lstStyle/>
+                    <a:p>
+                      <a:pPr algn="r" fontAlgn="b"/>
+                      <a:r>
+                        <a:rPr lang="en-US" sz="1600" u="none" strike="noStrike">
+                          <a:effectLst/>
+                        </a:rPr>
+                        <a:t>19.38925</a:t>
+                      </a:r>
+                      <a:endParaRPr lang="en-US" sz="1600" b="0" i="0" u="none" strike="noStrike">
+                        <a:solidFill>
+                          <a:srgbClr val="000000"/>
+                        </a:solidFill>
+                        <a:effectLst/>
+                        <a:latin typeface="Calibri" panose="020F0502020204030204" pitchFamily="34" charset="0"/>
+                      </a:endParaRPr>
+                    </a:p>
+                  </a:txBody>
+                  <a:tcPr marL="7620" marR="7620" marT="7620" marB="0" anchor="b"/>
+                </a:tc>
+                <a:extLst>
+                  <a:ext uri="{0D108BD9-81ED-4DB2-BD59-A6C34878D82A}">
+                    <a16:rowId xmlns:a16="http://schemas.microsoft.com/office/drawing/2014/main" val="2171317332"/>
+                  </a:ext>
+                </a:extLst>
+              </a:tr>
+              <a:tr h="182880">
+                <a:tc>
+                  <a:txBody>
+                    <a:bodyPr/>
+                    <a:lstStyle/>
+                    <a:p>
+                      <a:pPr algn="l" fontAlgn="b"/>
+                      <a:r>
+                        <a:rPr lang="en-US" sz="1600" u="none" strike="noStrike">
+                          <a:effectLst/>
+                        </a:rPr>
+                        <a:t>(50, 500)</a:t>
+                      </a:r>
+                      <a:endParaRPr lang="en-US" sz="1600" b="0" i="0" u="none" strike="noStrike">
+                        <a:solidFill>
+                          <a:srgbClr val="000000"/>
+                        </a:solidFill>
+                        <a:effectLst/>
+                        <a:latin typeface="Calibri" panose="020F0502020204030204" pitchFamily="34" charset="0"/>
+                      </a:endParaRPr>
+                    </a:p>
+                  </a:txBody>
+                  <a:tcPr marL="7620" marR="7620" marT="7620" marB="0" anchor="b"/>
+                </a:tc>
+                <a:tc>
+                  <a:txBody>
+                    <a:bodyPr/>
+                    <a:lstStyle/>
+                    <a:p>
+                      <a:pPr algn="r" fontAlgn="b"/>
+                      <a:r>
+                        <a:rPr lang="en-US" sz="1600" u="none" strike="noStrike">
+                          <a:effectLst/>
+                        </a:rPr>
+                        <a:t>6.973702</a:t>
+                      </a:r>
+                      <a:endParaRPr lang="en-US" sz="1600" b="0" i="0" u="none" strike="noStrike">
+                        <a:solidFill>
+                          <a:srgbClr val="000000"/>
+                        </a:solidFill>
+                        <a:effectLst/>
+                        <a:latin typeface="Calibri" panose="020F0502020204030204" pitchFamily="34" charset="0"/>
+                      </a:endParaRPr>
+                    </a:p>
+                  </a:txBody>
+                  <a:tcPr marL="7620" marR="7620" marT="7620" marB="0" anchor="b"/>
+                </a:tc>
+                <a:tc>
+                  <a:txBody>
+                    <a:bodyPr/>
+                    <a:lstStyle/>
+                    <a:p>
+                      <a:pPr algn="r" fontAlgn="b"/>
+                      <a:r>
+                        <a:rPr lang="en-US" sz="1600" u="none" strike="noStrike" dirty="0">
+                          <a:effectLst/>
+                        </a:rPr>
+                        <a:t>27.17361</a:t>
+                      </a:r>
+                      <a:endParaRPr lang="en-US" sz="1600" b="0" i="0" u="none" strike="noStrike" dirty="0">
+                        <a:solidFill>
+                          <a:srgbClr val="000000"/>
+                        </a:solidFill>
+                        <a:effectLst/>
+                        <a:latin typeface="Calibri" panose="020F0502020204030204" pitchFamily="34" charset="0"/>
+                      </a:endParaRPr>
+                    </a:p>
+                  </a:txBody>
+                  <a:tcPr marL="7620" marR="7620" marT="7620" marB="0" anchor="b"/>
+                </a:tc>
+                <a:extLst>
+                  <a:ext uri="{0D108BD9-81ED-4DB2-BD59-A6C34878D82A}">
+                    <a16:rowId xmlns:a16="http://schemas.microsoft.com/office/drawing/2014/main" val="683028778"/>
+                  </a:ext>
+                </a:extLst>
+              </a:tr>
+            </a:tbl>
+          </a:graphicData>
+        </a:graphic>
+      </p:graphicFrame>
+      <p:sp>
+        <p:nvSpPr>
+          <p:cNvPr id="3" name="TextBox 2">
+            <a:extLst>
+              <a:ext uri="{FF2B5EF4-FFF2-40B4-BE49-F238E27FC236}">
+                <a16:creationId xmlns:a16="http://schemas.microsoft.com/office/drawing/2014/main" id="{437F74CC-8581-4DD3-B1D5-020A8FA98A93}"/>
+              </a:ext>
+            </a:extLst>
+          </p:cNvPr>
+          <p:cNvSpPr txBox="1"/>
+          <p:nvPr/>
+        </p:nvSpPr>
+        <p:spPr>
+          <a:xfrm>
+            <a:off x="2748600" y="556486"/>
+            <a:ext cx="5907720" cy="400110"/>
+          </a:xfrm>
+          <a:prstGeom prst="rect">
+            <a:avLst/>
+          </a:prstGeom>
+          <a:noFill/>
+        </p:spPr>
+        <p:txBody>
+          <a:bodyPr wrap="square" rtlCol="0">
+            <a:spAutoFit/>
+          </a:bodyPr>
+          <a:lstStyle/>
+          <a:p>
+            <a:pPr algn="ctr"/>
+            <a:r>
+              <a:rPr lang="en-US" sz="2000" b="1" dirty="0"/>
+              <a:t>Influence of Geometry</a:t>
+            </a:r>
+          </a:p>
+        </p:txBody>
+      </p:sp>
+      <p:sp>
+        <p:nvSpPr>
+          <p:cNvPr id="4" name="Rectangle 3">
+            <a:extLst>
+              <a:ext uri="{FF2B5EF4-FFF2-40B4-BE49-F238E27FC236}">
+                <a16:creationId xmlns:a16="http://schemas.microsoft.com/office/drawing/2014/main" id="{7B092E98-57E7-490D-BC66-B51ADB6A7FCB}"/>
+              </a:ext>
+            </a:extLst>
+          </p:cNvPr>
+          <p:cNvSpPr/>
+          <p:nvPr/>
+        </p:nvSpPr>
+        <p:spPr>
+          <a:xfrm>
+            <a:off x="2355969" y="1361048"/>
+            <a:ext cx="566181" cy="369332"/>
+          </a:xfrm>
+          <a:prstGeom prst="rect">
+            <a:avLst/>
+          </a:prstGeom>
+        </p:spPr>
+        <p:txBody>
+          <a:bodyPr wrap="none">
+            <a:spAutoFit/>
+          </a:bodyPr>
+          <a:lstStyle/>
+          <a:p>
+            <a:r>
+              <a:rPr lang="en-US" dirty="0"/>
+              <a:t>N=7</a:t>
+            </a:r>
+          </a:p>
+        </p:txBody>
+      </p:sp>
+      <mc:AlternateContent xmlns:mc="http://schemas.openxmlformats.org/markup-compatibility/2006" xmlns:a14="http://schemas.microsoft.com/office/drawing/2010/main">
+        <mc:Choice Requires="a14">
+          <p:sp>
+            <p:nvSpPr>
+              <p:cNvPr id="5" name="TextBox 4">
+                <a:extLst>
+                  <a:ext uri="{FF2B5EF4-FFF2-40B4-BE49-F238E27FC236}">
+                    <a16:creationId xmlns:a16="http://schemas.microsoft.com/office/drawing/2014/main" id="{69863DE9-90B6-4913-9B3D-870EFE6BEE00}"/>
+                  </a:ext>
+                </a:extLst>
+              </p:cNvPr>
+              <p:cNvSpPr txBox="1"/>
+              <p:nvPr/>
+            </p:nvSpPr>
+            <p:spPr>
+              <a:xfrm>
+                <a:off x="875949" y="5127620"/>
+                <a:ext cx="2046201" cy="574773"/>
+              </a:xfrm>
+              <a:prstGeom prst="rect">
+                <a:avLst/>
+              </a:prstGeom>
+              <a:noFill/>
+            </p:spPr>
+            <p:txBody>
+              <a:bodyPr wrap="none" lIns="0" tIns="0" rIns="0" bIns="0" rtlCol="0">
+                <a:spAutoFit/>
+              </a:bodyPr>
+              <a:lstStyle/>
+              <a:p>
+                <a:pPr/>
+                <a14:m>
+                  <m:oMathPara xmlns:m="http://schemas.openxmlformats.org/officeDocument/2006/math">
+                    <m:oMathParaPr>
+                      <m:jc m:val="centerGroup"/>
+                    </m:oMathParaPr>
+                    <m:oMath xmlns:m="http://schemas.openxmlformats.org/officeDocument/2006/math">
+                      <m:sSub>
+                        <m:sSubPr>
+                          <m:ctrlPr>
+                            <a:rPr lang="en-US" i="1" smtClean="0">
+                              <a:latin typeface="Cambria Math" panose="02040503050406030204" pitchFamily="18" charset="0"/>
+                            </a:rPr>
+                          </m:ctrlPr>
+                        </m:sSubPr>
+                        <m:e>
+                          <m:r>
+                            <a:rPr lang="en-US" b="0" i="1" smtClean="0">
+                              <a:latin typeface="Cambria Math" panose="02040503050406030204" pitchFamily="18" charset="0"/>
+                            </a:rPr>
+                            <m:t>𝑆𝑁𝑅</m:t>
+                          </m:r>
+                        </m:e>
+                        <m:sub>
+                          <m:r>
+                            <a:rPr lang="en-US" b="0" i="1" smtClean="0">
+                              <a:latin typeface="Cambria Math" panose="02040503050406030204" pitchFamily="18" charset="0"/>
+                            </a:rPr>
+                            <m:t>1</m:t>
+                          </m:r>
+                        </m:sub>
+                      </m:sSub>
+                      <m:r>
+                        <a:rPr lang="en-US" b="0" i="1" smtClean="0">
+                          <a:latin typeface="Cambria Math" panose="02040503050406030204" pitchFamily="18" charset="0"/>
+                        </a:rPr>
+                        <m:t>=</m:t>
+                      </m:r>
+                      <m:f>
+                        <m:fPr>
+                          <m:ctrlPr>
+                            <a:rPr lang="en-US" b="0" i="1" smtClean="0">
+                              <a:latin typeface="Cambria Math" panose="02040503050406030204" pitchFamily="18" charset="0"/>
+                            </a:rPr>
+                          </m:ctrlPr>
+                        </m:fPr>
+                        <m:num>
+                          <m:sSub>
+                            <m:sSubPr>
+                              <m:ctrlPr>
+                                <a:rPr lang="en-US" b="0" i="1" smtClean="0">
+                                  <a:latin typeface="Cambria Math" panose="02040503050406030204" pitchFamily="18" charset="0"/>
+                                </a:rPr>
+                              </m:ctrlPr>
+                            </m:sSubPr>
+                            <m:e>
+                              <m:r>
+                                <a:rPr lang="en-US" b="0" i="1" smtClean="0">
+                                  <a:latin typeface="Cambria Math" panose="02040503050406030204" pitchFamily="18" charset="0"/>
+                                </a:rPr>
+                                <m:t>𝐼</m:t>
+                              </m:r>
+                            </m:e>
+                            <m:sub>
+                              <m:r>
+                                <a:rPr lang="en-US" b="0" i="1" smtClean="0">
+                                  <a:latin typeface="Cambria Math" panose="02040503050406030204" pitchFamily="18" charset="0"/>
+                                </a:rPr>
+                                <m:t>𝑝𝑎𝑡𝑡𝑒𝑟𝑛</m:t>
+                              </m:r>
+                            </m:sub>
+                          </m:sSub>
+                        </m:num>
+                        <m:den>
+                          <m:r>
+                            <a:rPr lang="en-US" b="0" i="1" smtClean="0">
+                              <a:latin typeface="Cambria Math" panose="02040503050406030204" pitchFamily="18" charset="0"/>
+                            </a:rPr>
+                            <m:t>𝐴𝑣𝑔</m:t>
+                          </m:r>
+                          <m:r>
+                            <a:rPr lang="en-US" b="0" i="1" smtClean="0">
+                              <a:latin typeface="Cambria Math" panose="02040503050406030204" pitchFamily="18" charset="0"/>
+                            </a:rPr>
+                            <m:t>(</m:t>
+                          </m:r>
+                          <m:sSub>
+                            <m:sSubPr>
+                              <m:ctrlPr>
+                                <a:rPr lang="en-US" b="0" i="1" smtClean="0">
+                                  <a:latin typeface="Cambria Math" panose="02040503050406030204" pitchFamily="18" charset="0"/>
+                                </a:rPr>
+                              </m:ctrlPr>
+                            </m:sSubPr>
+                            <m:e>
+                              <m:r>
+                                <a:rPr lang="en-US" b="0" i="1" smtClean="0">
+                                  <a:latin typeface="Cambria Math" panose="02040503050406030204" pitchFamily="18" charset="0"/>
+                                </a:rPr>
+                                <m:t>𝐼</m:t>
+                              </m:r>
+                            </m:e>
+                            <m:sub>
+                              <m:r>
+                                <a:rPr lang="en-US" b="0" i="1" smtClean="0">
+                                  <a:latin typeface="Cambria Math" panose="02040503050406030204" pitchFamily="18" charset="0"/>
+                                </a:rPr>
+                                <m:t>𝑜𝑡h𝑒𝑟</m:t>
+                              </m:r>
+                            </m:sub>
+                          </m:sSub>
+                          <m:r>
+                            <a:rPr lang="en-US" b="0" i="1" smtClean="0">
+                              <a:latin typeface="Cambria Math" panose="02040503050406030204" pitchFamily="18" charset="0"/>
+                            </a:rPr>
+                            <m:t>)</m:t>
+                          </m:r>
+                        </m:den>
+                      </m:f>
+                    </m:oMath>
+                  </m:oMathPara>
+                </a14:m>
+                <a:endParaRPr lang="en-US" dirty="0"/>
+              </a:p>
+            </p:txBody>
+          </p:sp>
+        </mc:Choice>
+        <mc:Fallback xmlns="">
+          <p:sp>
+            <p:nvSpPr>
+              <p:cNvPr id="5" name="TextBox 4">
+                <a:extLst>
+                  <a:ext uri="{FF2B5EF4-FFF2-40B4-BE49-F238E27FC236}">
+                    <a16:creationId xmlns:a16="http://schemas.microsoft.com/office/drawing/2014/main" id="{69863DE9-90B6-4913-9B3D-870EFE6BEE00}"/>
+                  </a:ext>
+                </a:extLst>
+              </p:cNvPr>
+              <p:cNvSpPr txBox="1">
+                <a:spLocks noRot="1" noChangeAspect="1" noMove="1" noResize="1" noEditPoints="1" noAdjustHandles="1" noChangeArrowheads="1" noChangeShapeType="1" noTextEdit="1"/>
+              </p:cNvSpPr>
+              <p:nvPr/>
+            </p:nvSpPr>
+            <p:spPr>
+              <a:xfrm>
+                <a:off x="875949" y="5127620"/>
+                <a:ext cx="2046201" cy="574773"/>
+              </a:xfrm>
+              <a:prstGeom prst="rect">
+                <a:avLst/>
+              </a:prstGeom>
+              <a:blipFill>
+                <a:blip r:embed="rId2"/>
+                <a:stretch>
+                  <a:fillRect/>
+                </a:stretch>
+              </a:blipFill>
+            </p:spPr>
+            <p:txBody>
+              <a:bodyPr/>
+              <a:lstStyle/>
+              <a:p>
+                <a:r>
+                  <a:rPr lang="en-US">
+                    <a:noFill/>
+                  </a:rPr>
+                  <a:t> </a:t>
+                </a:r>
+              </a:p>
+            </p:txBody>
+          </p:sp>
+        </mc:Fallback>
+      </mc:AlternateContent>
+      <mc:AlternateContent xmlns:mc="http://schemas.openxmlformats.org/markup-compatibility/2006" xmlns:a14="http://schemas.microsoft.com/office/drawing/2010/main">
+        <mc:Choice Requires="a14">
+          <p:sp>
+            <p:nvSpPr>
+              <p:cNvPr id="6" name="TextBox 5">
+                <a:extLst>
+                  <a:ext uri="{FF2B5EF4-FFF2-40B4-BE49-F238E27FC236}">
+                    <a16:creationId xmlns:a16="http://schemas.microsoft.com/office/drawing/2014/main" id="{D3F770C3-AD98-40B8-AF00-3C8B5DE85DBF}"/>
+                  </a:ext>
+                </a:extLst>
+              </p:cNvPr>
+              <p:cNvSpPr txBox="1"/>
+              <p:nvPr/>
+            </p:nvSpPr>
+            <p:spPr>
+              <a:xfrm>
+                <a:off x="769060" y="6014127"/>
+                <a:ext cx="2153090" cy="574773"/>
+              </a:xfrm>
+              <a:prstGeom prst="rect">
+                <a:avLst/>
+              </a:prstGeom>
+              <a:noFill/>
+            </p:spPr>
+            <p:txBody>
+              <a:bodyPr wrap="none" lIns="0" tIns="0" rIns="0" bIns="0" rtlCol="0">
+                <a:spAutoFit/>
+              </a:bodyPr>
+              <a:lstStyle/>
+              <a:p>
+                <a:pPr/>
+                <a14:m>
+                  <m:oMathPara xmlns:m="http://schemas.openxmlformats.org/officeDocument/2006/math">
+                    <m:oMathParaPr>
+                      <m:jc m:val="centerGroup"/>
+                    </m:oMathParaPr>
+                    <m:oMath xmlns:m="http://schemas.openxmlformats.org/officeDocument/2006/math">
+                      <m:sSub>
+                        <m:sSubPr>
+                          <m:ctrlPr>
+                            <a:rPr lang="en-US" i="1" smtClean="0">
+                              <a:latin typeface="Cambria Math" panose="02040503050406030204" pitchFamily="18" charset="0"/>
+                            </a:rPr>
+                          </m:ctrlPr>
+                        </m:sSubPr>
+                        <m:e>
+                          <m:r>
+                            <a:rPr lang="en-US" b="0" i="1" smtClean="0">
+                              <a:latin typeface="Cambria Math" panose="02040503050406030204" pitchFamily="18" charset="0"/>
+                            </a:rPr>
+                            <m:t>𝑆𝑁𝑅</m:t>
+                          </m:r>
+                        </m:e>
+                        <m:sub>
+                          <m:r>
+                            <a:rPr lang="en-US" b="0" i="1" smtClean="0">
+                              <a:latin typeface="Cambria Math" panose="02040503050406030204" pitchFamily="18" charset="0"/>
+                            </a:rPr>
+                            <m:t>2</m:t>
+                          </m:r>
+                        </m:sub>
+                      </m:sSub>
+                      <m:r>
+                        <a:rPr lang="en-US" b="0" i="1" smtClean="0">
+                          <a:latin typeface="Cambria Math" panose="02040503050406030204" pitchFamily="18" charset="0"/>
+                        </a:rPr>
+                        <m:t>=</m:t>
+                      </m:r>
+                      <m:f>
+                        <m:fPr>
+                          <m:ctrlPr>
+                            <a:rPr lang="en-US" b="0" i="1" smtClean="0">
+                              <a:latin typeface="Cambria Math" panose="02040503050406030204" pitchFamily="18" charset="0"/>
+                            </a:rPr>
+                          </m:ctrlPr>
+                        </m:fPr>
+                        <m:num>
+                          <m:sSub>
+                            <m:sSubPr>
+                              <m:ctrlPr>
+                                <a:rPr lang="en-US" b="0" i="1" smtClean="0">
+                                  <a:latin typeface="Cambria Math" panose="02040503050406030204" pitchFamily="18" charset="0"/>
+                                </a:rPr>
+                              </m:ctrlPr>
+                            </m:sSubPr>
+                            <m:e>
+                              <m:r>
+                                <a:rPr lang="en-US" b="0" i="1" smtClean="0">
+                                  <a:latin typeface="Cambria Math" panose="02040503050406030204" pitchFamily="18" charset="0"/>
+                                </a:rPr>
+                                <m:t>𝐼</m:t>
+                              </m:r>
+                            </m:e>
+                            <m:sub>
+                              <m:r>
+                                <a:rPr lang="en-US" b="0" i="1" smtClean="0">
+                                  <a:latin typeface="Cambria Math" panose="02040503050406030204" pitchFamily="18" charset="0"/>
+                                </a:rPr>
+                                <m:t>𝑝𝑎𝑡𝑡𝑒𝑟𝑛</m:t>
+                              </m:r>
+                            </m:sub>
+                          </m:sSub>
+                        </m:num>
+                        <m:den>
+                          <m:r>
+                            <a:rPr lang="en-US" b="0" i="1" smtClean="0">
+                              <a:latin typeface="Cambria Math" panose="02040503050406030204" pitchFamily="18" charset="0"/>
+                            </a:rPr>
+                            <m:t>𝑀𝑎𝑥</m:t>
+                          </m:r>
+                          <m:r>
+                            <a:rPr lang="en-US" b="0" i="1" smtClean="0">
+                              <a:latin typeface="Cambria Math" panose="02040503050406030204" pitchFamily="18" charset="0"/>
+                            </a:rPr>
+                            <m:t>(</m:t>
+                          </m:r>
+                          <m:sSub>
+                            <m:sSubPr>
+                              <m:ctrlPr>
+                                <a:rPr lang="en-US" b="0" i="1" smtClean="0">
+                                  <a:latin typeface="Cambria Math" panose="02040503050406030204" pitchFamily="18" charset="0"/>
+                                </a:rPr>
+                              </m:ctrlPr>
+                            </m:sSubPr>
+                            <m:e>
+                              <m:r>
+                                <a:rPr lang="en-US" b="0" i="1" smtClean="0">
+                                  <a:latin typeface="Cambria Math" panose="02040503050406030204" pitchFamily="18" charset="0"/>
+                                </a:rPr>
+                                <m:t>𝐼</m:t>
+                              </m:r>
+                            </m:e>
+                            <m:sub>
+                              <m:r>
+                                <a:rPr lang="en-US" b="0" i="1" smtClean="0">
+                                  <a:latin typeface="Cambria Math" panose="02040503050406030204" pitchFamily="18" charset="0"/>
+                                </a:rPr>
+                                <m:t>𝑜𝑡h𝑒𝑟</m:t>
+                              </m:r>
+                            </m:sub>
+                          </m:sSub>
+                          <m:r>
+                            <a:rPr lang="en-US" b="0" i="1" smtClean="0">
+                              <a:latin typeface="Cambria Math" panose="02040503050406030204" pitchFamily="18" charset="0"/>
+                            </a:rPr>
+                            <m:t>)</m:t>
+                          </m:r>
+                        </m:den>
+                      </m:f>
+                    </m:oMath>
+                  </m:oMathPara>
+                </a14:m>
+                <a:endParaRPr lang="en-US" dirty="0"/>
+              </a:p>
+            </p:txBody>
+          </p:sp>
+        </mc:Choice>
+        <mc:Fallback xmlns="">
+          <p:sp>
+            <p:nvSpPr>
+              <p:cNvPr id="6" name="TextBox 5">
+                <a:extLst>
+                  <a:ext uri="{FF2B5EF4-FFF2-40B4-BE49-F238E27FC236}">
+                    <a16:creationId xmlns:a16="http://schemas.microsoft.com/office/drawing/2014/main" id="{D3F770C3-AD98-40B8-AF00-3C8B5DE85DBF}"/>
+                  </a:ext>
+                </a:extLst>
+              </p:cNvPr>
+              <p:cNvSpPr txBox="1">
+                <a:spLocks noRot="1" noChangeAspect="1" noMove="1" noResize="1" noEditPoints="1" noAdjustHandles="1" noChangeArrowheads="1" noChangeShapeType="1" noTextEdit="1"/>
+              </p:cNvSpPr>
+              <p:nvPr/>
+            </p:nvSpPr>
+            <p:spPr>
+              <a:xfrm>
+                <a:off x="769060" y="6014127"/>
+                <a:ext cx="2153090" cy="574773"/>
+              </a:xfrm>
+              <a:prstGeom prst="rect">
+                <a:avLst/>
+              </a:prstGeom>
+              <a:blipFill>
+                <a:blip r:embed="rId3"/>
+                <a:stretch>
+                  <a:fillRect/>
+                </a:stretch>
+              </a:blipFill>
+            </p:spPr>
+            <p:txBody>
+              <a:bodyPr/>
+              <a:lstStyle/>
+              <a:p>
+                <a:r>
+                  <a:rPr lang="en-US">
+                    <a:noFill/>
+                  </a:rPr>
+                  <a:t> </a:t>
+                </a:r>
+              </a:p>
+            </p:txBody>
+          </p:sp>
+        </mc:Fallback>
+      </mc:AlternateContent>
+      <p:sp>
+        <p:nvSpPr>
+          <p:cNvPr id="7" name="TextBox 6">
+            <a:extLst>
+              <a:ext uri="{FF2B5EF4-FFF2-40B4-BE49-F238E27FC236}">
+                <a16:creationId xmlns:a16="http://schemas.microsoft.com/office/drawing/2014/main" id="{26F00BFB-A69E-42C5-AA94-05839C4772F5}"/>
+              </a:ext>
+            </a:extLst>
+          </p:cNvPr>
+          <p:cNvSpPr txBox="1"/>
+          <p:nvPr/>
+        </p:nvSpPr>
+        <p:spPr>
+          <a:xfrm>
+            <a:off x="5834109" y="5367796"/>
+            <a:ext cx="4358936" cy="923330"/>
+          </a:xfrm>
+          <a:prstGeom prst="rect">
+            <a:avLst/>
+          </a:prstGeom>
+          <a:noFill/>
+        </p:spPr>
+        <p:txBody>
+          <a:bodyPr wrap="square" rtlCol="0">
+            <a:spAutoFit/>
+          </a:bodyPr>
+          <a:lstStyle/>
+          <a:p>
+            <a:r>
+              <a:rPr lang="en-US" dirty="0">
+                <a:solidFill>
+                  <a:srgbClr val="0070C0"/>
+                </a:solidFill>
+              </a:rPr>
+              <a:t>For a fixed N, the SNR can also be optimized by the geometry: spacing of elements (spacing), and observation plane height (z). </a:t>
+            </a:r>
+          </a:p>
+        </p:txBody>
+      </p:sp>
+      <p:grpSp>
+        <p:nvGrpSpPr>
+          <p:cNvPr id="14" name="Group 13">
+            <a:extLst>
+              <a:ext uri="{FF2B5EF4-FFF2-40B4-BE49-F238E27FC236}">
+                <a16:creationId xmlns:a16="http://schemas.microsoft.com/office/drawing/2014/main" id="{9F3687BD-78BC-4E6E-A8CF-A3E6ABF7389C}"/>
+              </a:ext>
+            </a:extLst>
+          </p:cNvPr>
+          <p:cNvGrpSpPr/>
+          <p:nvPr/>
+        </p:nvGrpSpPr>
+        <p:grpSpPr>
+          <a:xfrm>
+            <a:off x="5445726" y="1474306"/>
+            <a:ext cx="5637300" cy="3225808"/>
+            <a:chOff x="5445726" y="1474306"/>
+            <a:chExt cx="5637300" cy="3225808"/>
+          </a:xfrm>
+        </p:grpSpPr>
+        <p:pic>
+          <p:nvPicPr>
+            <p:cNvPr id="8" name="Picture 7">
+              <a:extLst>
+                <a:ext uri="{FF2B5EF4-FFF2-40B4-BE49-F238E27FC236}">
+                  <a16:creationId xmlns:a16="http://schemas.microsoft.com/office/drawing/2014/main" id="{5D9186A6-31D8-470A-A26C-D7F6A06D23D5}"/>
+                </a:ext>
+              </a:extLst>
+            </p:cNvPr>
+            <p:cNvPicPr>
+              <a:picLocks noChangeAspect="1"/>
+            </p:cNvPicPr>
+            <p:nvPr/>
+          </p:nvPicPr>
+          <p:blipFill>
+            <a:blip r:embed="rId4"/>
+            <a:stretch>
+              <a:fillRect/>
+            </a:stretch>
+          </p:blipFill>
+          <p:spPr>
+            <a:xfrm>
+              <a:off x="8264376" y="1843638"/>
+              <a:ext cx="2818650" cy="2425000"/>
+            </a:xfrm>
+            <a:prstGeom prst="rect">
+              <a:avLst/>
+            </a:prstGeom>
+          </p:spPr>
+        </p:pic>
+        <p:sp>
+          <p:nvSpPr>
+            <p:cNvPr id="9" name="Rectangle 8">
+              <a:extLst>
+                <a:ext uri="{FF2B5EF4-FFF2-40B4-BE49-F238E27FC236}">
+                  <a16:creationId xmlns:a16="http://schemas.microsoft.com/office/drawing/2014/main" id="{9A53E879-3B1B-48D4-98F4-D88FEAACA63C}"/>
+                </a:ext>
+              </a:extLst>
+            </p:cNvPr>
+            <p:cNvSpPr/>
+            <p:nvPr/>
+          </p:nvSpPr>
+          <p:spPr>
+            <a:xfrm>
+              <a:off x="9056452" y="1474306"/>
+              <a:ext cx="1365758" cy="369332"/>
+            </a:xfrm>
+            <a:prstGeom prst="rect">
+              <a:avLst/>
+            </a:prstGeom>
+          </p:spPr>
+          <p:txBody>
+            <a:bodyPr wrap="none">
+              <a:spAutoFit/>
+            </a:bodyPr>
+            <a:lstStyle/>
+            <a:p>
+              <a:pPr fontAlgn="b"/>
+              <a:r>
+                <a:rPr lang="en-US" dirty="0"/>
+                <a:t>geo(50, 200)</a:t>
+              </a:r>
+              <a:endParaRPr lang="en-US" dirty="0">
+                <a:solidFill>
+                  <a:srgbClr val="000000"/>
+                </a:solidFill>
+                <a:latin typeface="Calibri" panose="020F0502020204030204" pitchFamily="34" charset="0"/>
+              </a:endParaRPr>
+            </a:p>
+          </p:txBody>
+        </p:sp>
+        <p:pic>
+          <p:nvPicPr>
+            <p:cNvPr id="10" name="Picture 9">
+              <a:extLst>
+                <a:ext uri="{FF2B5EF4-FFF2-40B4-BE49-F238E27FC236}">
+                  <a16:creationId xmlns:a16="http://schemas.microsoft.com/office/drawing/2014/main" id="{452F15CE-3F18-4828-87AB-A64A9C4C68F0}"/>
+                </a:ext>
+              </a:extLst>
+            </p:cNvPr>
+            <p:cNvPicPr>
+              <a:picLocks noChangeAspect="1"/>
+            </p:cNvPicPr>
+            <p:nvPr/>
+          </p:nvPicPr>
+          <p:blipFill>
+            <a:blip r:embed="rId5"/>
+            <a:stretch>
+              <a:fillRect/>
+            </a:stretch>
+          </p:blipFill>
+          <p:spPr>
+            <a:xfrm>
+              <a:off x="5445726" y="1843638"/>
+              <a:ext cx="2818650" cy="2425000"/>
+            </a:xfrm>
+            <a:prstGeom prst="rect">
+              <a:avLst/>
+            </a:prstGeom>
+          </p:spPr>
+        </p:pic>
+        <p:sp>
+          <p:nvSpPr>
+            <p:cNvPr id="11" name="Rectangle 10">
+              <a:extLst>
+                <a:ext uri="{FF2B5EF4-FFF2-40B4-BE49-F238E27FC236}">
+                  <a16:creationId xmlns:a16="http://schemas.microsoft.com/office/drawing/2014/main" id="{6275BDC4-A63C-494C-9F62-057D3EEAEF73}"/>
+                </a:ext>
+              </a:extLst>
+            </p:cNvPr>
+            <p:cNvSpPr/>
+            <p:nvPr/>
+          </p:nvSpPr>
+          <p:spPr>
+            <a:xfrm>
+              <a:off x="6096000" y="1474306"/>
+              <a:ext cx="1365758" cy="369332"/>
+            </a:xfrm>
+            <a:prstGeom prst="rect">
+              <a:avLst/>
+            </a:prstGeom>
+          </p:spPr>
+          <p:txBody>
+            <a:bodyPr wrap="none">
+              <a:spAutoFit/>
+            </a:bodyPr>
+            <a:lstStyle/>
+            <a:p>
+              <a:pPr fontAlgn="b"/>
+              <a:r>
+                <a:rPr lang="en-US" dirty="0"/>
+                <a:t>geo(50, 300)</a:t>
+              </a:r>
+              <a:endParaRPr lang="en-US" dirty="0">
+                <a:solidFill>
+                  <a:srgbClr val="000000"/>
+                </a:solidFill>
+                <a:latin typeface="Calibri" panose="020F0502020204030204" pitchFamily="34" charset="0"/>
+              </a:endParaRPr>
+            </a:p>
+          </p:txBody>
+        </p:sp>
+        <p:sp>
+          <p:nvSpPr>
+            <p:cNvPr id="12" name="TextBox 11">
+              <a:extLst>
+                <a:ext uri="{FF2B5EF4-FFF2-40B4-BE49-F238E27FC236}">
+                  <a16:creationId xmlns:a16="http://schemas.microsoft.com/office/drawing/2014/main" id="{516CD4B3-0837-466D-A038-3ADFAE89E37C}"/>
+                </a:ext>
+              </a:extLst>
+            </p:cNvPr>
+            <p:cNvSpPr txBox="1"/>
+            <p:nvPr/>
+          </p:nvSpPr>
+          <p:spPr>
+            <a:xfrm>
+              <a:off x="6084239" y="4330782"/>
+              <a:ext cx="1377519" cy="369332"/>
+            </a:xfrm>
+            <a:prstGeom prst="rect">
+              <a:avLst/>
+            </a:prstGeom>
+            <a:noFill/>
+          </p:spPr>
+          <p:txBody>
+            <a:bodyPr wrap="square" rtlCol="0">
+              <a:spAutoFit/>
+            </a:bodyPr>
+            <a:lstStyle/>
+            <a:p>
+              <a:r>
+                <a:rPr lang="en-US" dirty="0"/>
+                <a:t>Highest SNR</a:t>
+              </a:r>
+            </a:p>
+          </p:txBody>
+        </p:sp>
+        <p:sp>
+          <p:nvSpPr>
+            <p:cNvPr id="13" name="TextBox 12">
+              <a:extLst>
+                <a:ext uri="{FF2B5EF4-FFF2-40B4-BE49-F238E27FC236}">
+                  <a16:creationId xmlns:a16="http://schemas.microsoft.com/office/drawing/2014/main" id="{F3D152F3-3779-485B-AEC2-1D413F583A61}"/>
+                </a:ext>
+              </a:extLst>
+            </p:cNvPr>
+            <p:cNvSpPr txBox="1"/>
+            <p:nvPr/>
+          </p:nvSpPr>
+          <p:spPr>
+            <a:xfrm>
+              <a:off x="9119585" y="4330782"/>
+              <a:ext cx="1377519" cy="369332"/>
+            </a:xfrm>
+            <a:prstGeom prst="rect">
+              <a:avLst/>
+            </a:prstGeom>
+            <a:noFill/>
+          </p:spPr>
+          <p:txBody>
+            <a:bodyPr wrap="square" rtlCol="0">
+              <a:spAutoFit/>
+            </a:bodyPr>
+            <a:lstStyle/>
+            <a:p>
+              <a:r>
+                <a:rPr lang="en-US" dirty="0"/>
+                <a:t>Lowest SNR</a:t>
+              </a:r>
+            </a:p>
+          </p:txBody>
+        </p:sp>
+      </p:grpSp>
+      <p:sp>
+        <p:nvSpPr>
+          <p:cNvPr id="15" name="Rectangle 14">
+            <a:extLst>
+              <a:ext uri="{FF2B5EF4-FFF2-40B4-BE49-F238E27FC236}">
+                <a16:creationId xmlns:a16="http://schemas.microsoft.com/office/drawing/2014/main" id="{39017CA0-700A-40A9-B6A7-DDF75836D216}"/>
+              </a:ext>
+            </a:extLst>
+          </p:cNvPr>
+          <p:cNvSpPr/>
+          <p:nvPr/>
+        </p:nvSpPr>
+        <p:spPr>
+          <a:xfrm>
+            <a:off x="7178257" y="4664623"/>
+            <a:ext cx="2130135" cy="369332"/>
+          </a:xfrm>
+          <a:prstGeom prst="rect">
+            <a:avLst/>
+          </a:prstGeom>
+        </p:spPr>
+        <p:txBody>
+          <a:bodyPr wrap="none">
+            <a:spAutoFit/>
+          </a:bodyPr>
+          <a:lstStyle/>
+          <a:p>
+            <a:r>
+              <a:rPr lang="en-US" dirty="0">
+                <a:solidFill>
+                  <a:srgbClr val="7030A0"/>
+                </a:solidFill>
+              </a:rPr>
+              <a:t>&lt;from the left table&gt;</a:t>
+            </a:r>
+          </a:p>
+        </p:txBody>
+      </p:sp>
     </p:spTree>
     <p:extLst>
       <p:ext uri="{BB962C8B-B14F-4D97-AF65-F5344CB8AC3E}">
         <p14:creationId xmlns:p14="http://schemas.microsoft.com/office/powerpoint/2010/main" val="2358221632"/>
+      </p:ext>
+    </p:extLst>
+  </p:cSld>
+  <p:clrMapOvr>
+    <a:masterClrMapping/>
+  </p:clrMapOvr>
+</p:sld>
+</file>
+
+<file path=ppt/slides/slide8.xml><?xml version="1.0" encoding="utf-8"?>
+<p:sld xmlns:a="http://schemas.openxmlformats.org/drawingml/2006/main" xmlns:r="http://schemas.openxmlformats.org/officeDocument/2006/relationships" xmlns:p="http://schemas.openxmlformats.org/presentationml/2006/main">
+  <p:cSld>
+    <p:spTree>
+      <p:nvGrpSpPr>
+        <p:cNvPr id="1" name=""/>
+        <p:cNvGrpSpPr/>
+        <p:nvPr/>
+      </p:nvGrpSpPr>
+      <p:grpSpPr>
+        <a:xfrm>
+          <a:off x="0" y="0"/>
+          <a:ext cx="0" cy="0"/>
+          <a:chOff x="0" y="0"/>
+          <a:chExt cx="0" cy="0"/>
+        </a:xfrm>
+      </p:grpSpPr>
+      <p:sp>
+        <p:nvSpPr>
+          <p:cNvPr id="4" name="TextBox 3">
+            <a:extLst>
+              <a:ext uri="{FF2B5EF4-FFF2-40B4-BE49-F238E27FC236}">
+                <a16:creationId xmlns:a16="http://schemas.microsoft.com/office/drawing/2014/main" id="{7A8F640D-8004-4E81-9CB2-DB5163F9A950}"/>
+              </a:ext>
+            </a:extLst>
+          </p:cNvPr>
+          <p:cNvSpPr txBox="1"/>
+          <p:nvPr/>
+        </p:nvSpPr>
+        <p:spPr>
+          <a:xfrm>
+            <a:off x="2748600" y="556486"/>
+            <a:ext cx="5907720" cy="400110"/>
+          </a:xfrm>
+          <a:prstGeom prst="rect">
+            <a:avLst/>
+          </a:prstGeom>
+          <a:noFill/>
+        </p:spPr>
+        <p:txBody>
+          <a:bodyPr wrap="square" rtlCol="0">
+            <a:spAutoFit/>
+          </a:bodyPr>
+          <a:lstStyle/>
+          <a:p>
+            <a:pPr algn="ctr"/>
+            <a:r>
+              <a:rPr lang="en-US" sz="2000" b="1" dirty="0"/>
+              <a:t>Ring Resonator Implementation</a:t>
+            </a:r>
+          </a:p>
+        </p:txBody>
+      </p:sp>
+      <p:sp>
+        <p:nvSpPr>
+          <p:cNvPr id="15" name="TextBox 14">
+            <a:extLst>
+              <a:ext uri="{FF2B5EF4-FFF2-40B4-BE49-F238E27FC236}">
+                <a16:creationId xmlns:a16="http://schemas.microsoft.com/office/drawing/2014/main" id="{AE37767F-B95F-4D35-B2AD-505CFBC293C8}"/>
+              </a:ext>
+            </a:extLst>
+          </p:cNvPr>
+          <p:cNvSpPr txBox="1"/>
+          <p:nvPr/>
+        </p:nvSpPr>
+        <p:spPr>
+          <a:xfrm>
+            <a:off x="5834109" y="5367796"/>
+            <a:ext cx="4358936" cy="646331"/>
+          </a:xfrm>
+          <a:prstGeom prst="rect">
+            <a:avLst/>
+          </a:prstGeom>
+          <a:noFill/>
+        </p:spPr>
+        <p:txBody>
+          <a:bodyPr wrap="square" rtlCol="0">
+            <a:spAutoFit/>
+          </a:bodyPr>
+          <a:lstStyle/>
+          <a:p>
+            <a:r>
+              <a:rPr lang="en-US" dirty="0">
+                <a:solidFill>
+                  <a:srgbClr val="0070C0"/>
+                </a:solidFill>
+              </a:rPr>
+              <a:t>Higher SNR makes the recovered image </a:t>
+            </a:r>
+            <a:r>
+              <a:rPr lang="en-US">
+                <a:solidFill>
+                  <a:srgbClr val="0070C0"/>
+                </a:solidFill>
+              </a:rPr>
+              <a:t>more clear. </a:t>
+            </a:r>
+            <a:endParaRPr lang="en-US" dirty="0">
+              <a:solidFill>
+                <a:srgbClr val="0070C0"/>
+              </a:solidFill>
+            </a:endParaRPr>
+          </a:p>
+        </p:txBody>
+      </p:sp>
+      <p:grpSp>
+        <p:nvGrpSpPr>
+          <p:cNvPr id="3" name="Group 2">
+            <a:extLst>
+              <a:ext uri="{FF2B5EF4-FFF2-40B4-BE49-F238E27FC236}">
+                <a16:creationId xmlns:a16="http://schemas.microsoft.com/office/drawing/2014/main" id="{7363FA29-84D6-427B-9CE3-BBF6A6CB9204}"/>
+              </a:ext>
+            </a:extLst>
+          </p:cNvPr>
+          <p:cNvGrpSpPr/>
+          <p:nvPr/>
+        </p:nvGrpSpPr>
+        <p:grpSpPr>
+          <a:xfrm>
+            <a:off x="1092200" y="1796018"/>
+            <a:ext cx="10013950" cy="3450630"/>
+            <a:chOff x="1092200" y="1796018"/>
+            <a:chExt cx="10013950" cy="3450630"/>
+          </a:xfrm>
+        </p:grpSpPr>
+        <p:pic>
+          <p:nvPicPr>
+            <p:cNvPr id="7" name="Picture 6">
+              <a:extLst>
+                <a:ext uri="{FF2B5EF4-FFF2-40B4-BE49-F238E27FC236}">
+                  <a16:creationId xmlns:a16="http://schemas.microsoft.com/office/drawing/2014/main" id="{24F7BA94-0533-43C1-B7EF-1606B2AD94A6}"/>
+                </a:ext>
+              </a:extLst>
+            </p:cNvPr>
+            <p:cNvPicPr>
+              <a:picLocks noChangeAspect="1"/>
+            </p:cNvPicPr>
+            <p:nvPr/>
+          </p:nvPicPr>
+          <p:blipFill>
+            <a:blip r:embed="rId2"/>
+            <a:stretch>
+              <a:fillRect/>
+            </a:stretch>
+          </p:blipFill>
+          <p:spPr>
+            <a:xfrm>
+              <a:off x="1092200" y="1997075"/>
+              <a:ext cx="3333750" cy="2857500"/>
+            </a:xfrm>
+            <a:prstGeom prst="rect">
+              <a:avLst/>
+            </a:prstGeom>
+          </p:spPr>
+        </p:pic>
+        <p:pic>
+          <p:nvPicPr>
+            <p:cNvPr id="8" name="Picture 7">
+              <a:extLst>
+                <a:ext uri="{FF2B5EF4-FFF2-40B4-BE49-F238E27FC236}">
+                  <a16:creationId xmlns:a16="http://schemas.microsoft.com/office/drawing/2014/main" id="{A211E2F3-D7D7-4A4B-98C1-841D041751CF}"/>
+                </a:ext>
+              </a:extLst>
+            </p:cNvPr>
+            <p:cNvPicPr>
+              <a:picLocks noChangeAspect="1"/>
+            </p:cNvPicPr>
+            <p:nvPr/>
+          </p:nvPicPr>
+          <p:blipFill>
+            <a:blip r:embed="rId3"/>
+            <a:stretch>
+              <a:fillRect/>
+            </a:stretch>
+          </p:blipFill>
+          <p:spPr>
+            <a:xfrm>
+              <a:off x="7766050" y="1997075"/>
+              <a:ext cx="3340100" cy="2863850"/>
+            </a:xfrm>
+            <a:prstGeom prst="rect">
+              <a:avLst/>
+            </a:prstGeom>
+          </p:spPr>
+        </p:pic>
+        <p:sp>
+          <p:nvSpPr>
+            <p:cNvPr id="9" name="Rectangle 8">
+              <a:extLst>
+                <a:ext uri="{FF2B5EF4-FFF2-40B4-BE49-F238E27FC236}">
+                  <a16:creationId xmlns:a16="http://schemas.microsoft.com/office/drawing/2014/main" id="{A6D58C60-224C-43D3-8116-1B2A014D3789}"/>
+                </a:ext>
+              </a:extLst>
+            </p:cNvPr>
+            <p:cNvSpPr/>
+            <p:nvPr/>
+          </p:nvSpPr>
+          <p:spPr>
+            <a:xfrm>
+              <a:off x="8877300" y="1796018"/>
+              <a:ext cx="1365758" cy="369332"/>
+            </a:xfrm>
+            <a:prstGeom prst="rect">
+              <a:avLst/>
+            </a:prstGeom>
+          </p:spPr>
+          <p:txBody>
+            <a:bodyPr wrap="none">
+              <a:spAutoFit/>
+            </a:bodyPr>
+            <a:lstStyle/>
+            <a:p>
+              <a:pPr fontAlgn="b"/>
+              <a:r>
+                <a:rPr lang="en-US" dirty="0"/>
+                <a:t>geo(50, 300)</a:t>
+              </a:r>
+              <a:endParaRPr lang="en-US" dirty="0">
+                <a:solidFill>
+                  <a:srgbClr val="000000"/>
+                </a:solidFill>
+                <a:latin typeface="Calibri" panose="020F0502020204030204" pitchFamily="34" charset="0"/>
+              </a:endParaRPr>
+            </a:p>
+          </p:txBody>
+        </p:sp>
+        <p:sp>
+          <p:nvSpPr>
+            <p:cNvPr id="10" name="Rectangle 9">
+              <a:extLst>
+                <a:ext uri="{FF2B5EF4-FFF2-40B4-BE49-F238E27FC236}">
+                  <a16:creationId xmlns:a16="http://schemas.microsoft.com/office/drawing/2014/main" id="{4ECB0FBE-0F92-41C1-B28F-641F51225209}"/>
+                </a:ext>
+              </a:extLst>
+            </p:cNvPr>
+            <p:cNvSpPr/>
+            <p:nvPr/>
+          </p:nvSpPr>
+          <p:spPr>
+            <a:xfrm>
+              <a:off x="5537200" y="1812409"/>
+              <a:ext cx="1365758" cy="369332"/>
+            </a:xfrm>
+            <a:prstGeom prst="rect">
+              <a:avLst/>
+            </a:prstGeom>
+          </p:spPr>
+          <p:txBody>
+            <a:bodyPr wrap="none">
+              <a:spAutoFit/>
+            </a:bodyPr>
+            <a:lstStyle/>
+            <a:p>
+              <a:pPr fontAlgn="b"/>
+              <a:r>
+                <a:rPr lang="en-US" dirty="0"/>
+                <a:t>geo(50, 200)</a:t>
+              </a:r>
+              <a:endParaRPr lang="en-US" dirty="0">
+                <a:solidFill>
+                  <a:srgbClr val="000000"/>
+                </a:solidFill>
+                <a:latin typeface="Calibri" panose="020F0502020204030204" pitchFamily="34" charset="0"/>
+              </a:endParaRPr>
+            </a:p>
+          </p:txBody>
+        </p:sp>
+        <p:sp>
+          <p:nvSpPr>
+            <p:cNvPr id="11" name="Rectangle 10">
+              <a:extLst>
+                <a:ext uri="{FF2B5EF4-FFF2-40B4-BE49-F238E27FC236}">
+                  <a16:creationId xmlns:a16="http://schemas.microsoft.com/office/drawing/2014/main" id="{55DF5934-BCAD-463A-8C19-6AE83103BE8C}"/>
+                </a:ext>
+              </a:extLst>
+            </p:cNvPr>
+            <p:cNvSpPr/>
+            <p:nvPr/>
+          </p:nvSpPr>
+          <p:spPr>
+            <a:xfrm>
+              <a:off x="1948942" y="1796018"/>
+              <a:ext cx="1106393" cy="369332"/>
+            </a:xfrm>
+            <a:prstGeom prst="rect">
+              <a:avLst/>
+            </a:prstGeom>
+          </p:spPr>
+          <p:txBody>
+            <a:bodyPr wrap="none">
+              <a:spAutoFit/>
+            </a:bodyPr>
+            <a:lstStyle/>
+            <a:p>
+              <a:pPr fontAlgn="b"/>
+              <a:r>
+                <a:rPr lang="en-US" dirty="0"/>
+                <a:t>Near field</a:t>
+              </a:r>
+              <a:endParaRPr lang="en-US" dirty="0">
+                <a:solidFill>
+                  <a:srgbClr val="000000"/>
+                </a:solidFill>
+                <a:latin typeface="Calibri" panose="020F0502020204030204" pitchFamily="34" charset="0"/>
+              </a:endParaRPr>
+            </a:p>
+          </p:txBody>
+        </p:sp>
+        <p:sp>
+          <p:nvSpPr>
+            <p:cNvPr id="12" name="Rectangle 11">
+              <a:extLst>
+                <a:ext uri="{FF2B5EF4-FFF2-40B4-BE49-F238E27FC236}">
+                  <a16:creationId xmlns:a16="http://schemas.microsoft.com/office/drawing/2014/main" id="{638E4523-1F58-4D1B-B2A1-949224814670}"/>
+                </a:ext>
+              </a:extLst>
+            </p:cNvPr>
+            <p:cNvSpPr/>
+            <p:nvPr/>
+          </p:nvSpPr>
+          <p:spPr>
+            <a:xfrm>
+              <a:off x="5475477" y="4854575"/>
+              <a:ext cx="1241045" cy="369332"/>
+            </a:xfrm>
+            <a:prstGeom prst="rect">
+              <a:avLst/>
+            </a:prstGeom>
+          </p:spPr>
+          <p:txBody>
+            <a:bodyPr wrap="none">
+              <a:spAutoFit/>
+            </a:bodyPr>
+            <a:lstStyle/>
+            <a:p>
+              <a:pPr fontAlgn="b"/>
+              <a:r>
+                <a:rPr lang="en-US" dirty="0"/>
+                <a:t>Higher SNR</a:t>
+              </a:r>
+              <a:endParaRPr lang="en-US" dirty="0">
+                <a:solidFill>
+                  <a:srgbClr val="000000"/>
+                </a:solidFill>
+                <a:latin typeface="Calibri" panose="020F0502020204030204" pitchFamily="34" charset="0"/>
+              </a:endParaRPr>
+            </a:p>
+          </p:txBody>
+        </p:sp>
+        <p:sp>
+          <p:nvSpPr>
+            <p:cNvPr id="14" name="Rectangle 13">
+              <a:extLst>
+                <a:ext uri="{FF2B5EF4-FFF2-40B4-BE49-F238E27FC236}">
+                  <a16:creationId xmlns:a16="http://schemas.microsoft.com/office/drawing/2014/main" id="{8891E663-E6C4-4E02-AD92-16B36A90D07B}"/>
+                </a:ext>
+              </a:extLst>
+            </p:cNvPr>
+            <p:cNvSpPr/>
+            <p:nvPr/>
+          </p:nvSpPr>
+          <p:spPr>
+            <a:xfrm>
+              <a:off x="8939656" y="4877316"/>
+              <a:ext cx="1194814" cy="369332"/>
+            </a:xfrm>
+            <a:prstGeom prst="rect">
+              <a:avLst/>
+            </a:prstGeom>
+          </p:spPr>
+          <p:txBody>
+            <a:bodyPr wrap="none">
+              <a:spAutoFit/>
+            </a:bodyPr>
+            <a:lstStyle/>
+            <a:p>
+              <a:pPr fontAlgn="b"/>
+              <a:r>
+                <a:rPr lang="en-US" dirty="0"/>
+                <a:t>Lower SNR</a:t>
+              </a:r>
+              <a:endParaRPr lang="en-US" dirty="0">
+                <a:solidFill>
+                  <a:srgbClr val="000000"/>
+                </a:solidFill>
+                <a:latin typeface="Calibri" panose="020F0502020204030204" pitchFamily="34" charset="0"/>
+              </a:endParaRPr>
+            </a:p>
+          </p:txBody>
+        </p:sp>
+        <p:pic>
+          <p:nvPicPr>
+            <p:cNvPr id="13" name="Picture 12">
+              <a:extLst>
+                <a:ext uri="{FF2B5EF4-FFF2-40B4-BE49-F238E27FC236}">
+                  <a16:creationId xmlns:a16="http://schemas.microsoft.com/office/drawing/2014/main" id="{E7AABC58-6D44-4622-8827-A75C9BD00696}"/>
+                </a:ext>
+              </a:extLst>
+            </p:cNvPr>
+            <p:cNvPicPr>
+              <a:picLocks noChangeAspect="1"/>
+            </p:cNvPicPr>
+            <p:nvPr/>
+          </p:nvPicPr>
+          <p:blipFill>
+            <a:blip r:embed="rId4"/>
+            <a:stretch>
+              <a:fillRect/>
+            </a:stretch>
+          </p:blipFill>
+          <p:spPr>
+            <a:xfrm>
+              <a:off x="4425633" y="2034231"/>
+              <a:ext cx="3340100" cy="2863850"/>
+            </a:xfrm>
+            <a:prstGeom prst="rect">
+              <a:avLst/>
+            </a:prstGeom>
+          </p:spPr>
+        </p:pic>
+        <p:sp>
+          <p:nvSpPr>
+            <p:cNvPr id="2" name="Rectangle 1">
+              <a:extLst>
+                <a:ext uri="{FF2B5EF4-FFF2-40B4-BE49-F238E27FC236}">
+                  <a16:creationId xmlns:a16="http://schemas.microsoft.com/office/drawing/2014/main" id="{24255C69-0C28-45B3-91CD-20377380FE23}"/>
+                </a:ext>
+              </a:extLst>
+            </p:cNvPr>
+            <p:cNvSpPr/>
+            <p:nvPr/>
+          </p:nvSpPr>
+          <p:spPr>
+            <a:xfrm>
+              <a:off x="1556157" y="2246050"/>
+              <a:ext cx="1793289" cy="1589103"/>
+            </a:xfrm>
+            <a:prstGeom prst="rect">
+              <a:avLst/>
+            </a:prstGeom>
+            <a:noFill/>
+            <a:ln w="28575"/>
+          </p:spPr>
+          <p:style>
+            <a:lnRef idx="2">
+              <a:schemeClr val="accent2"/>
+            </a:lnRef>
+            <a:fillRef idx="1">
+              <a:schemeClr val="lt1"/>
+            </a:fillRef>
+            <a:effectRef idx="0">
+              <a:schemeClr val="accent2"/>
+            </a:effectRef>
+            <a:fontRef idx="minor">
+              <a:schemeClr val="dk1"/>
+            </a:fontRef>
+          </p:style>
+          <p:txBody>
+            <a:bodyPr rtlCol="0" anchor="ctr"/>
+            <a:lstStyle/>
+            <a:p>
+              <a:pPr algn="ctr"/>
+              <a:endParaRPr lang="en-US"/>
+            </a:p>
+          </p:txBody>
+        </p:sp>
+        <p:sp>
+          <p:nvSpPr>
+            <p:cNvPr id="16" name="Rectangle 15">
+              <a:extLst>
+                <a:ext uri="{FF2B5EF4-FFF2-40B4-BE49-F238E27FC236}">
+                  <a16:creationId xmlns:a16="http://schemas.microsoft.com/office/drawing/2014/main" id="{824948E1-4598-41B0-974A-CEC2291B5A69}"/>
+                </a:ext>
+              </a:extLst>
+            </p:cNvPr>
+            <p:cNvSpPr/>
+            <p:nvPr/>
+          </p:nvSpPr>
+          <p:spPr>
+            <a:xfrm>
+              <a:off x="4892753" y="2282569"/>
+              <a:ext cx="1793289" cy="1589103"/>
+            </a:xfrm>
+            <a:prstGeom prst="rect">
+              <a:avLst/>
+            </a:prstGeom>
+            <a:noFill/>
+            <a:ln w="28575"/>
+          </p:spPr>
+          <p:style>
+            <a:lnRef idx="2">
+              <a:schemeClr val="accent2"/>
+            </a:lnRef>
+            <a:fillRef idx="1">
+              <a:schemeClr val="lt1"/>
+            </a:fillRef>
+            <a:effectRef idx="0">
+              <a:schemeClr val="accent2"/>
+            </a:effectRef>
+            <a:fontRef idx="minor">
+              <a:schemeClr val="dk1"/>
+            </a:fontRef>
+          </p:style>
+          <p:txBody>
+            <a:bodyPr rtlCol="0" anchor="ctr"/>
+            <a:lstStyle/>
+            <a:p>
+              <a:pPr algn="ctr"/>
+              <a:endParaRPr lang="en-US"/>
+            </a:p>
+          </p:txBody>
+        </p:sp>
+        <p:sp>
+          <p:nvSpPr>
+            <p:cNvPr id="17" name="Rectangle 16">
+              <a:extLst>
+                <a:ext uri="{FF2B5EF4-FFF2-40B4-BE49-F238E27FC236}">
+                  <a16:creationId xmlns:a16="http://schemas.microsoft.com/office/drawing/2014/main" id="{71B704BD-3C4F-408E-997C-388510AC7617}"/>
+                </a:ext>
+              </a:extLst>
+            </p:cNvPr>
+            <p:cNvSpPr/>
+            <p:nvPr/>
+          </p:nvSpPr>
+          <p:spPr>
+            <a:xfrm>
+              <a:off x="8235846" y="2250386"/>
+              <a:ext cx="1793289" cy="1589103"/>
+            </a:xfrm>
+            <a:prstGeom prst="rect">
+              <a:avLst/>
+            </a:prstGeom>
+            <a:noFill/>
+            <a:ln w="28575"/>
+          </p:spPr>
+          <p:style>
+            <a:lnRef idx="2">
+              <a:schemeClr val="accent2"/>
+            </a:lnRef>
+            <a:fillRef idx="1">
+              <a:schemeClr val="lt1"/>
+            </a:fillRef>
+            <a:effectRef idx="0">
+              <a:schemeClr val="accent2"/>
+            </a:effectRef>
+            <a:fontRef idx="minor">
+              <a:schemeClr val="dk1"/>
+            </a:fontRef>
+          </p:style>
+          <p:txBody>
+            <a:bodyPr rtlCol="0" anchor="ctr"/>
+            <a:lstStyle/>
+            <a:p>
+              <a:pPr algn="ctr"/>
+              <a:endParaRPr lang="en-US"/>
+            </a:p>
+          </p:txBody>
+        </p:sp>
+      </p:grpSp>
+    </p:spTree>
+    <p:extLst>
+      <p:ext uri="{BB962C8B-B14F-4D97-AF65-F5344CB8AC3E}">
+        <p14:creationId xmlns:p14="http://schemas.microsoft.com/office/powerpoint/2010/main" val="1703444279"/>
+      </p:ext>
+    </p:extLst>
+  </p:cSld>
+  <p:clrMapOvr>
+    <a:masterClrMapping/>
+  </p:clrMapOvr>
+</p:sld>
+</file>
+
+<file path=ppt/slides/slide9.xml><?xml version="1.0" encoding="utf-8"?>
+<p:sld xmlns:a="http://schemas.openxmlformats.org/drawingml/2006/main" xmlns:r="http://schemas.openxmlformats.org/officeDocument/2006/relationships" xmlns:p="http://schemas.openxmlformats.org/presentationml/2006/main">
+  <p:cSld>
+    <p:spTree>
+      <p:nvGrpSpPr>
+        <p:cNvPr id="1" name=""/>
+        <p:cNvGrpSpPr/>
+        <p:nvPr/>
+      </p:nvGrpSpPr>
+      <p:grpSpPr>
+        <a:xfrm>
+          <a:off x="0" y="0"/>
+          <a:ext cx="0" cy="0"/>
+          <a:chOff x="0" y="0"/>
+          <a:chExt cx="0" cy="0"/>
+        </a:xfrm>
+      </p:grpSpPr>
+      <p:sp>
+        <p:nvSpPr>
+          <p:cNvPr id="10" name="TextBox 9">
+            <a:extLst>
+              <a:ext uri="{FF2B5EF4-FFF2-40B4-BE49-F238E27FC236}">
+                <a16:creationId xmlns:a16="http://schemas.microsoft.com/office/drawing/2014/main" id="{54D3F549-FA62-4058-9A7A-545859194B1E}"/>
+              </a:ext>
+            </a:extLst>
+          </p:cNvPr>
+          <p:cNvSpPr txBox="1"/>
+          <p:nvPr/>
+        </p:nvSpPr>
+        <p:spPr>
+          <a:xfrm>
+            <a:off x="2748600" y="556486"/>
+            <a:ext cx="5907720" cy="400110"/>
+          </a:xfrm>
+          <a:prstGeom prst="rect">
+            <a:avLst/>
+          </a:prstGeom>
+          <a:noFill/>
+        </p:spPr>
+        <p:txBody>
+          <a:bodyPr wrap="square" rtlCol="0">
+            <a:spAutoFit/>
+          </a:bodyPr>
+          <a:lstStyle/>
+          <a:p>
+            <a:pPr algn="ctr"/>
+            <a:r>
+              <a:rPr lang="en-US" sz="2000" b="1" dirty="0"/>
+              <a:t>3by3 case</a:t>
+            </a:r>
+          </a:p>
+        </p:txBody>
+      </p:sp>
+      <p:graphicFrame>
+        <p:nvGraphicFramePr>
+          <p:cNvPr id="11" name="Table 10">
+            <a:extLst>
+              <a:ext uri="{FF2B5EF4-FFF2-40B4-BE49-F238E27FC236}">
+                <a16:creationId xmlns:a16="http://schemas.microsoft.com/office/drawing/2014/main" id="{9964C760-05A5-4813-88C3-C29BF17E48D9}"/>
+              </a:ext>
+            </a:extLst>
+          </p:cNvPr>
+          <p:cNvGraphicFramePr>
+            <a:graphicFrameLocks noGrp="1"/>
+          </p:cNvGraphicFramePr>
+          <p:nvPr>
+            <p:extLst>
+              <p:ext uri="{D42A27DB-BD31-4B8C-83A1-F6EECF244321}">
+                <p14:modId xmlns:p14="http://schemas.microsoft.com/office/powerpoint/2010/main" val="3671133481"/>
+              </p:ext>
+            </p:extLst>
+          </p:nvPr>
+        </p:nvGraphicFramePr>
+        <p:xfrm>
+          <a:off x="447642" y="756541"/>
+          <a:ext cx="3917775" cy="2651760"/>
+        </p:xfrm>
+        <a:graphic>
+          <a:graphicData uri="http://schemas.openxmlformats.org/drawingml/2006/table">
+            <a:tbl>
+              <a:tblPr>
+                <a:tableStyleId>{5C22544A-7EE6-4342-B048-85BDC9FD1C3A}</a:tableStyleId>
+              </a:tblPr>
+              <a:tblGrid>
+                <a:gridCol w="1305925">
+                  <a:extLst>
+                    <a:ext uri="{9D8B030D-6E8A-4147-A177-3AD203B41FA5}">
+                      <a16:colId xmlns:a16="http://schemas.microsoft.com/office/drawing/2014/main" val="1554999164"/>
+                    </a:ext>
+                  </a:extLst>
+                </a:gridCol>
+                <a:gridCol w="1305925">
+                  <a:extLst>
+                    <a:ext uri="{9D8B030D-6E8A-4147-A177-3AD203B41FA5}">
+                      <a16:colId xmlns:a16="http://schemas.microsoft.com/office/drawing/2014/main" val="4278368887"/>
+                    </a:ext>
+                  </a:extLst>
+                </a:gridCol>
+                <a:gridCol w="1305925">
+                  <a:extLst>
+                    <a:ext uri="{9D8B030D-6E8A-4147-A177-3AD203B41FA5}">
+                      <a16:colId xmlns:a16="http://schemas.microsoft.com/office/drawing/2014/main" val="1187637975"/>
+                    </a:ext>
+                  </a:extLst>
+                </a:gridCol>
+              </a:tblGrid>
+              <a:tr h="182880">
+                <a:tc>
+                  <a:txBody>
+                    <a:bodyPr/>
+                    <a:lstStyle/>
+                    <a:p>
+                      <a:pPr algn="ctr" fontAlgn="b"/>
+                      <a:r>
+                        <a:rPr lang="en-US" sz="1400" u="none" strike="noStrike">
+                          <a:effectLst/>
+                        </a:rPr>
+                        <a:t>geo(dW, z)</a:t>
+                      </a:r>
+                      <a:endParaRPr lang="en-US" sz="1400" b="0" i="0" u="none" strike="noStrike">
+                        <a:solidFill>
+                          <a:srgbClr val="000000"/>
+                        </a:solidFill>
+                        <a:effectLst/>
+                        <a:latin typeface="Calibri" panose="020F0502020204030204" pitchFamily="34" charset="0"/>
+                      </a:endParaRPr>
+                    </a:p>
+                  </a:txBody>
+                  <a:tcPr marL="7620" marR="7620" marT="7620" marB="0" anchor="b"/>
+                </a:tc>
+                <a:tc>
+                  <a:txBody>
+                    <a:bodyPr/>
+                    <a:lstStyle/>
+                    <a:p>
+                      <a:pPr algn="ctr" fontAlgn="b"/>
+                      <a:r>
+                        <a:rPr lang="en-US" sz="1400" u="none" strike="noStrike">
+                          <a:effectLst/>
+                        </a:rPr>
+                        <a:t>SNR1</a:t>
+                      </a:r>
+                      <a:endParaRPr lang="en-US" sz="1400" b="0" i="0" u="none" strike="noStrike">
+                        <a:solidFill>
+                          <a:srgbClr val="000000"/>
+                        </a:solidFill>
+                        <a:effectLst/>
+                        <a:latin typeface="Calibri" panose="020F0502020204030204" pitchFamily="34" charset="0"/>
+                      </a:endParaRPr>
+                    </a:p>
+                  </a:txBody>
+                  <a:tcPr marL="7620" marR="7620" marT="7620" marB="0" anchor="b"/>
+                </a:tc>
+                <a:tc>
+                  <a:txBody>
+                    <a:bodyPr/>
+                    <a:lstStyle/>
+                    <a:p>
+                      <a:pPr algn="ctr" fontAlgn="b"/>
+                      <a:r>
+                        <a:rPr lang="en-US" sz="1400" u="none" strike="noStrike">
+                          <a:effectLst/>
+                        </a:rPr>
+                        <a:t>SNR2</a:t>
+                      </a:r>
+                      <a:endParaRPr lang="en-US" sz="1400" b="0" i="0" u="none" strike="noStrike">
+                        <a:solidFill>
+                          <a:srgbClr val="000000"/>
+                        </a:solidFill>
+                        <a:effectLst/>
+                        <a:latin typeface="Calibri" panose="020F0502020204030204" pitchFamily="34" charset="0"/>
+                      </a:endParaRPr>
+                    </a:p>
+                  </a:txBody>
+                  <a:tcPr marL="7620" marR="7620" marT="7620" marB="0" anchor="b"/>
+                </a:tc>
+                <a:extLst>
+                  <a:ext uri="{0D108BD9-81ED-4DB2-BD59-A6C34878D82A}">
+                    <a16:rowId xmlns:a16="http://schemas.microsoft.com/office/drawing/2014/main" val="3287283656"/>
+                  </a:ext>
+                </a:extLst>
+              </a:tr>
+              <a:tr h="182880">
+                <a:tc>
+                  <a:txBody>
+                    <a:bodyPr/>
+                    <a:lstStyle/>
+                    <a:p>
+                      <a:pPr algn="ctr" fontAlgn="b"/>
+                      <a:r>
+                        <a:rPr lang="en-US" sz="1400" u="none" strike="noStrike">
+                          <a:effectLst/>
+                        </a:rPr>
+                        <a:t>(100, 500)</a:t>
+                      </a:r>
+                      <a:endParaRPr lang="en-US" sz="1400" b="0" i="0" u="none" strike="noStrike">
+                        <a:solidFill>
+                          <a:srgbClr val="000000"/>
+                        </a:solidFill>
+                        <a:effectLst/>
+                        <a:latin typeface="Calibri" panose="020F0502020204030204" pitchFamily="34" charset="0"/>
+                      </a:endParaRPr>
+                    </a:p>
+                  </a:txBody>
+                  <a:tcPr marL="7620" marR="7620" marT="7620" marB="0" anchor="b"/>
+                </a:tc>
+                <a:tc>
+                  <a:txBody>
+                    <a:bodyPr/>
+                    <a:lstStyle/>
+                    <a:p>
+                      <a:pPr algn="ctr" fontAlgn="b"/>
+                      <a:r>
+                        <a:rPr lang="en-US" sz="1400" u="none" strike="noStrike">
+                          <a:effectLst/>
+                        </a:rPr>
+                        <a:t>5.230854</a:t>
+                      </a:r>
+                      <a:endParaRPr lang="en-US" sz="1400" b="0" i="0" u="none" strike="noStrike">
+                        <a:solidFill>
+                          <a:srgbClr val="000000"/>
+                        </a:solidFill>
+                        <a:effectLst/>
+                        <a:latin typeface="Calibri" panose="020F0502020204030204" pitchFamily="34" charset="0"/>
+                      </a:endParaRPr>
+                    </a:p>
+                  </a:txBody>
+                  <a:tcPr marL="7620" marR="7620" marT="7620" marB="0" anchor="b"/>
+                </a:tc>
+                <a:tc>
+                  <a:txBody>
+                    <a:bodyPr/>
+                    <a:lstStyle/>
+                    <a:p>
+                      <a:pPr algn="ctr" fontAlgn="b"/>
+                      <a:r>
+                        <a:rPr lang="en-US" sz="1400" u="none" strike="noStrike">
+                          <a:effectLst/>
+                        </a:rPr>
+                        <a:t>9.501583</a:t>
+                      </a:r>
+                      <a:endParaRPr lang="en-US" sz="1400" b="0" i="0" u="none" strike="noStrike">
+                        <a:solidFill>
+                          <a:srgbClr val="000000"/>
+                        </a:solidFill>
+                        <a:effectLst/>
+                        <a:latin typeface="Calibri" panose="020F0502020204030204" pitchFamily="34" charset="0"/>
+                      </a:endParaRPr>
+                    </a:p>
+                  </a:txBody>
+                  <a:tcPr marL="7620" marR="7620" marT="7620" marB="0" anchor="b"/>
+                </a:tc>
+                <a:extLst>
+                  <a:ext uri="{0D108BD9-81ED-4DB2-BD59-A6C34878D82A}">
+                    <a16:rowId xmlns:a16="http://schemas.microsoft.com/office/drawing/2014/main" val="3126923909"/>
+                  </a:ext>
+                </a:extLst>
+              </a:tr>
+              <a:tr h="182880">
+                <a:tc>
+                  <a:txBody>
+                    <a:bodyPr/>
+                    <a:lstStyle/>
+                    <a:p>
+                      <a:pPr algn="ctr" fontAlgn="b"/>
+                      <a:r>
+                        <a:rPr lang="en-US" sz="1400" u="none" strike="noStrike">
+                          <a:effectLst/>
+                        </a:rPr>
+                        <a:t>(100, 400)</a:t>
+                      </a:r>
+                      <a:endParaRPr lang="en-US" sz="1400" b="0" i="0" u="none" strike="noStrike">
+                        <a:solidFill>
+                          <a:srgbClr val="000000"/>
+                        </a:solidFill>
+                        <a:effectLst/>
+                        <a:latin typeface="Calibri" panose="020F0502020204030204" pitchFamily="34" charset="0"/>
+                      </a:endParaRPr>
+                    </a:p>
+                  </a:txBody>
+                  <a:tcPr marL="7620" marR="7620" marT="7620" marB="0" anchor="b"/>
+                </a:tc>
+                <a:tc>
+                  <a:txBody>
+                    <a:bodyPr/>
+                    <a:lstStyle/>
+                    <a:p>
+                      <a:pPr algn="ctr" fontAlgn="b"/>
+                      <a:r>
+                        <a:rPr lang="en-US" sz="1400" u="none" strike="noStrike">
+                          <a:effectLst/>
+                        </a:rPr>
+                        <a:t>8.813588</a:t>
+                      </a:r>
+                      <a:endParaRPr lang="en-US" sz="1400" b="0" i="0" u="none" strike="noStrike">
+                        <a:solidFill>
+                          <a:srgbClr val="000000"/>
+                        </a:solidFill>
+                        <a:effectLst/>
+                        <a:latin typeface="Calibri" panose="020F0502020204030204" pitchFamily="34" charset="0"/>
+                      </a:endParaRPr>
+                    </a:p>
+                  </a:txBody>
+                  <a:tcPr marL="7620" marR="7620" marT="7620" marB="0" anchor="b"/>
+                </a:tc>
+                <a:tc>
+                  <a:txBody>
+                    <a:bodyPr/>
+                    <a:lstStyle/>
+                    <a:p>
+                      <a:pPr algn="ctr" fontAlgn="b"/>
+                      <a:r>
+                        <a:rPr lang="en-US" sz="1400" u="none" strike="noStrike">
+                          <a:effectLst/>
+                        </a:rPr>
+                        <a:t>12.28174</a:t>
+                      </a:r>
+                      <a:endParaRPr lang="en-US" sz="1400" b="0" i="0" u="none" strike="noStrike">
+                        <a:solidFill>
+                          <a:srgbClr val="000000"/>
+                        </a:solidFill>
+                        <a:effectLst/>
+                        <a:latin typeface="Calibri" panose="020F0502020204030204" pitchFamily="34" charset="0"/>
+                      </a:endParaRPr>
+                    </a:p>
+                  </a:txBody>
+                  <a:tcPr marL="7620" marR="7620" marT="7620" marB="0" anchor="b"/>
+                </a:tc>
+                <a:extLst>
+                  <a:ext uri="{0D108BD9-81ED-4DB2-BD59-A6C34878D82A}">
+                    <a16:rowId xmlns:a16="http://schemas.microsoft.com/office/drawing/2014/main" val="1337033130"/>
+                  </a:ext>
+                </a:extLst>
+              </a:tr>
+              <a:tr h="182880">
+                <a:tc>
+                  <a:txBody>
+                    <a:bodyPr/>
+                    <a:lstStyle/>
+                    <a:p>
+                      <a:pPr algn="ctr" fontAlgn="b"/>
+                      <a:r>
+                        <a:rPr lang="en-US" sz="1400" u="none" strike="noStrike">
+                          <a:effectLst/>
+                        </a:rPr>
+                        <a:t>(100, 300)</a:t>
+                      </a:r>
+                      <a:endParaRPr lang="en-US" sz="1400" b="0" i="0" u="none" strike="noStrike">
+                        <a:solidFill>
+                          <a:srgbClr val="000000"/>
+                        </a:solidFill>
+                        <a:effectLst/>
+                        <a:latin typeface="Calibri" panose="020F0502020204030204" pitchFamily="34" charset="0"/>
+                      </a:endParaRPr>
+                    </a:p>
+                  </a:txBody>
+                  <a:tcPr marL="7620" marR="7620" marT="7620" marB="0" anchor="b"/>
+                </a:tc>
+                <a:tc>
+                  <a:txBody>
+                    <a:bodyPr/>
+                    <a:lstStyle/>
+                    <a:p>
+                      <a:pPr algn="ctr" fontAlgn="b"/>
+                      <a:r>
+                        <a:rPr lang="en-US" sz="1400" u="none" strike="noStrike">
+                          <a:effectLst/>
+                        </a:rPr>
+                        <a:t>10.72091</a:t>
+                      </a:r>
+                      <a:endParaRPr lang="en-US" sz="1400" b="0" i="0" u="none" strike="noStrike">
+                        <a:solidFill>
+                          <a:srgbClr val="000000"/>
+                        </a:solidFill>
+                        <a:effectLst/>
+                        <a:latin typeface="Calibri" panose="020F0502020204030204" pitchFamily="34" charset="0"/>
+                      </a:endParaRPr>
+                    </a:p>
+                  </a:txBody>
+                  <a:tcPr marL="7620" marR="7620" marT="7620" marB="0" anchor="b"/>
+                </a:tc>
+                <a:tc>
+                  <a:txBody>
+                    <a:bodyPr/>
+                    <a:lstStyle/>
+                    <a:p>
+                      <a:pPr algn="ctr" fontAlgn="b"/>
+                      <a:r>
+                        <a:rPr lang="en-US" sz="1400" u="none" strike="noStrike" dirty="0">
+                          <a:effectLst/>
+                        </a:rPr>
+                        <a:t>19.95063</a:t>
+                      </a:r>
+                      <a:endParaRPr lang="en-US" sz="1400" b="0" i="0" u="none" strike="noStrike" dirty="0">
+                        <a:solidFill>
+                          <a:srgbClr val="000000"/>
+                        </a:solidFill>
+                        <a:effectLst/>
+                        <a:latin typeface="Calibri" panose="020F0502020204030204" pitchFamily="34" charset="0"/>
+                      </a:endParaRPr>
+                    </a:p>
+                  </a:txBody>
+                  <a:tcPr marL="7620" marR="7620" marT="7620" marB="0" anchor="b"/>
+                </a:tc>
+                <a:extLst>
+                  <a:ext uri="{0D108BD9-81ED-4DB2-BD59-A6C34878D82A}">
+                    <a16:rowId xmlns:a16="http://schemas.microsoft.com/office/drawing/2014/main" val="477668571"/>
+                  </a:ext>
+                </a:extLst>
+              </a:tr>
+              <a:tr h="182880">
+                <a:tc>
+                  <a:txBody>
+                    <a:bodyPr/>
+                    <a:lstStyle/>
+                    <a:p>
+                      <a:pPr algn="ctr" fontAlgn="b"/>
+                      <a:r>
+                        <a:rPr lang="en-US" sz="1400" u="none" strike="noStrike">
+                          <a:effectLst/>
+                        </a:rPr>
+                        <a:t>(100, 200)</a:t>
+                      </a:r>
+                      <a:endParaRPr lang="en-US" sz="1400" b="0" i="0" u="none" strike="noStrike">
+                        <a:solidFill>
+                          <a:srgbClr val="000000"/>
+                        </a:solidFill>
+                        <a:effectLst/>
+                        <a:latin typeface="Calibri" panose="020F0502020204030204" pitchFamily="34" charset="0"/>
+                      </a:endParaRPr>
+                    </a:p>
+                  </a:txBody>
+                  <a:tcPr marL="7620" marR="7620" marT="7620" marB="0" anchor="b"/>
+                </a:tc>
+                <a:tc>
+                  <a:txBody>
+                    <a:bodyPr/>
+                    <a:lstStyle/>
+                    <a:p>
+                      <a:pPr algn="ctr" fontAlgn="b"/>
+                      <a:r>
+                        <a:rPr lang="en-US" sz="1400" u="none" strike="noStrike">
+                          <a:effectLst/>
+                        </a:rPr>
+                        <a:t>3.825239</a:t>
+                      </a:r>
+                      <a:endParaRPr lang="en-US" sz="1400" b="0" i="0" u="none" strike="noStrike">
+                        <a:solidFill>
+                          <a:srgbClr val="000000"/>
+                        </a:solidFill>
+                        <a:effectLst/>
+                        <a:latin typeface="Calibri" panose="020F0502020204030204" pitchFamily="34" charset="0"/>
+                      </a:endParaRPr>
+                    </a:p>
+                  </a:txBody>
+                  <a:tcPr marL="7620" marR="7620" marT="7620" marB="0" anchor="b"/>
+                </a:tc>
+                <a:tc>
+                  <a:txBody>
+                    <a:bodyPr/>
+                    <a:lstStyle/>
+                    <a:p>
+                      <a:pPr algn="ctr" fontAlgn="b"/>
+                      <a:r>
+                        <a:rPr lang="en-US" sz="1400" u="none" strike="noStrike">
+                          <a:effectLst/>
+                        </a:rPr>
+                        <a:t>6.940816</a:t>
+                      </a:r>
+                      <a:endParaRPr lang="en-US" sz="1400" b="0" i="0" u="none" strike="noStrike">
+                        <a:solidFill>
+                          <a:srgbClr val="000000"/>
+                        </a:solidFill>
+                        <a:effectLst/>
+                        <a:latin typeface="Calibri" panose="020F0502020204030204" pitchFamily="34" charset="0"/>
+                      </a:endParaRPr>
+                    </a:p>
+                  </a:txBody>
+                  <a:tcPr marL="7620" marR="7620" marT="7620" marB="0" anchor="b"/>
+                </a:tc>
+                <a:extLst>
+                  <a:ext uri="{0D108BD9-81ED-4DB2-BD59-A6C34878D82A}">
+                    <a16:rowId xmlns:a16="http://schemas.microsoft.com/office/drawing/2014/main" val="2020086825"/>
+                  </a:ext>
+                </a:extLst>
+              </a:tr>
+              <a:tr h="182880">
+                <a:tc>
+                  <a:txBody>
+                    <a:bodyPr/>
+                    <a:lstStyle/>
+                    <a:p>
+                      <a:pPr algn="ctr" fontAlgn="b"/>
+                      <a:r>
+                        <a:rPr lang="en-US" sz="1400" u="none" strike="noStrike">
+                          <a:effectLst/>
+                        </a:rPr>
+                        <a:t>(100, 150)</a:t>
+                      </a:r>
+                      <a:endParaRPr lang="en-US" sz="1400" b="0" i="0" u="none" strike="noStrike">
+                        <a:solidFill>
+                          <a:srgbClr val="000000"/>
+                        </a:solidFill>
+                        <a:effectLst/>
+                        <a:latin typeface="Calibri" panose="020F0502020204030204" pitchFamily="34" charset="0"/>
+                      </a:endParaRPr>
+                    </a:p>
+                  </a:txBody>
+                  <a:tcPr marL="7620" marR="7620" marT="7620" marB="0" anchor="b"/>
+                </a:tc>
+                <a:tc>
+                  <a:txBody>
+                    <a:bodyPr/>
+                    <a:lstStyle/>
+                    <a:p>
+                      <a:pPr algn="ctr" fontAlgn="b"/>
+                      <a:r>
+                        <a:rPr lang="en-US" sz="1400" u="none" strike="noStrike">
+                          <a:effectLst/>
+                        </a:rPr>
+                        <a:t>2.842322</a:t>
+                      </a:r>
+                      <a:endParaRPr lang="en-US" sz="1400" b="0" i="0" u="none" strike="noStrike">
+                        <a:solidFill>
+                          <a:srgbClr val="000000"/>
+                        </a:solidFill>
+                        <a:effectLst/>
+                        <a:latin typeface="Calibri" panose="020F0502020204030204" pitchFamily="34" charset="0"/>
+                      </a:endParaRPr>
+                    </a:p>
+                  </a:txBody>
+                  <a:tcPr marL="7620" marR="7620" marT="7620" marB="0" anchor="b"/>
+                </a:tc>
+                <a:tc>
+                  <a:txBody>
+                    <a:bodyPr/>
+                    <a:lstStyle/>
+                    <a:p>
+                      <a:pPr algn="ctr" fontAlgn="b"/>
+                      <a:r>
+                        <a:rPr lang="en-US" sz="1400" u="none" strike="noStrike">
+                          <a:effectLst/>
+                        </a:rPr>
+                        <a:t>4.333135</a:t>
+                      </a:r>
+                      <a:endParaRPr lang="en-US" sz="1400" b="0" i="0" u="none" strike="noStrike">
+                        <a:solidFill>
+                          <a:srgbClr val="000000"/>
+                        </a:solidFill>
+                        <a:effectLst/>
+                        <a:latin typeface="Calibri" panose="020F0502020204030204" pitchFamily="34" charset="0"/>
+                      </a:endParaRPr>
+                    </a:p>
+                  </a:txBody>
+                  <a:tcPr marL="7620" marR="7620" marT="7620" marB="0" anchor="b"/>
+                </a:tc>
+                <a:extLst>
+                  <a:ext uri="{0D108BD9-81ED-4DB2-BD59-A6C34878D82A}">
+                    <a16:rowId xmlns:a16="http://schemas.microsoft.com/office/drawing/2014/main" val="3373146433"/>
+                  </a:ext>
+                </a:extLst>
+              </a:tr>
+              <a:tr h="182880">
+                <a:tc>
+                  <a:txBody>
+                    <a:bodyPr/>
+                    <a:lstStyle/>
+                    <a:p>
+                      <a:pPr algn="ctr" fontAlgn="b"/>
+                      <a:r>
+                        <a:rPr lang="en-US" sz="1400" u="none" strike="noStrike">
+                          <a:effectLst/>
+                        </a:rPr>
+                        <a:t>(100, 100)</a:t>
+                      </a:r>
+                      <a:endParaRPr lang="en-US" sz="1400" b="0" i="0" u="none" strike="noStrike">
+                        <a:solidFill>
+                          <a:srgbClr val="000000"/>
+                        </a:solidFill>
+                        <a:effectLst/>
+                        <a:latin typeface="Calibri" panose="020F0502020204030204" pitchFamily="34" charset="0"/>
+                      </a:endParaRPr>
+                    </a:p>
+                  </a:txBody>
+                  <a:tcPr marL="7620" marR="7620" marT="7620" marB="0" anchor="b"/>
+                </a:tc>
+                <a:tc>
+                  <a:txBody>
+                    <a:bodyPr/>
+                    <a:lstStyle/>
+                    <a:p>
+                      <a:pPr algn="ctr" fontAlgn="b"/>
+                      <a:r>
+                        <a:rPr lang="en-US" sz="1400" u="none" strike="noStrike">
+                          <a:effectLst/>
+                        </a:rPr>
+                        <a:t>2.589689</a:t>
+                      </a:r>
+                      <a:endParaRPr lang="en-US" sz="1400" b="0" i="0" u="none" strike="noStrike">
+                        <a:solidFill>
+                          <a:srgbClr val="000000"/>
+                        </a:solidFill>
+                        <a:effectLst/>
+                        <a:latin typeface="Calibri" panose="020F0502020204030204" pitchFamily="34" charset="0"/>
+                      </a:endParaRPr>
+                    </a:p>
+                  </a:txBody>
+                  <a:tcPr marL="7620" marR="7620" marT="7620" marB="0" anchor="b"/>
+                </a:tc>
+                <a:tc>
+                  <a:txBody>
+                    <a:bodyPr/>
+                    <a:lstStyle/>
+                    <a:p>
+                      <a:pPr algn="ctr" fontAlgn="b"/>
+                      <a:r>
+                        <a:rPr lang="en-US" sz="1400" u="none" strike="noStrike">
+                          <a:effectLst/>
+                        </a:rPr>
+                        <a:t>3.343164</a:t>
+                      </a:r>
+                      <a:endParaRPr lang="en-US" sz="1400" b="0" i="0" u="none" strike="noStrike">
+                        <a:solidFill>
+                          <a:srgbClr val="000000"/>
+                        </a:solidFill>
+                        <a:effectLst/>
+                        <a:latin typeface="Calibri" panose="020F0502020204030204" pitchFamily="34" charset="0"/>
+                      </a:endParaRPr>
+                    </a:p>
+                  </a:txBody>
+                  <a:tcPr marL="7620" marR="7620" marT="7620" marB="0" anchor="b"/>
+                </a:tc>
+                <a:extLst>
+                  <a:ext uri="{0D108BD9-81ED-4DB2-BD59-A6C34878D82A}">
+                    <a16:rowId xmlns:a16="http://schemas.microsoft.com/office/drawing/2014/main" val="1607571741"/>
+                  </a:ext>
+                </a:extLst>
+              </a:tr>
+              <a:tr h="182880">
+                <a:tc>
+                  <a:txBody>
+                    <a:bodyPr/>
+                    <a:lstStyle/>
+                    <a:p>
+                      <a:pPr algn="ctr" fontAlgn="b"/>
+                      <a:r>
+                        <a:rPr lang="en-US" sz="1400" u="none" strike="noStrike">
+                          <a:effectLst/>
+                        </a:rPr>
+                        <a:t>(50, 100)</a:t>
+                      </a:r>
+                      <a:endParaRPr lang="en-US" sz="1400" b="0" i="0" u="none" strike="noStrike">
+                        <a:solidFill>
+                          <a:srgbClr val="000000"/>
+                        </a:solidFill>
+                        <a:effectLst/>
+                        <a:latin typeface="Calibri" panose="020F0502020204030204" pitchFamily="34" charset="0"/>
+                      </a:endParaRPr>
+                    </a:p>
+                  </a:txBody>
+                  <a:tcPr marL="7620" marR="7620" marT="7620" marB="0" anchor="b"/>
+                </a:tc>
+                <a:tc>
+                  <a:txBody>
+                    <a:bodyPr/>
+                    <a:lstStyle/>
+                    <a:p>
+                      <a:pPr algn="ctr" fontAlgn="b"/>
+                      <a:r>
+                        <a:rPr lang="en-US" sz="1400" u="none" strike="noStrike">
+                          <a:effectLst/>
+                        </a:rPr>
+                        <a:t>20.59093</a:t>
+                      </a:r>
+                      <a:endParaRPr lang="en-US" sz="1400" b="0" i="0" u="none" strike="noStrike">
+                        <a:solidFill>
+                          <a:srgbClr val="000000"/>
+                        </a:solidFill>
+                        <a:effectLst/>
+                        <a:latin typeface="Calibri" panose="020F0502020204030204" pitchFamily="34" charset="0"/>
+                      </a:endParaRPr>
+                    </a:p>
+                  </a:txBody>
+                  <a:tcPr marL="7620" marR="7620" marT="7620" marB="0" anchor="b"/>
+                </a:tc>
+                <a:tc>
+                  <a:txBody>
+                    <a:bodyPr/>
+                    <a:lstStyle/>
+                    <a:p>
+                      <a:pPr algn="ctr" fontAlgn="b"/>
+                      <a:r>
+                        <a:rPr lang="en-US" sz="1400" u="none" strike="noStrike">
+                          <a:effectLst/>
+                        </a:rPr>
+                        <a:t>20.59093</a:t>
+                      </a:r>
+                      <a:endParaRPr lang="en-US" sz="1400" b="0" i="0" u="none" strike="noStrike">
+                        <a:solidFill>
+                          <a:srgbClr val="000000"/>
+                        </a:solidFill>
+                        <a:effectLst/>
+                        <a:latin typeface="Calibri" panose="020F0502020204030204" pitchFamily="34" charset="0"/>
+                      </a:endParaRPr>
+                    </a:p>
+                  </a:txBody>
+                  <a:tcPr marL="7620" marR="7620" marT="7620" marB="0" anchor="b"/>
+                </a:tc>
+                <a:extLst>
+                  <a:ext uri="{0D108BD9-81ED-4DB2-BD59-A6C34878D82A}">
+                    <a16:rowId xmlns:a16="http://schemas.microsoft.com/office/drawing/2014/main" val="3267633569"/>
+                  </a:ext>
+                </a:extLst>
+              </a:tr>
+              <a:tr h="182880">
+                <a:tc>
+                  <a:txBody>
+                    <a:bodyPr/>
+                    <a:lstStyle/>
+                    <a:p>
+                      <a:pPr algn="ctr" fontAlgn="b"/>
+                      <a:r>
+                        <a:rPr lang="en-US" sz="1400" u="none" strike="noStrike">
+                          <a:solidFill>
+                            <a:srgbClr val="FF0000"/>
+                          </a:solidFill>
+                          <a:effectLst/>
+                        </a:rPr>
+                        <a:t>(50, 200)</a:t>
+                      </a:r>
+                      <a:endParaRPr lang="en-US" sz="1400" b="0" i="0" u="none" strike="noStrike">
+                        <a:solidFill>
+                          <a:srgbClr val="FF0000"/>
+                        </a:solidFill>
+                        <a:effectLst/>
+                        <a:latin typeface="Calibri" panose="020F0502020204030204" pitchFamily="34" charset="0"/>
+                      </a:endParaRPr>
+                    </a:p>
+                  </a:txBody>
+                  <a:tcPr marL="7620" marR="7620" marT="7620" marB="0" anchor="b"/>
+                </a:tc>
+                <a:tc>
+                  <a:txBody>
+                    <a:bodyPr/>
+                    <a:lstStyle/>
+                    <a:p>
+                      <a:pPr algn="ctr" fontAlgn="b"/>
+                      <a:r>
+                        <a:rPr lang="en-US" sz="1400" u="none" strike="noStrike">
+                          <a:solidFill>
+                            <a:srgbClr val="FF0000"/>
+                          </a:solidFill>
+                          <a:effectLst/>
+                        </a:rPr>
+                        <a:t>10.50655</a:t>
+                      </a:r>
+                      <a:endParaRPr lang="en-US" sz="1400" b="0" i="0" u="none" strike="noStrike">
+                        <a:solidFill>
+                          <a:srgbClr val="FF0000"/>
+                        </a:solidFill>
+                        <a:effectLst/>
+                        <a:latin typeface="Calibri" panose="020F0502020204030204" pitchFamily="34" charset="0"/>
+                      </a:endParaRPr>
+                    </a:p>
+                  </a:txBody>
+                  <a:tcPr marL="7620" marR="7620" marT="7620" marB="0" anchor="b"/>
+                </a:tc>
+                <a:tc>
+                  <a:txBody>
+                    <a:bodyPr/>
+                    <a:lstStyle/>
+                    <a:p>
+                      <a:pPr algn="ctr" fontAlgn="b"/>
+                      <a:r>
+                        <a:rPr lang="en-US" sz="1400" u="none" strike="noStrike" dirty="0">
+                          <a:solidFill>
+                            <a:srgbClr val="FF0000"/>
+                          </a:solidFill>
+                          <a:effectLst/>
+                        </a:rPr>
+                        <a:t>20.9842</a:t>
+                      </a:r>
+                      <a:endParaRPr lang="en-US" sz="1400" b="0" i="0" u="none" strike="noStrike" dirty="0">
+                        <a:solidFill>
+                          <a:srgbClr val="FF0000"/>
+                        </a:solidFill>
+                        <a:effectLst/>
+                        <a:latin typeface="Calibri" panose="020F0502020204030204" pitchFamily="34" charset="0"/>
+                      </a:endParaRPr>
+                    </a:p>
+                  </a:txBody>
+                  <a:tcPr marL="7620" marR="7620" marT="7620" marB="0" anchor="b"/>
+                </a:tc>
+                <a:extLst>
+                  <a:ext uri="{0D108BD9-81ED-4DB2-BD59-A6C34878D82A}">
+                    <a16:rowId xmlns:a16="http://schemas.microsoft.com/office/drawing/2014/main" val="2716383486"/>
+                  </a:ext>
+                </a:extLst>
+              </a:tr>
+              <a:tr h="182880">
+                <a:tc>
+                  <a:txBody>
+                    <a:bodyPr/>
+                    <a:lstStyle/>
+                    <a:p>
+                      <a:pPr algn="ctr" fontAlgn="b"/>
+                      <a:r>
+                        <a:rPr lang="en-US" sz="1400" u="none" strike="noStrike">
+                          <a:solidFill>
+                            <a:srgbClr val="FF0000"/>
+                          </a:solidFill>
+                          <a:effectLst/>
+                        </a:rPr>
+                        <a:t>(50, 300)</a:t>
+                      </a:r>
+                      <a:endParaRPr lang="en-US" sz="1400" b="0" i="0" u="none" strike="noStrike">
+                        <a:solidFill>
+                          <a:srgbClr val="FF0000"/>
+                        </a:solidFill>
+                        <a:effectLst/>
+                        <a:latin typeface="Calibri" panose="020F0502020204030204" pitchFamily="34" charset="0"/>
+                      </a:endParaRPr>
+                    </a:p>
+                  </a:txBody>
+                  <a:tcPr marL="7620" marR="7620" marT="7620" marB="0" anchor="b"/>
+                </a:tc>
+                <a:tc>
+                  <a:txBody>
+                    <a:bodyPr/>
+                    <a:lstStyle/>
+                    <a:p>
+                      <a:pPr algn="ctr" fontAlgn="b"/>
+                      <a:r>
+                        <a:rPr lang="en-US" sz="1400" u="none" strike="noStrike">
+                          <a:solidFill>
+                            <a:srgbClr val="FF0000"/>
+                          </a:solidFill>
+                          <a:effectLst/>
+                        </a:rPr>
+                        <a:t>1.739372</a:t>
+                      </a:r>
+                      <a:endParaRPr lang="en-US" sz="1400" b="0" i="0" u="none" strike="noStrike">
+                        <a:solidFill>
+                          <a:srgbClr val="FF0000"/>
+                        </a:solidFill>
+                        <a:effectLst/>
+                        <a:latin typeface="Calibri" panose="020F0502020204030204" pitchFamily="34" charset="0"/>
+                      </a:endParaRPr>
+                    </a:p>
+                  </a:txBody>
+                  <a:tcPr marL="7620" marR="7620" marT="7620" marB="0" anchor="b"/>
+                </a:tc>
+                <a:tc>
+                  <a:txBody>
+                    <a:bodyPr/>
+                    <a:lstStyle/>
+                    <a:p>
+                      <a:pPr algn="ctr" fontAlgn="b"/>
+                      <a:r>
+                        <a:rPr lang="en-US" sz="1400" u="none" strike="noStrike" dirty="0">
+                          <a:solidFill>
+                            <a:srgbClr val="FF0000"/>
+                          </a:solidFill>
+                          <a:effectLst/>
+                        </a:rPr>
+                        <a:t>1.879376</a:t>
+                      </a:r>
+                      <a:endParaRPr lang="en-US" sz="1400" b="0" i="0" u="none" strike="noStrike" dirty="0">
+                        <a:solidFill>
+                          <a:srgbClr val="FF0000"/>
+                        </a:solidFill>
+                        <a:effectLst/>
+                        <a:latin typeface="Calibri" panose="020F0502020204030204" pitchFamily="34" charset="0"/>
+                      </a:endParaRPr>
+                    </a:p>
+                  </a:txBody>
+                  <a:tcPr marL="7620" marR="7620" marT="7620" marB="0" anchor="b"/>
+                </a:tc>
+                <a:extLst>
+                  <a:ext uri="{0D108BD9-81ED-4DB2-BD59-A6C34878D82A}">
+                    <a16:rowId xmlns:a16="http://schemas.microsoft.com/office/drawing/2014/main" val="806387851"/>
+                  </a:ext>
+                </a:extLst>
+              </a:tr>
+              <a:tr h="182880">
+                <a:tc>
+                  <a:txBody>
+                    <a:bodyPr/>
+                    <a:lstStyle/>
+                    <a:p>
+                      <a:pPr algn="ctr" fontAlgn="b"/>
+                      <a:r>
+                        <a:rPr lang="en-US" sz="1400" u="none" strike="noStrike">
+                          <a:effectLst/>
+                        </a:rPr>
+                        <a:t>(50, 400)</a:t>
+                      </a:r>
+                      <a:endParaRPr lang="en-US" sz="1400" b="0" i="0" u="none" strike="noStrike">
+                        <a:solidFill>
+                          <a:srgbClr val="000000"/>
+                        </a:solidFill>
+                        <a:effectLst/>
+                        <a:latin typeface="Calibri" panose="020F0502020204030204" pitchFamily="34" charset="0"/>
+                      </a:endParaRPr>
+                    </a:p>
+                  </a:txBody>
+                  <a:tcPr marL="7620" marR="7620" marT="7620" marB="0" anchor="b"/>
+                </a:tc>
+                <a:tc>
+                  <a:txBody>
+                    <a:bodyPr/>
+                    <a:lstStyle/>
+                    <a:p>
+                      <a:pPr algn="ctr" fontAlgn="b"/>
+                      <a:r>
+                        <a:rPr lang="en-US" sz="1400" u="none" strike="noStrike">
+                          <a:effectLst/>
+                        </a:rPr>
+                        <a:t>2.168125</a:t>
+                      </a:r>
+                      <a:endParaRPr lang="en-US" sz="1400" b="0" i="0" u="none" strike="noStrike">
+                        <a:solidFill>
+                          <a:srgbClr val="000000"/>
+                        </a:solidFill>
+                        <a:effectLst/>
+                        <a:latin typeface="Calibri" panose="020F0502020204030204" pitchFamily="34" charset="0"/>
+                      </a:endParaRPr>
+                    </a:p>
+                  </a:txBody>
+                  <a:tcPr marL="7620" marR="7620" marT="7620" marB="0" anchor="b"/>
+                </a:tc>
+                <a:tc>
+                  <a:txBody>
+                    <a:bodyPr/>
+                    <a:lstStyle/>
+                    <a:p>
+                      <a:pPr algn="ctr" fontAlgn="b"/>
+                      <a:r>
+                        <a:rPr lang="en-US" sz="1400" u="none" strike="noStrike" dirty="0">
+                          <a:effectLst/>
+                        </a:rPr>
+                        <a:t>3.138544</a:t>
+                      </a:r>
+                      <a:endParaRPr lang="en-US" sz="1400" b="0" i="0" u="none" strike="noStrike" dirty="0">
+                        <a:solidFill>
+                          <a:srgbClr val="000000"/>
+                        </a:solidFill>
+                        <a:effectLst/>
+                        <a:latin typeface="Calibri" panose="020F0502020204030204" pitchFamily="34" charset="0"/>
+                      </a:endParaRPr>
+                    </a:p>
+                  </a:txBody>
+                  <a:tcPr marL="7620" marR="7620" marT="7620" marB="0" anchor="b"/>
+                </a:tc>
+                <a:extLst>
+                  <a:ext uri="{0D108BD9-81ED-4DB2-BD59-A6C34878D82A}">
+                    <a16:rowId xmlns:a16="http://schemas.microsoft.com/office/drawing/2014/main" val="2192456765"/>
+                  </a:ext>
+                </a:extLst>
+              </a:tr>
+              <a:tr h="182880">
+                <a:tc>
+                  <a:txBody>
+                    <a:bodyPr/>
+                    <a:lstStyle/>
+                    <a:p>
+                      <a:pPr algn="ctr" fontAlgn="b"/>
+                      <a:r>
+                        <a:rPr lang="en-US" sz="1400" u="none" strike="noStrike">
+                          <a:effectLst/>
+                        </a:rPr>
+                        <a:t>(50, 500)</a:t>
+                      </a:r>
+                      <a:endParaRPr lang="en-US" sz="1400" b="0" i="0" u="none" strike="noStrike">
+                        <a:solidFill>
+                          <a:srgbClr val="000000"/>
+                        </a:solidFill>
+                        <a:effectLst/>
+                        <a:latin typeface="Calibri" panose="020F0502020204030204" pitchFamily="34" charset="0"/>
+                      </a:endParaRPr>
+                    </a:p>
+                  </a:txBody>
+                  <a:tcPr marL="7620" marR="7620" marT="7620" marB="0" anchor="b"/>
+                </a:tc>
+                <a:tc>
+                  <a:txBody>
+                    <a:bodyPr/>
+                    <a:lstStyle/>
+                    <a:p>
+                      <a:pPr algn="ctr" fontAlgn="b"/>
+                      <a:r>
+                        <a:rPr lang="en-US" sz="1400" u="none" strike="noStrike">
+                          <a:effectLst/>
+                        </a:rPr>
+                        <a:t>7.913782</a:t>
+                      </a:r>
+                      <a:endParaRPr lang="en-US" sz="1400" b="0" i="0" u="none" strike="noStrike">
+                        <a:solidFill>
+                          <a:srgbClr val="000000"/>
+                        </a:solidFill>
+                        <a:effectLst/>
+                        <a:latin typeface="Calibri" panose="020F0502020204030204" pitchFamily="34" charset="0"/>
+                      </a:endParaRPr>
+                    </a:p>
+                  </a:txBody>
+                  <a:tcPr marL="7620" marR="7620" marT="7620" marB="0" anchor="b"/>
+                </a:tc>
+                <a:tc>
+                  <a:txBody>
+                    <a:bodyPr/>
+                    <a:lstStyle/>
+                    <a:p>
+                      <a:pPr algn="ctr" fontAlgn="b"/>
+                      <a:r>
+                        <a:rPr lang="en-US" sz="1400" u="none" strike="noStrike" dirty="0">
+                          <a:effectLst/>
+                        </a:rPr>
+                        <a:t>8.557932</a:t>
+                      </a:r>
+                      <a:endParaRPr lang="en-US" sz="1400" b="0" i="0" u="none" strike="noStrike" dirty="0">
+                        <a:solidFill>
+                          <a:srgbClr val="000000"/>
+                        </a:solidFill>
+                        <a:effectLst/>
+                        <a:latin typeface="Calibri" panose="020F0502020204030204" pitchFamily="34" charset="0"/>
+                      </a:endParaRPr>
+                    </a:p>
+                  </a:txBody>
+                  <a:tcPr marL="7620" marR="7620" marT="7620" marB="0" anchor="b"/>
+                </a:tc>
+                <a:extLst>
+                  <a:ext uri="{0D108BD9-81ED-4DB2-BD59-A6C34878D82A}">
+                    <a16:rowId xmlns:a16="http://schemas.microsoft.com/office/drawing/2014/main" val="3160349788"/>
+                  </a:ext>
+                </a:extLst>
+              </a:tr>
+            </a:tbl>
+          </a:graphicData>
+        </a:graphic>
+      </p:graphicFrame>
+      <p:grpSp>
+        <p:nvGrpSpPr>
+          <p:cNvPr id="19" name="Group 18">
+            <a:extLst>
+              <a:ext uri="{FF2B5EF4-FFF2-40B4-BE49-F238E27FC236}">
+                <a16:creationId xmlns:a16="http://schemas.microsoft.com/office/drawing/2014/main" id="{F98EDF1B-3B57-46F3-88E9-C6371636802A}"/>
+              </a:ext>
+            </a:extLst>
+          </p:cNvPr>
+          <p:cNvGrpSpPr/>
+          <p:nvPr/>
+        </p:nvGrpSpPr>
+        <p:grpSpPr>
+          <a:xfrm>
+            <a:off x="4947198" y="2165478"/>
+            <a:ext cx="6571361" cy="3288012"/>
+            <a:chOff x="4947198" y="2165478"/>
+            <a:chExt cx="6571361" cy="3288012"/>
+          </a:xfrm>
+        </p:grpSpPr>
+        <p:pic>
+          <p:nvPicPr>
+            <p:cNvPr id="4" name="Picture 3">
+              <a:extLst>
+                <a:ext uri="{FF2B5EF4-FFF2-40B4-BE49-F238E27FC236}">
+                  <a16:creationId xmlns:a16="http://schemas.microsoft.com/office/drawing/2014/main" id="{79486C38-FAC3-4A90-937F-325227D26B63}"/>
+                </a:ext>
+              </a:extLst>
+            </p:cNvPr>
+            <p:cNvPicPr>
+              <a:picLocks noChangeAspect="1"/>
+            </p:cNvPicPr>
+            <p:nvPr/>
+          </p:nvPicPr>
+          <p:blipFill>
+            <a:blip r:embed="rId2"/>
+            <a:stretch>
+              <a:fillRect/>
+            </a:stretch>
+          </p:blipFill>
+          <p:spPr>
+            <a:xfrm>
+              <a:off x="4947198" y="2589640"/>
+              <a:ext cx="3340100" cy="2863850"/>
+            </a:xfrm>
+            <a:prstGeom prst="rect">
+              <a:avLst/>
+            </a:prstGeom>
+          </p:spPr>
+        </p:pic>
+        <p:pic>
+          <p:nvPicPr>
+            <p:cNvPr id="5" name="Picture 4">
+              <a:extLst>
+                <a:ext uri="{FF2B5EF4-FFF2-40B4-BE49-F238E27FC236}">
+                  <a16:creationId xmlns:a16="http://schemas.microsoft.com/office/drawing/2014/main" id="{11C2D4FA-7637-4A78-8B60-102E74E086F8}"/>
+                </a:ext>
+              </a:extLst>
+            </p:cNvPr>
+            <p:cNvPicPr>
+              <a:picLocks noChangeAspect="1"/>
+            </p:cNvPicPr>
+            <p:nvPr/>
+          </p:nvPicPr>
+          <p:blipFill>
+            <a:blip r:embed="rId3"/>
+            <a:stretch>
+              <a:fillRect/>
+            </a:stretch>
+          </p:blipFill>
+          <p:spPr>
+            <a:xfrm>
+              <a:off x="8178459" y="2580976"/>
+              <a:ext cx="3340100" cy="2863850"/>
+            </a:xfrm>
+            <a:prstGeom prst="rect">
+              <a:avLst/>
+            </a:prstGeom>
+          </p:spPr>
+        </p:pic>
+        <p:sp>
+          <p:nvSpPr>
+            <p:cNvPr id="7" name="Rectangle 6">
+              <a:extLst>
+                <a:ext uri="{FF2B5EF4-FFF2-40B4-BE49-F238E27FC236}">
+                  <a16:creationId xmlns:a16="http://schemas.microsoft.com/office/drawing/2014/main" id="{8A7DBD2B-AC6E-4A00-B5D4-C198354AC0B7}"/>
+                </a:ext>
+              </a:extLst>
+            </p:cNvPr>
+            <p:cNvSpPr/>
+            <p:nvPr/>
+          </p:nvSpPr>
+          <p:spPr>
+            <a:xfrm>
+              <a:off x="9179854" y="2165478"/>
+              <a:ext cx="1476587" cy="646331"/>
+            </a:xfrm>
+            <a:prstGeom prst="rect">
+              <a:avLst/>
+            </a:prstGeom>
+          </p:spPr>
+          <p:txBody>
+            <a:bodyPr wrap="square">
+              <a:spAutoFit/>
+            </a:bodyPr>
+            <a:lstStyle/>
+            <a:p>
+              <a:r>
+                <a:rPr lang="en-US" b="1" dirty="0">
+                  <a:solidFill>
+                    <a:srgbClr val="000000"/>
+                  </a:solidFill>
+                  <a:latin typeface="Courier New" panose="02070309020205020404" pitchFamily="49" charset="0"/>
+                </a:rPr>
+                <a:t>Lower SNR</a:t>
+              </a:r>
+            </a:p>
+            <a:p>
+              <a:r>
+                <a:rPr lang="en-US" b="1" dirty="0">
+                  <a:solidFill>
+                    <a:srgbClr val="000000"/>
+                  </a:solidFill>
+                  <a:latin typeface="Courier New" panose="02070309020205020404" pitchFamily="49" charset="0"/>
+                </a:rPr>
+                <a:t>(50, 300)</a:t>
+              </a:r>
+              <a:endParaRPr lang="en-US" b="1" dirty="0">
+                <a:solidFill>
+                  <a:srgbClr val="228B22"/>
+                </a:solidFill>
+                <a:latin typeface="Courier New" panose="02070309020205020404" pitchFamily="49" charset="0"/>
+              </a:endParaRPr>
+            </a:p>
+          </p:txBody>
+        </p:sp>
+        <p:sp>
+          <p:nvSpPr>
+            <p:cNvPr id="13" name="Rectangle 12">
+              <a:extLst>
+                <a:ext uri="{FF2B5EF4-FFF2-40B4-BE49-F238E27FC236}">
+                  <a16:creationId xmlns:a16="http://schemas.microsoft.com/office/drawing/2014/main" id="{CDD0094F-CB3F-4EC1-99F6-674F6F92DE5F}"/>
+                </a:ext>
+              </a:extLst>
+            </p:cNvPr>
+            <p:cNvSpPr/>
+            <p:nvPr/>
+          </p:nvSpPr>
+          <p:spPr>
+            <a:xfrm>
+              <a:off x="5981048" y="2169810"/>
+              <a:ext cx="1821699" cy="646331"/>
+            </a:xfrm>
+            <a:prstGeom prst="rect">
+              <a:avLst/>
+            </a:prstGeom>
+          </p:spPr>
+          <p:txBody>
+            <a:bodyPr wrap="square">
+              <a:spAutoFit/>
+            </a:bodyPr>
+            <a:lstStyle/>
+            <a:p>
+              <a:r>
+                <a:rPr lang="en-US" b="1" dirty="0">
+                  <a:solidFill>
+                    <a:srgbClr val="000000"/>
+                  </a:solidFill>
+                  <a:latin typeface="Courier New" panose="02070309020205020404" pitchFamily="49" charset="0"/>
+                </a:rPr>
+                <a:t>Higher SNR</a:t>
+              </a:r>
+            </a:p>
+            <a:p>
+              <a:r>
+                <a:rPr lang="en-US" b="1" dirty="0">
+                  <a:solidFill>
+                    <a:srgbClr val="000000"/>
+                  </a:solidFill>
+                  <a:latin typeface="Courier New" panose="02070309020205020404" pitchFamily="49" charset="0"/>
+                </a:rPr>
+                <a:t>(50, 200)</a:t>
+              </a:r>
+              <a:endParaRPr lang="en-US" b="1" dirty="0">
+                <a:solidFill>
+                  <a:srgbClr val="228B22"/>
+                </a:solidFill>
+                <a:latin typeface="Courier New" panose="02070309020205020404" pitchFamily="49" charset="0"/>
+              </a:endParaRPr>
+            </a:p>
+          </p:txBody>
+        </p:sp>
+      </p:grpSp>
+      <p:grpSp>
+        <p:nvGrpSpPr>
+          <p:cNvPr id="20" name="Group 19">
+            <a:extLst>
+              <a:ext uri="{FF2B5EF4-FFF2-40B4-BE49-F238E27FC236}">
+                <a16:creationId xmlns:a16="http://schemas.microsoft.com/office/drawing/2014/main" id="{E46A649B-233B-4920-A086-4C6E381642EB}"/>
+              </a:ext>
+            </a:extLst>
+          </p:cNvPr>
+          <p:cNvGrpSpPr/>
+          <p:nvPr/>
+        </p:nvGrpSpPr>
+        <p:grpSpPr>
+          <a:xfrm>
+            <a:off x="893480" y="3809484"/>
+            <a:ext cx="3340100" cy="3048516"/>
+            <a:chOff x="893480" y="3809484"/>
+            <a:chExt cx="3340100" cy="3048516"/>
+          </a:xfrm>
+        </p:grpSpPr>
+        <p:pic>
+          <p:nvPicPr>
+            <p:cNvPr id="6" name="Picture 5">
+              <a:extLst>
+                <a:ext uri="{FF2B5EF4-FFF2-40B4-BE49-F238E27FC236}">
+                  <a16:creationId xmlns:a16="http://schemas.microsoft.com/office/drawing/2014/main" id="{AC631E7E-59EA-4FF1-BFC2-00F42ACB0764}"/>
+                </a:ext>
+              </a:extLst>
+            </p:cNvPr>
+            <p:cNvPicPr>
+              <a:picLocks noChangeAspect="1"/>
+            </p:cNvPicPr>
+            <p:nvPr/>
+          </p:nvPicPr>
+          <p:blipFill>
+            <a:blip r:embed="rId4"/>
+            <a:stretch>
+              <a:fillRect/>
+            </a:stretch>
+          </p:blipFill>
+          <p:spPr>
+            <a:xfrm>
+              <a:off x="893480" y="3994150"/>
+              <a:ext cx="3340100" cy="2863850"/>
+            </a:xfrm>
+            <a:prstGeom prst="rect">
+              <a:avLst/>
+            </a:prstGeom>
+          </p:spPr>
+        </p:pic>
+        <p:sp>
+          <p:nvSpPr>
+            <p:cNvPr id="9" name="Rectangle 8">
+              <a:extLst>
+                <a:ext uri="{FF2B5EF4-FFF2-40B4-BE49-F238E27FC236}">
+                  <a16:creationId xmlns:a16="http://schemas.microsoft.com/office/drawing/2014/main" id="{DAA831C8-0E5F-4FFB-A17F-34D04D865F70}"/>
+                </a:ext>
+              </a:extLst>
+            </p:cNvPr>
+            <p:cNvSpPr/>
+            <p:nvPr/>
+          </p:nvSpPr>
+          <p:spPr>
+            <a:xfrm>
+              <a:off x="2146243" y="3809484"/>
+              <a:ext cx="1476587" cy="369332"/>
+            </a:xfrm>
+            <a:prstGeom prst="rect">
+              <a:avLst/>
+            </a:prstGeom>
+          </p:spPr>
+          <p:txBody>
+            <a:bodyPr wrap="square">
+              <a:spAutoFit/>
+            </a:bodyPr>
+            <a:lstStyle/>
+            <a:p>
+              <a:r>
+                <a:rPr lang="en-US" b="1" dirty="0">
+                  <a:solidFill>
+                    <a:srgbClr val="000000"/>
+                  </a:solidFill>
+                  <a:latin typeface="Courier New" panose="02070309020205020404" pitchFamily="49" charset="0"/>
+                </a:rPr>
+                <a:t>N = 3</a:t>
+              </a:r>
+              <a:endParaRPr lang="en-US" b="1" dirty="0">
+                <a:solidFill>
+                  <a:srgbClr val="228B22"/>
+                </a:solidFill>
+                <a:latin typeface="Courier New" panose="02070309020205020404" pitchFamily="49" charset="0"/>
+              </a:endParaRPr>
+            </a:p>
+          </p:txBody>
+        </p:sp>
+        <p:sp>
+          <p:nvSpPr>
+            <p:cNvPr id="16" name="Rectangle 15">
+              <a:extLst>
+                <a:ext uri="{FF2B5EF4-FFF2-40B4-BE49-F238E27FC236}">
+                  <a16:creationId xmlns:a16="http://schemas.microsoft.com/office/drawing/2014/main" id="{328D4F48-40DE-424A-86A2-2260E31B6518}"/>
+                </a:ext>
+              </a:extLst>
+            </p:cNvPr>
+            <p:cNvSpPr/>
+            <p:nvPr/>
+          </p:nvSpPr>
+          <p:spPr>
+            <a:xfrm>
+              <a:off x="2119365" y="4927600"/>
+              <a:ext cx="1258845" cy="1115511"/>
+            </a:xfrm>
+            <a:prstGeom prst="rect">
+              <a:avLst/>
+            </a:prstGeom>
+            <a:noFill/>
+            <a:ln w="28575"/>
+          </p:spPr>
+          <p:style>
+            <a:lnRef idx="2">
+              <a:schemeClr val="accent2"/>
+            </a:lnRef>
+            <a:fillRef idx="1">
+              <a:schemeClr val="lt1"/>
+            </a:fillRef>
+            <a:effectRef idx="0">
+              <a:schemeClr val="accent2"/>
+            </a:effectRef>
+            <a:fontRef idx="minor">
+              <a:schemeClr val="dk1"/>
+            </a:fontRef>
+          </p:style>
+          <p:txBody>
+            <a:bodyPr rtlCol="0" anchor="ctr"/>
+            <a:lstStyle/>
+            <a:p>
+              <a:pPr algn="ctr"/>
+              <a:endParaRPr lang="en-US"/>
+            </a:p>
+          </p:txBody>
+        </p:sp>
+      </p:grpSp>
+      <p:sp>
+        <p:nvSpPr>
+          <p:cNvPr id="17" name="Rectangle 16">
+            <a:extLst>
+              <a:ext uri="{FF2B5EF4-FFF2-40B4-BE49-F238E27FC236}">
+                <a16:creationId xmlns:a16="http://schemas.microsoft.com/office/drawing/2014/main" id="{F5B4EA05-0C01-4A51-A1B5-EDF572021947}"/>
+              </a:ext>
+            </a:extLst>
+          </p:cNvPr>
+          <p:cNvSpPr/>
+          <p:nvPr/>
+        </p:nvSpPr>
+        <p:spPr>
+          <a:xfrm>
+            <a:off x="6137906" y="3544452"/>
+            <a:ext cx="1258845" cy="1115511"/>
+          </a:xfrm>
+          <a:prstGeom prst="rect">
+            <a:avLst/>
+          </a:prstGeom>
+          <a:noFill/>
+          <a:ln w="28575"/>
+        </p:spPr>
+        <p:style>
+          <a:lnRef idx="2">
+            <a:schemeClr val="accent2"/>
+          </a:lnRef>
+          <a:fillRef idx="1">
+            <a:schemeClr val="lt1"/>
+          </a:fillRef>
+          <a:effectRef idx="0">
+            <a:schemeClr val="accent2"/>
+          </a:effectRef>
+          <a:fontRef idx="minor">
+            <a:schemeClr val="dk1"/>
+          </a:fontRef>
+        </p:style>
+        <p:txBody>
+          <a:bodyPr rtlCol="0" anchor="ctr"/>
+          <a:lstStyle/>
+          <a:p>
+            <a:pPr algn="ctr"/>
+            <a:endParaRPr lang="en-US"/>
+          </a:p>
+        </p:txBody>
+      </p:sp>
+      <p:sp>
+        <p:nvSpPr>
+          <p:cNvPr id="18" name="Rectangle 17">
+            <a:extLst>
+              <a:ext uri="{FF2B5EF4-FFF2-40B4-BE49-F238E27FC236}">
+                <a16:creationId xmlns:a16="http://schemas.microsoft.com/office/drawing/2014/main" id="{6E7EFC4C-A555-4803-AF30-5D6A72CDFF23}"/>
+              </a:ext>
+            </a:extLst>
+          </p:cNvPr>
+          <p:cNvSpPr/>
+          <p:nvPr/>
+        </p:nvSpPr>
+        <p:spPr>
+          <a:xfrm>
+            <a:off x="9397596" y="3465305"/>
+            <a:ext cx="1258845" cy="1115511"/>
+          </a:xfrm>
+          <a:prstGeom prst="rect">
+            <a:avLst/>
+          </a:prstGeom>
+          <a:noFill/>
+          <a:ln w="28575"/>
+        </p:spPr>
+        <p:style>
+          <a:lnRef idx="2">
+            <a:schemeClr val="accent2"/>
+          </a:lnRef>
+          <a:fillRef idx="1">
+            <a:schemeClr val="lt1"/>
+          </a:fillRef>
+          <a:effectRef idx="0">
+            <a:schemeClr val="accent2"/>
+          </a:effectRef>
+          <a:fontRef idx="minor">
+            <a:schemeClr val="dk1"/>
+          </a:fontRef>
+        </p:style>
+        <p:txBody>
+          <a:bodyPr rtlCol="0" anchor="ctr"/>
+          <a:lstStyle/>
+          <a:p>
+            <a:pPr algn="ctr"/>
+            <a:endParaRPr lang="en-US"/>
+          </a:p>
+        </p:txBody>
+      </p:sp>
+    </p:spTree>
+    <p:extLst>
+      <p:ext uri="{BB962C8B-B14F-4D97-AF65-F5344CB8AC3E}">
+        <p14:creationId xmlns:p14="http://schemas.microsoft.com/office/powerpoint/2010/main" val="1180578596"/>
       </p:ext>
     </p:extLst>
   </p:cSld>
